--- a/02_Overview.pptx
+++ b/02_Overview.pptx
@@ -5,20 +5,22 @@
     <p:sldMasterId id="2147483648" r:id="rId4"/>
   </p:sldMasterIdLst>
   <p:notesMasterIdLst>
-    <p:notesMasterId r:id="rId13"/>
+    <p:notesMasterId r:id="rId15"/>
   </p:notesMasterIdLst>
   <p:handoutMasterIdLst>
-    <p:handoutMasterId r:id="rId14"/>
+    <p:handoutMasterId r:id="rId16"/>
   </p:handoutMasterIdLst>
   <p:sldIdLst>
     <p:sldId id="1533" r:id="rId5"/>
     <p:sldId id="1534" r:id="rId6"/>
-    <p:sldId id="1535" r:id="rId7"/>
-    <p:sldId id="1542" r:id="rId8"/>
-    <p:sldId id="1541" r:id="rId9"/>
-    <p:sldId id="1539" r:id="rId10"/>
-    <p:sldId id="1538" r:id="rId11"/>
-    <p:sldId id="1540" r:id="rId12"/>
+    <p:sldId id="1544" r:id="rId7"/>
+    <p:sldId id="1535" r:id="rId8"/>
+    <p:sldId id="1542" r:id="rId9"/>
+    <p:sldId id="1541" r:id="rId10"/>
+    <p:sldId id="1543" r:id="rId11"/>
+    <p:sldId id="1539" r:id="rId12"/>
+    <p:sldId id="1538" r:id="rId13"/>
+    <p:sldId id="1540" r:id="rId14"/>
   </p:sldIdLst>
   <p:sldSz cx="12192000" cy="6858000"/>
   <p:notesSz cx="6858000" cy="9144000"/>
@@ -1098,7 +1100,7 @@
           <a:p>
             <a:fld id="{F319E496-E8FF-4856-B08F-DBE14D18B236}" type="datetimeFigureOut">
               <a:rPr lang="en-US" smtClean="0"/>
-              <a:t>1/15/2021</a:t>
+              <a:t>1/21/2021</a:t>
             </a:fld>
             <a:endParaRPr lang="en-US" dirty="0"/>
           </a:p>
@@ -1275,7 +1277,7 @@
           <a:p>
             <a:fld id="{4572F63B-EF0F-9942-98B2-F67CC88AF236}" type="datetimeFigureOut">
               <a:rPr lang="en-US" smtClean="0"/>
-              <a:t>1/15/2021</a:t>
+              <a:t>1/21/2021</a:t>
             </a:fld>
             <a:endParaRPr lang="en-US" dirty="0"/>
           </a:p>
@@ -1540,6 +1542,90 @@
     </a:lvl9pPr>
   </p:notesStyle>
 </p:notesMaster>
+</file>
+
+<file path=ppt/notesSlides/notesSlide1.xml><?xml version="1.0" encoding="utf-8"?>
+<p:notes xmlns:a="http://schemas.openxmlformats.org/drawingml/2006/main" xmlns:r="http://schemas.openxmlformats.org/officeDocument/2006/relationships" xmlns:p="http://schemas.openxmlformats.org/presentationml/2006/main">
+  <p:cSld>
+    <p:spTree>
+      <p:nvGrpSpPr>
+        <p:cNvPr id="1" name=""/>
+        <p:cNvGrpSpPr/>
+        <p:nvPr/>
+      </p:nvGrpSpPr>
+      <p:grpSpPr>
+        <a:xfrm>
+          <a:off x="0" y="0"/>
+          <a:ext cx="0" cy="0"/>
+          <a:chOff x="0" y="0"/>
+          <a:chExt cx="0" cy="0"/>
+        </a:xfrm>
+      </p:grpSpPr>
+      <p:sp>
+        <p:nvSpPr>
+          <p:cNvPr id="2" name="Slide Image Placeholder 1"/>
+          <p:cNvSpPr>
+            <a:spLocks noGrp="1" noRot="1" noChangeAspect="1"/>
+          </p:cNvSpPr>
+          <p:nvPr>
+            <p:ph type="sldImg"/>
+          </p:nvPr>
+        </p:nvSpPr>
+        <p:spPr/>
+      </p:sp>
+      <p:sp>
+        <p:nvSpPr>
+          <p:cNvPr id="3" name="Notes Placeholder 2"/>
+          <p:cNvSpPr>
+            <a:spLocks noGrp="1"/>
+          </p:cNvSpPr>
+          <p:nvPr>
+            <p:ph type="body" idx="1"/>
+          </p:nvPr>
+        </p:nvSpPr>
+        <p:spPr/>
+        <p:txBody>
+          <a:bodyPr/>
+          <a:lstStyle/>
+          <a:p>
+            <a:endParaRPr lang="en-ZA" dirty="0"/>
+          </a:p>
+        </p:txBody>
+      </p:sp>
+      <p:sp>
+        <p:nvSpPr>
+          <p:cNvPr id="4" name="Slide Number Placeholder 3"/>
+          <p:cNvSpPr>
+            <a:spLocks noGrp="1"/>
+          </p:cNvSpPr>
+          <p:nvPr>
+            <p:ph type="sldNum" sz="quarter" idx="5"/>
+          </p:nvPr>
+        </p:nvSpPr>
+        <p:spPr/>
+        <p:txBody>
+          <a:bodyPr/>
+          <a:lstStyle/>
+          <a:p>
+            <a:fld id="{3FC13DA5-2DE0-6D49-B0F1-8E4B6A1CBA23}" type="slidenum">
+              <a:rPr lang="en-US" smtClean="0"/>
+              <a:t>2</a:t>
+            </a:fld>
+            <a:endParaRPr lang="en-US" dirty="0"/>
+          </a:p>
+        </p:txBody>
+      </p:sp>
+    </p:spTree>
+    <p:extLst>
+      <p:ext uri="{BB962C8B-B14F-4D97-AF65-F5344CB8AC3E}">
+        <p14:creationId xmlns:p14="http://schemas.microsoft.com/office/powerpoint/2010/main" val="431187784"/>
+      </p:ext>
+    </p:extLst>
+  </p:cSld>
+  <p:clrMapOvr>
+    <a:masterClrMapping/>
+  </p:clrMapOvr>
+</p:notes>
 </file>
 
 <file path=ppt/slideLayouts/slideLayout1.xml><?xml version="1.0" encoding="utf-8"?>
@@ -4733,7 +4819,12 @@
             <p:ph type="ctrTitle"/>
           </p:nvPr>
         </p:nvSpPr>
-        <p:spPr/>
+        <p:spPr>
+          <a:xfrm>
+            <a:off x="1524000" y="1821006"/>
+            <a:ext cx="9144000" cy="2387600"/>
+          </a:xfrm>
+        </p:spPr>
         <p:txBody>
           <a:bodyPr>
             <a:noAutofit/>
@@ -4742,30 +4833,30 @@
           <a:p>
             <a:r>
               <a:rPr lang="en-ZA" sz="3600" dirty="0"/>
-              <a:t>Demix CMMI </a:t>
+              <a:t>Demix BASE Tools</a:t>
             </a:r>
             <a:br>
               <a:rPr lang="en-ZA" sz="3600" dirty="0"/>
             </a:br>
             <a:r>
               <a:rPr lang="en-ZA" sz="3600" dirty="0"/>
-              <a:t>Appraisal Support Tools</a:t>
+              <a:t>- </a:t>
+            </a:r>
+            <a:r>
+              <a:rPr lang="en-ZA" sz="2800" dirty="0"/>
+              <a:t>Benchmark Appraisal Support Environment Tools – </a:t>
             </a:r>
             <a:br>
-              <a:rPr lang="en-ZA" sz="4400" dirty="0"/>
+              <a:rPr lang="en-ZA" sz="2800" dirty="0"/>
             </a:br>
-            <a:r>
-              <a:rPr lang="en-ZA" sz="4400" dirty="0"/>
-              <a:t>Overview</a:t>
-            </a:r>
             <a:br>
-              <a:rPr lang="en-ZA" sz="4400" dirty="0"/>
+              <a:rPr lang="en-ZA" sz="4000" dirty="0"/>
             </a:br>
             <a:r>
-              <a:rPr lang="en-ZA" sz="2400" dirty="0"/>
-              <a:t>Version 01</a:t>
-            </a:r>
-            <a:endParaRPr lang="en-ZA" sz="4400" dirty="0"/>
+              <a:rPr lang="en-ZA" sz="2000" dirty="0"/>
+              <a:t>Version 02</a:t>
+            </a:r>
+            <a:endParaRPr lang="en-ZA" sz="4000" dirty="0"/>
           </a:p>
         </p:txBody>
       </p:sp>
@@ -4785,7 +4876,12 @@
             <p:ph type="subTitle" idx="1"/>
           </p:nvPr>
         </p:nvSpPr>
-        <p:spPr/>
+        <p:spPr>
+          <a:xfrm>
+            <a:off x="1524000" y="4300681"/>
+            <a:ext cx="9144000" cy="1655762"/>
+          </a:xfrm>
+        </p:spPr>
         <p:txBody>
           <a:bodyPr>
             <a:normAutofit/>
@@ -4800,7 +4896,7 @@
           <a:p>
             <a:r>
               <a:rPr lang="en-ZA" sz="1800" dirty="0"/>
-              <a:t>15 Jan 2021</a:t>
+              <a:t>21 Jan 2021</a:t>
             </a:r>
           </a:p>
         </p:txBody>
@@ -4809,6 +4905,607 @@
     <p:extLst>
       <p:ext uri="{BB962C8B-B14F-4D97-AF65-F5344CB8AC3E}">
         <p14:creationId xmlns:p14="http://schemas.microsoft.com/office/powerpoint/2010/main" val="4254523058"/>
+      </p:ext>
+    </p:extLst>
+  </p:cSld>
+  <p:clrMapOvr>
+    <a:masterClrMapping/>
+  </p:clrMapOvr>
+</p:sld>
+</file>
+
+<file path=ppt/slides/slide10.xml><?xml version="1.0" encoding="utf-8"?>
+<p:sld xmlns:a="http://schemas.openxmlformats.org/drawingml/2006/main" xmlns:r="http://schemas.openxmlformats.org/officeDocument/2006/relationships" xmlns:p="http://schemas.openxmlformats.org/presentationml/2006/main">
+  <p:cSld>
+    <p:spTree>
+      <p:nvGrpSpPr>
+        <p:cNvPr id="1" name=""/>
+        <p:cNvGrpSpPr/>
+        <p:nvPr/>
+      </p:nvGrpSpPr>
+      <p:grpSpPr>
+        <a:xfrm>
+          <a:off x="0" y="0"/>
+          <a:ext cx="0" cy="0"/>
+          <a:chOff x="0" y="0"/>
+          <a:chExt cx="0" cy="0"/>
+        </a:xfrm>
+      </p:grpSpPr>
+      <p:pic>
+        <p:nvPicPr>
+          <p:cNvPr id="4" name="Picture 3">
+            <a:extLst>
+              <a:ext uri="{FF2B5EF4-FFF2-40B4-BE49-F238E27FC236}">
+                <a16:creationId xmlns:a16="http://schemas.microsoft.com/office/drawing/2014/main" id="{6311327B-CB81-4862-A193-B981F6009373}"/>
+              </a:ext>
+            </a:extLst>
+          </p:cNvPr>
+          <p:cNvPicPr>
+            <a:picLocks noChangeAspect="1"/>
+          </p:cNvPicPr>
+          <p:nvPr/>
+        </p:nvPicPr>
+        <p:blipFill>
+          <a:blip r:embed="rId2"/>
+          <a:stretch>
+            <a:fillRect/>
+          </a:stretch>
+        </p:blipFill>
+        <p:spPr>
+          <a:xfrm>
+            <a:off x="1500028" y="2029678"/>
+            <a:ext cx="7265523" cy="3696246"/>
+          </a:xfrm>
+          <a:prstGeom prst="rect">
+            <a:avLst/>
+          </a:prstGeom>
+        </p:spPr>
+      </p:pic>
+      <p:sp>
+        <p:nvSpPr>
+          <p:cNvPr id="3" name="Content Placeholder 2">
+            <a:extLst>
+              <a:ext uri="{FF2B5EF4-FFF2-40B4-BE49-F238E27FC236}">
+                <a16:creationId xmlns:a16="http://schemas.microsoft.com/office/drawing/2014/main" id="{BD342F81-AD7E-4A7A-9675-88DC2E79140B}"/>
+              </a:ext>
+            </a:extLst>
+          </p:cNvPr>
+          <p:cNvSpPr>
+            <a:spLocks noGrp="1"/>
+          </p:cNvSpPr>
+          <p:nvPr>
+            <p:ph idx="1"/>
+          </p:nvPr>
+        </p:nvSpPr>
+        <p:spPr/>
+        <p:txBody>
+          <a:bodyPr/>
+          <a:lstStyle/>
+          <a:p>
+            <a:pPr marL="0" indent="0">
+              <a:buNone/>
+            </a:pPr>
+            <a:r>
+              <a:rPr lang="en-ZA" sz="1800" dirty="0">
+                <a:solidFill>
+                  <a:srgbClr val="363639"/>
+                </a:solidFill>
+                <a:effectLst/>
+                <a:latin typeface="Helvetica" panose="020B0604020202020204" pitchFamily="34" charset="0"/>
+                <a:ea typeface="Calibri" panose="020F0502020204030204" pitchFamily="34" charset="0"/>
+                <a:cs typeface="Calibri" panose="020F0502020204030204" pitchFamily="34" charset="0"/>
+              </a:rPr>
+              <a:t>Used with the CAS_Plan.xlsm to generate a compact OE database.</a:t>
+            </a:r>
+          </a:p>
+          <a:p>
+            <a:pPr marL="0" indent="0">
+              <a:buNone/>
+            </a:pPr>
+            <a:endParaRPr lang="en-ZA" sz="1800" dirty="0">
+              <a:solidFill>
+                <a:srgbClr val="363639"/>
+              </a:solidFill>
+              <a:effectLst/>
+              <a:latin typeface="Helvetica" panose="020B0604020202020204" pitchFamily="34" charset="0"/>
+              <a:ea typeface="Calibri" panose="020F0502020204030204" pitchFamily="34" charset="0"/>
+              <a:cs typeface="Calibri" panose="020F0502020204030204" pitchFamily="34" charset="0"/>
+            </a:endParaRPr>
+          </a:p>
+        </p:txBody>
+      </p:sp>
+      <p:sp>
+        <p:nvSpPr>
+          <p:cNvPr id="6" name="Speech Bubble: Rectangle 5">
+            <a:extLst>
+              <a:ext uri="{FF2B5EF4-FFF2-40B4-BE49-F238E27FC236}">
+                <a16:creationId xmlns:a16="http://schemas.microsoft.com/office/drawing/2014/main" id="{9F48DA00-165B-47F3-8B6D-F041EFFD796C}"/>
+              </a:ext>
+            </a:extLst>
+          </p:cNvPr>
+          <p:cNvSpPr/>
+          <p:nvPr/>
+        </p:nvSpPr>
+        <p:spPr>
+          <a:xfrm>
+            <a:off x="326678" y="2265386"/>
+            <a:ext cx="1266651" cy="1001796"/>
+          </a:xfrm>
+          <a:prstGeom prst="wedgeRectCallout">
+            <a:avLst>
+              <a:gd name="adj1" fmla="val 83450"/>
+              <a:gd name="adj2" fmla="val -5965"/>
+            </a:avLst>
+          </a:prstGeom>
+        </p:spPr>
+        <p:style>
+          <a:lnRef idx="2">
+            <a:schemeClr val="accent1">
+              <a:shade val="50000"/>
+            </a:schemeClr>
+          </a:lnRef>
+          <a:fillRef idx="1">
+            <a:schemeClr val="accent1"/>
+          </a:fillRef>
+          <a:effectRef idx="0">
+            <a:schemeClr val="accent1"/>
+          </a:effectRef>
+          <a:fontRef idx="minor">
+            <a:schemeClr val="lt1"/>
+          </a:fontRef>
+        </p:style>
+        <p:txBody>
+          <a:bodyPr rtlCol="0" anchor="ctr"/>
+          <a:lstStyle/>
+          <a:p>
+            <a:pPr algn="ctr"/>
+            <a:r>
+              <a:rPr lang="en-ZA" sz="1400" dirty="0"/>
+              <a:t>Select a BASE </a:t>
+            </a:r>
+            <a:r>
+              <a:rPr lang="en-ZA" sz="1400" dirty="0" err="1"/>
+              <a:t>OEdb</a:t>
+            </a:r>
+            <a:r>
+              <a:rPr lang="en-ZA" sz="1400" dirty="0"/>
+              <a:t> to create (template) </a:t>
+            </a:r>
+          </a:p>
+        </p:txBody>
+      </p:sp>
+      <p:sp>
+        <p:nvSpPr>
+          <p:cNvPr id="7" name="Speech Bubble: Rectangle 6">
+            <a:extLst>
+              <a:ext uri="{FF2B5EF4-FFF2-40B4-BE49-F238E27FC236}">
+                <a16:creationId xmlns:a16="http://schemas.microsoft.com/office/drawing/2014/main" id="{82E456E3-6EF9-44DB-9778-BE627CE6E43F}"/>
+              </a:ext>
+            </a:extLst>
+          </p:cNvPr>
+          <p:cNvSpPr/>
+          <p:nvPr/>
+        </p:nvSpPr>
+        <p:spPr>
+          <a:xfrm>
+            <a:off x="8765551" y="1317047"/>
+            <a:ext cx="1266651" cy="1487056"/>
+          </a:xfrm>
+          <a:prstGeom prst="wedgeRectCallout">
+            <a:avLst>
+              <a:gd name="adj1" fmla="val -185682"/>
+              <a:gd name="adj2" fmla="val 39478"/>
+            </a:avLst>
+          </a:prstGeom>
+        </p:spPr>
+        <p:style>
+          <a:lnRef idx="2">
+            <a:schemeClr val="accent1">
+              <a:shade val="50000"/>
+            </a:schemeClr>
+          </a:lnRef>
+          <a:fillRef idx="1">
+            <a:schemeClr val="accent1"/>
+          </a:fillRef>
+          <a:effectRef idx="0">
+            <a:schemeClr val="accent1"/>
+          </a:effectRef>
+          <a:fontRef idx="minor">
+            <a:schemeClr val="lt1"/>
+          </a:fontRef>
+        </p:style>
+        <p:txBody>
+          <a:bodyPr rtlCol="0" anchor="ctr"/>
+          <a:lstStyle/>
+          <a:p>
+            <a:pPr algn="ctr"/>
+            <a:r>
+              <a:rPr lang="en-ZA" sz="1400" dirty="0"/>
+              <a:t>Select a ATM’s compact db with his/her change</a:t>
+            </a:r>
+          </a:p>
+        </p:txBody>
+      </p:sp>
+      <p:sp>
+        <p:nvSpPr>
+          <p:cNvPr id="8" name="Speech Bubble: Rectangle 7">
+            <a:extLst>
+              <a:ext uri="{FF2B5EF4-FFF2-40B4-BE49-F238E27FC236}">
+                <a16:creationId xmlns:a16="http://schemas.microsoft.com/office/drawing/2014/main" id="{EF4D124E-8F15-4ACE-B5AF-1E0221454270}"/>
+              </a:ext>
+            </a:extLst>
+          </p:cNvPr>
+          <p:cNvSpPr/>
+          <p:nvPr/>
+        </p:nvSpPr>
+        <p:spPr>
+          <a:xfrm>
+            <a:off x="6096000" y="3842901"/>
+            <a:ext cx="1702213" cy="1578654"/>
+          </a:xfrm>
+          <a:prstGeom prst="wedgeRectCallout">
+            <a:avLst>
+              <a:gd name="adj1" fmla="val -126618"/>
+              <a:gd name="adj2" fmla="val -50445"/>
+            </a:avLst>
+          </a:prstGeom>
+        </p:spPr>
+        <p:style>
+          <a:lnRef idx="2">
+            <a:schemeClr val="accent1">
+              <a:shade val="50000"/>
+            </a:schemeClr>
+          </a:lnRef>
+          <a:fillRef idx="1">
+            <a:schemeClr val="accent1"/>
+          </a:fillRef>
+          <a:effectRef idx="0">
+            <a:schemeClr val="accent1"/>
+          </a:effectRef>
+          <a:fontRef idx="minor">
+            <a:schemeClr val="lt1"/>
+          </a:fontRef>
+        </p:style>
+        <p:txBody>
+          <a:bodyPr rtlCol="0" anchor="ctr"/>
+          <a:lstStyle/>
+          <a:p>
+            <a:pPr algn="ctr"/>
+            <a:r>
+              <a:rPr lang="en-ZA" sz="1400" dirty="0"/>
+              <a:t>Run Build </a:t>
+            </a:r>
+            <a:r>
+              <a:rPr lang="en-ZA" sz="1400" dirty="0" err="1"/>
+              <a:t>tmpDictionary</a:t>
+            </a:r>
+            <a:r>
+              <a:rPr lang="en-ZA" sz="1400" dirty="0"/>
+              <a:t> first</a:t>
+            </a:r>
+          </a:p>
+          <a:p>
+            <a:pPr algn="ctr"/>
+            <a:r>
+              <a:rPr lang="en-ZA" sz="1400" dirty="0"/>
+              <a:t>Then build an </a:t>
+            </a:r>
+            <a:r>
+              <a:rPr lang="en-ZA" sz="1400" dirty="0" err="1"/>
+              <a:t>OU</a:t>
+            </a:r>
+            <a:r>
+              <a:rPr lang="en-ZA" sz="1400" dirty="0"/>
+              <a:t> maps</a:t>
+            </a:r>
+          </a:p>
+          <a:p>
+            <a:pPr algn="ctr"/>
+            <a:r>
+              <a:rPr lang="en-ZA" sz="1400" dirty="0"/>
+              <a:t>Note: does not build all yet. Needs enhancement</a:t>
+            </a:r>
+          </a:p>
+        </p:txBody>
+      </p:sp>
+      <p:sp>
+        <p:nvSpPr>
+          <p:cNvPr id="9" name="Speech Bubble: Rectangle 8">
+            <a:extLst>
+              <a:ext uri="{FF2B5EF4-FFF2-40B4-BE49-F238E27FC236}">
+                <a16:creationId xmlns:a16="http://schemas.microsoft.com/office/drawing/2014/main" id="{CA7CD5F4-B986-4C37-A19A-6A79C05EE203}"/>
+              </a:ext>
+            </a:extLst>
+          </p:cNvPr>
+          <p:cNvSpPr/>
+          <p:nvPr/>
+        </p:nvSpPr>
+        <p:spPr>
+          <a:xfrm>
+            <a:off x="143838" y="3349375"/>
+            <a:ext cx="1726059" cy="1465555"/>
+          </a:xfrm>
+          <a:prstGeom prst="wedgeRectCallout">
+            <a:avLst>
+              <a:gd name="adj1" fmla="val 60732"/>
+              <a:gd name="adj2" fmla="val -44530"/>
+            </a:avLst>
+          </a:prstGeom>
+        </p:spPr>
+        <p:style>
+          <a:lnRef idx="2">
+            <a:schemeClr val="accent1">
+              <a:shade val="50000"/>
+            </a:schemeClr>
+          </a:lnRef>
+          <a:fillRef idx="1">
+            <a:schemeClr val="accent1"/>
+          </a:fillRef>
+          <a:effectRef idx="0">
+            <a:schemeClr val="accent1"/>
+          </a:effectRef>
+          <a:fontRef idx="minor">
+            <a:schemeClr val="lt1"/>
+          </a:fontRef>
+        </p:style>
+        <p:txBody>
+          <a:bodyPr rtlCol="0" anchor="ctr"/>
+          <a:lstStyle/>
+          <a:p>
+            <a:pPr algn="ctr"/>
+            <a:r>
+              <a:rPr lang="en-ZA" sz="1400" dirty="0"/>
+              <a:t>Generate a BASE </a:t>
+            </a:r>
+            <a:r>
+              <a:rPr lang="en-ZA" sz="1400" dirty="0" err="1"/>
+              <a:t>OEdb</a:t>
+            </a:r>
+            <a:r>
+              <a:rPr lang="en-ZA" sz="1400" dirty="0"/>
+              <a:t> for this appraisal based on 01_rrVaa_CompanyName_CAS_Plan.xlsm </a:t>
+            </a:r>
+          </a:p>
+        </p:txBody>
+      </p:sp>
+      <p:sp>
+        <p:nvSpPr>
+          <p:cNvPr id="10" name="Speech Bubble: Rectangle 9">
+            <a:extLst>
+              <a:ext uri="{FF2B5EF4-FFF2-40B4-BE49-F238E27FC236}">
+                <a16:creationId xmlns:a16="http://schemas.microsoft.com/office/drawing/2014/main" id="{113DB798-E9D9-4364-B9C9-148EFDAB9D80}"/>
+              </a:ext>
+            </a:extLst>
+          </p:cNvPr>
+          <p:cNvSpPr/>
+          <p:nvPr/>
+        </p:nvSpPr>
+        <p:spPr>
+          <a:xfrm>
+            <a:off x="423144" y="5228854"/>
+            <a:ext cx="2036562" cy="1465555"/>
+          </a:xfrm>
+          <a:prstGeom prst="wedgeRectCallout">
+            <a:avLst>
+              <a:gd name="adj1" fmla="val 34070"/>
+              <a:gd name="adj2" fmla="val -134102"/>
+            </a:avLst>
+          </a:prstGeom>
+        </p:spPr>
+        <p:style>
+          <a:lnRef idx="2">
+            <a:schemeClr val="accent1">
+              <a:shade val="50000"/>
+            </a:schemeClr>
+          </a:lnRef>
+          <a:fillRef idx="1">
+            <a:schemeClr val="accent1"/>
+          </a:fillRef>
+          <a:effectRef idx="0">
+            <a:schemeClr val="accent1"/>
+          </a:effectRef>
+          <a:fontRef idx="minor">
+            <a:schemeClr val="lt1"/>
+          </a:fontRef>
+        </p:style>
+        <p:txBody>
+          <a:bodyPr rtlCol="0" anchor="ctr"/>
+          <a:lstStyle/>
+          <a:p>
+            <a:pPr algn="ctr"/>
+            <a:r>
+              <a:rPr lang="en-ZA" sz="1400" dirty="0"/>
+              <a:t>Test the links in the BASE </a:t>
+            </a:r>
+            <a:r>
+              <a:rPr lang="en-ZA" sz="1400" dirty="0" err="1"/>
+              <a:t>OEdb</a:t>
+            </a:r>
+            <a:r>
+              <a:rPr lang="en-ZA" sz="1400" dirty="0"/>
+              <a:t>. Test if English translation of documents are present (-engl) and add ‘n link to the enlsih version</a:t>
+            </a:r>
+          </a:p>
+        </p:txBody>
+      </p:sp>
+      <p:sp>
+        <p:nvSpPr>
+          <p:cNvPr id="11" name="Speech Bubble: Rectangle 10">
+            <a:extLst>
+              <a:ext uri="{FF2B5EF4-FFF2-40B4-BE49-F238E27FC236}">
+                <a16:creationId xmlns:a16="http://schemas.microsoft.com/office/drawing/2014/main" id="{987D8FC4-1E01-4A9D-9454-FE0902399047}"/>
+              </a:ext>
+            </a:extLst>
+          </p:cNvPr>
+          <p:cNvSpPr/>
+          <p:nvPr/>
+        </p:nvSpPr>
+        <p:spPr>
+          <a:xfrm>
+            <a:off x="2784249" y="5246232"/>
+            <a:ext cx="1625005" cy="922649"/>
+          </a:xfrm>
+          <a:prstGeom prst="wedgeRectCallout">
+            <a:avLst>
+              <a:gd name="adj1" fmla="val -32470"/>
+              <a:gd name="adj2" fmla="val -149012"/>
+            </a:avLst>
+          </a:prstGeom>
+        </p:spPr>
+        <p:style>
+          <a:lnRef idx="2">
+            <a:schemeClr val="accent1">
+              <a:shade val="50000"/>
+            </a:schemeClr>
+          </a:lnRef>
+          <a:fillRef idx="1">
+            <a:schemeClr val="accent1"/>
+          </a:fillRef>
+          <a:effectRef idx="0">
+            <a:schemeClr val="accent1"/>
+          </a:effectRef>
+          <a:fontRef idx="minor">
+            <a:schemeClr val="lt1"/>
+          </a:fontRef>
+        </p:style>
+        <p:txBody>
+          <a:bodyPr rtlCol="0" anchor="ctr"/>
+          <a:lstStyle/>
+          <a:p>
+            <a:pPr algn="ctr"/>
+            <a:r>
+              <a:rPr lang="en-ZA" sz="1400" dirty="0"/>
+              <a:t>Extract findings from the BASE </a:t>
+            </a:r>
+            <a:r>
+              <a:rPr lang="en-ZA" sz="1400" dirty="0" err="1"/>
+              <a:t>OEdb</a:t>
+            </a:r>
+            <a:endParaRPr lang="en-ZA" sz="1400" dirty="0"/>
+          </a:p>
+        </p:txBody>
+      </p:sp>
+      <p:sp>
+        <p:nvSpPr>
+          <p:cNvPr id="12" name="Speech Bubble: Rectangle 11">
+            <a:extLst>
+              <a:ext uri="{FF2B5EF4-FFF2-40B4-BE49-F238E27FC236}">
+                <a16:creationId xmlns:a16="http://schemas.microsoft.com/office/drawing/2014/main" id="{37750048-310A-40B4-BFC3-8100A7C1F627}"/>
+              </a:ext>
+            </a:extLst>
+          </p:cNvPr>
+          <p:cNvSpPr/>
+          <p:nvPr/>
+        </p:nvSpPr>
+        <p:spPr>
+          <a:xfrm>
+            <a:off x="8406790" y="2931784"/>
+            <a:ext cx="1805653" cy="1465555"/>
+          </a:xfrm>
+          <a:prstGeom prst="wedgeRectCallout">
+            <a:avLst>
+              <a:gd name="adj1" fmla="val -123190"/>
+              <a:gd name="adj2" fmla="val -9975"/>
+            </a:avLst>
+          </a:prstGeom>
+        </p:spPr>
+        <p:style>
+          <a:lnRef idx="2">
+            <a:schemeClr val="accent1">
+              <a:shade val="50000"/>
+            </a:schemeClr>
+          </a:lnRef>
+          <a:fillRef idx="1">
+            <a:schemeClr val="accent1"/>
+          </a:fillRef>
+          <a:effectRef idx="0">
+            <a:schemeClr val="accent1"/>
+          </a:effectRef>
+          <a:fontRef idx="minor">
+            <a:schemeClr val="lt1"/>
+          </a:fontRef>
+        </p:style>
+        <p:txBody>
+          <a:bodyPr rtlCol="0" anchor="ctr"/>
+          <a:lstStyle/>
+          <a:p>
+            <a:pPr algn="ctr"/>
+            <a:r>
+              <a:rPr lang="en-ZA" sz="1400" dirty="0"/>
+              <a:t>Merge the ATMs changes on the compact OE db with the LAs main compact OE db</a:t>
+            </a:r>
+          </a:p>
+        </p:txBody>
+      </p:sp>
+      <p:sp>
+        <p:nvSpPr>
+          <p:cNvPr id="13" name="Speech Bubble: Rectangle 12">
+            <a:extLst>
+              <a:ext uri="{FF2B5EF4-FFF2-40B4-BE49-F238E27FC236}">
+                <a16:creationId xmlns:a16="http://schemas.microsoft.com/office/drawing/2014/main" id="{2053B7A0-117E-4EC9-BE69-8BC4F5DF1318}"/>
+              </a:ext>
+            </a:extLst>
+          </p:cNvPr>
+          <p:cNvSpPr/>
+          <p:nvPr/>
+        </p:nvSpPr>
+        <p:spPr>
+          <a:xfrm>
+            <a:off x="4529875" y="5475791"/>
+            <a:ext cx="1625005" cy="922649"/>
+          </a:xfrm>
+          <a:prstGeom prst="wedgeRectCallout">
+            <a:avLst>
+              <a:gd name="adj1" fmla="val -52070"/>
+              <a:gd name="adj2" fmla="val -173510"/>
+            </a:avLst>
+          </a:prstGeom>
+        </p:spPr>
+        <p:style>
+          <a:lnRef idx="2">
+            <a:schemeClr val="accent1">
+              <a:shade val="50000"/>
+            </a:schemeClr>
+          </a:lnRef>
+          <a:fillRef idx="1">
+            <a:schemeClr val="accent1"/>
+          </a:fillRef>
+          <a:effectRef idx="0">
+            <a:schemeClr val="accent1"/>
+          </a:effectRef>
+          <a:fontRef idx="minor">
+            <a:schemeClr val="lt1"/>
+          </a:fontRef>
+        </p:style>
+        <p:txBody>
+          <a:bodyPr rtlCol="0" anchor="ctr"/>
+          <a:lstStyle/>
+          <a:p>
+            <a:pPr algn="ctr"/>
+            <a:r>
+              <a:rPr lang="en-ZA" sz="1400" dirty="0"/>
+              <a:t>Remove project specific info for </a:t>
+            </a:r>
+            <a:r>
+              <a:rPr lang="en-ZA" sz="1400" dirty="0" err="1"/>
+              <a:t>C&amp;NA</a:t>
+            </a:r>
+            <a:r>
+              <a:rPr lang="en-ZA" sz="1400" dirty="0"/>
+              <a:t> </a:t>
+            </a:r>
+            <a:r>
+              <a:rPr lang="en-ZA" sz="1400" dirty="0" err="1"/>
+              <a:t>purpuses</a:t>
+            </a:r>
+            <a:endParaRPr lang="en-ZA" sz="1400" dirty="0"/>
+          </a:p>
+        </p:txBody>
+      </p:sp>
+    </p:spTree>
+    <p:extLst>
+      <p:ext uri="{BB962C8B-B14F-4D97-AF65-F5344CB8AC3E}">
+        <p14:creationId xmlns:p14="http://schemas.microsoft.com/office/powerpoint/2010/main" val="2495827654"/>
       </p:ext>
     </p:extLst>
   </p:cSld>
@@ -4851,14 +5548,14 @@
             <p:ph idx="1"/>
             <p:extLst>
               <p:ext uri="{D42A27DB-BD31-4B8C-83A1-F6EECF244321}">
-                <p14:modId xmlns:p14="http://schemas.microsoft.com/office/powerpoint/2010/main" val="3257130597"/>
+                <p14:modId xmlns:p14="http://schemas.microsoft.com/office/powerpoint/2010/main" val="1858185811"/>
               </p:ext>
             </p:extLst>
           </p:nvPr>
         </p:nvGraphicFramePr>
         <p:xfrm>
-          <a:off x="2560286" y="1043562"/>
-          <a:ext cx="6269678" cy="4754880"/>
+          <a:off x="2601383" y="1299168"/>
+          <a:ext cx="6269678" cy="4572000"/>
         </p:xfrm>
         <a:graphic>
           <a:graphicData uri="http://schemas.openxmlformats.org/drawingml/2006/table">
@@ -4930,7 +5627,7 @@
                           </a:solidFill>
                           <a:effectLst/>
                           <a:latin typeface="Calibri" panose="020F0502020204030204" pitchFamily="34" charset="0"/>
-                          <a:hlinkClick r:id="rId2"/>
+                          <a:hlinkClick r:id="rId3"/>
                         </a:rPr>
                         <a:t>http://www.demix.org</a:t>
                       </a:r>
@@ -5372,6 +6069,40 @@
                         <a:t>copies or substantial portions of the Software.</a:t>
                       </a:r>
                     </a:p>
+                    <a:p>
+                      <a:pPr algn="ctr" fontAlgn="ctr"/>
+                      <a:r>
+                        <a:rPr lang="en-US" sz="1200" b="0" i="0" u="none" strike="noStrike" dirty="0">
+                          <a:solidFill>
+                            <a:srgbClr val="000000"/>
+                          </a:solidFill>
+                          <a:effectLst/>
+                          <a:latin typeface="Calibri" panose="020F0502020204030204" pitchFamily="34" charset="0"/>
+                        </a:rPr>
+                        <a:t>Email your acceptance of the license agreement to </a:t>
+                      </a:r>
+                      <a:r>
+                        <a:rPr lang="en-US" sz="1200" b="0" i="0" u="none" strike="noStrike" dirty="0" err="1">
+                          <a:solidFill>
+                            <a:srgbClr val="000000"/>
+                          </a:solidFill>
+                          <a:effectLst/>
+                          <a:latin typeface="Calibri" panose="020F0502020204030204" pitchFamily="34" charset="0"/>
+                          <a:hlinkClick r:id="rId4"/>
+                        </a:rPr>
+                        <a:t>request@demix.org</a:t>
+                      </a:r>
+                      <a:r>
+                        <a:rPr lang="en-US" sz="1200" b="0" i="0" u="none" strike="noStrike" dirty="0">
+                          <a:solidFill>
+                            <a:srgbClr val="000000"/>
+                          </a:solidFill>
+                          <a:effectLst/>
+                          <a:latin typeface="Calibri" panose="020F0502020204030204" pitchFamily="34" charset="0"/>
+                        </a:rPr>
+                        <a:t> </a:t>
+                      </a:r>
+                    </a:p>
                   </a:txBody>
                   <a:tcPr marL="0" marR="0" marT="0" marB="0" anchor="ctr">
                     <a:lnL>
@@ -5748,103 +6479,6 @@
                     <a:lstStyle/>
                     <a:p>
                       <a:pPr algn="ctr" fontAlgn="ctr"/>
-                      <a:r>
-                        <a:rPr lang="en-ZA" sz="1200" b="0" i="0" u="none" strike="noStrike" dirty="0">
-                          <a:solidFill>
-                            <a:srgbClr val="000000"/>
-                          </a:solidFill>
-                          <a:effectLst/>
-                          <a:latin typeface="Calibri" panose="020F0502020204030204" pitchFamily="34" charset="0"/>
-                        </a:rPr>
-                        <a:t> </a:t>
-                      </a:r>
-                    </a:p>
-                  </a:txBody>
-                  <a:tcPr marL="0" marR="0" marT="0" marB="0" anchor="ctr">
-                    <a:lnL>
-                      <a:noFill/>
-                    </a:lnL>
-                    <a:lnR>
-                      <a:noFill/>
-                    </a:lnR>
-                    <a:lnT>
-                      <a:noFill/>
-                    </a:lnT>
-                    <a:lnB>
-                      <a:noFill/>
-                    </a:lnB>
-                    <a:solidFill>
-                      <a:srgbClr val="FFFFFF"/>
-                    </a:solidFill>
-                  </a:tcPr>
-                </a:tc>
-                <a:extLst>
-                  <a:ext uri="{0D108BD9-81ED-4DB2-BD59-A6C34878D82A}">
-                    <a16:rowId xmlns:a16="http://schemas.microsoft.com/office/drawing/2014/main" val="3135059026"/>
-                  </a:ext>
-                </a:extLst>
-              </a:tr>
-              <a:tr h="172948">
-                <a:tc>
-                  <a:txBody>
-                    <a:bodyPr/>
-                    <a:lstStyle/>
-                    <a:p>
-                      <a:pPr algn="ctr" fontAlgn="ctr"/>
-                      <a:r>
-                        <a:rPr lang="en-US" sz="1200" b="0" i="0" u="none" strike="noStrike" dirty="0">
-                          <a:solidFill>
-                            <a:srgbClr val="000000"/>
-                          </a:solidFill>
-                          <a:effectLst/>
-                          <a:latin typeface="Calibri" panose="020F0502020204030204" pitchFamily="34" charset="0"/>
-                        </a:rPr>
-                        <a:t>The user can accept this license agreement by sending their name and surname to</a:t>
-                      </a:r>
-                    </a:p>
-                  </a:txBody>
-                  <a:tcPr marL="0" marR="0" marT="0" marB="0" anchor="ctr">
-                    <a:lnL>
-                      <a:noFill/>
-                    </a:lnL>
-                    <a:lnR>
-                      <a:noFill/>
-                    </a:lnR>
-                    <a:lnT>
-                      <a:noFill/>
-                    </a:lnT>
-                    <a:lnB>
-                      <a:noFill/>
-                    </a:lnB>
-                    <a:solidFill>
-                      <a:srgbClr val="FFFFFF"/>
-                    </a:solidFill>
-                  </a:tcPr>
-                </a:tc>
-                <a:extLst>
-                  <a:ext uri="{0D108BD9-81ED-4DB2-BD59-A6C34878D82A}">
-                    <a16:rowId xmlns:a16="http://schemas.microsoft.com/office/drawing/2014/main" val="3574842213"/>
-                  </a:ext>
-                </a:extLst>
-              </a:tr>
-              <a:tr h="172948">
-                <a:tc>
-                  <a:txBody>
-                    <a:bodyPr/>
-                    <a:lstStyle/>
-                    <a:p>
-                      <a:pPr algn="ctr" fontAlgn="ctr"/>
-                      <a:r>
-                        <a:rPr lang="en-ZA" sz="1200" b="0" i="0" u="sng" strike="noStrike" dirty="0">
-                          <a:solidFill>
-                            <a:srgbClr val="0563C1"/>
-                          </a:solidFill>
-                          <a:effectLst/>
-                          <a:latin typeface="Calibri" panose="020F0502020204030204" pitchFamily="34" charset="0"/>
-                          <a:hlinkClick r:id="rId3"/>
-                        </a:rPr>
-                        <a:t>request@demix.org</a:t>
-                      </a:r>
                       <a:endParaRPr lang="en-ZA" sz="1200" b="0" i="0" u="sng" strike="noStrike" dirty="0">
                         <a:solidFill>
                           <a:srgbClr val="0563C1"/>
@@ -5978,7 +6612,7 @@
                           </a:solidFill>
                           <a:effectLst/>
                           <a:latin typeface="Calibri" panose="020F0502020204030204" pitchFamily="34" charset="0"/>
-                          <a:hlinkClick r:id="rId4"/>
+                          <a:hlinkClick r:id="rId5"/>
                         </a:rPr>
                         <a:t>request@demix.org</a:t>
                       </a:r>
@@ -6085,6 +6719,180 @@
 </file>
 
 <file path=ppt/slides/slide3.xml><?xml version="1.0" encoding="utf-8"?>
+<p:sld xmlns:a="http://schemas.openxmlformats.org/drawingml/2006/main" xmlns:r="http://schemas.openxmlformats.org/officeDocument/2006/relationships" xmlns:p="http://schemas.openxmlformats.org/presentationml/2006/main">
+  <p:cSld>
+    <p:spTree>
+      <p:nvGrpSpPr>
+        <p:cNvPr id="1" name=""/>
+        <p:cNvGrpSpPr/>
+        <p:nvPr/>
+      </p:nvGrpSpPr>
+      <p:grpSpPr>
+        <a:xfrm>
+          <a:off x="0" y="0"/>
+          <a:ext cx="0" cy="0"/>
+          <a:chOff x="0" y="0"/>
+          <a:chExt cx="0" cy="0"/>
+        </a:xfrm>
+      </p:grpSpPr>
+      <p:sp>
+        <p:nvSpPr>
+          <p:cNvPr id="2" name="Title 1">
+            <a:extLst>
+              <a:ext uri="{FF2B5EF4-FFF2-40B4-BE49-F238E27FC236}">
+                <a16:creationId xmlns:a16="http://schemas.microsoft.com/office/drawing/2014/main" id="{8B75BDF4-2AC3-4920-B1F1-8938FF77D0A5}"/>
+              </a:ext>
+            </a:extLst>
+          </p:cNvPr>
+          <p:cNvSpPr>
+            <a:spLocks noGrp="1"/>
+          </p:cNvSpPr>
+          <p:nvPr>
+            <p:ph type="title"/>
+          </p:nvPr>
+        </p:nvSpPr>
+        <p:spPr/>
+        <p:txBody>
+          <a:bodyPr/>
+          <a:lstStyle/>
+          <a:p>
+            <a:r>
+              <a:rPr lang="en-ZA" dirty="0"/>
+              <a:t>Please note</a:t>
+            </a:r>
+          </a:p>
+        </p:txBody>
+      </p:sp>
+      <p:sp>
+        <p:nvSpPr>
+          <p:cNvPr id="3" name="Content Placeholder 2">
+            <a:extLst>
+              <a:ext uri="{FF2B5EF4-FFF2-40B4-BE49-F238E27FC236}">
+                <a16:creationId xmlns:a16="http://schemas.microsoft.com/office/drawing/2014/main" id="{D9FC0E00-68AA-442A-A4C9-8724F52A6854}"/>
+              </a:ext>
+            </a:extLst>
+          </p:cNvPr>
+          <p:cNvSpPr>
+            <a:spLocks noGrp="1"/>
+          </p:cNvSpPr>
+          <p:nvPr>
+            <p:ph idx="1"/>
+          </p:nvPr>
+        </p:nvSpPr>
+        <p:spPr/>
+        <p:txBody>
+          <a:bodyPr/>
+          <a:lstStyle/>
+          <a:p>
+            <a:pPr marL="0" indent="0">
+              <a:buNone/>
+            </a:pPr>
+            <a:r>
+              <a:rPr lang="en-ZA" dirty="0"/>
+              <a:t>The BASE software is in development mode and therefore many potential enhancements still can be made. Software user friendliness also needs to be improved and bugs could still be present.</a:t>
+            </a:r>
+          </a:p>
+          <a:p>
+            <a:pPr marL="0" indent="0">
+              <a:buNone/>
+            </a:pPr>
+            <a:endParaRPr lang="en-ZA" dirty="0"/>
+          </a:p>
+          <a:p>
+            <a:pPr marL="0" indent="0">
+              <a:buNone/>
+            </a:pPr>
+            <a:r>
+              <a:rPr lang="en-ZA" dirty="0"/>
+              <a:t>The software is provided under the license agreement </a:t>
+            </a:r>
+          </a:p>
+          <a:p>
+            <a:pPr marL="0" indent="0">
+              <a:buNone/>
+            </a:pPr>
+            <a:r>
+              <a:rPr lang="en-ZA" sz="2400" dirty="0">
+                <a:hlinkClick r:id="rId2"/>
+              </a:rPr>
+              <a:t>https://</a:t>
+            </a:r>
+            <a:r>
+              <a:rPr lang="en-ZA" sz="2400" dirty="0" err="1">
+                <a:hlinkClick r:id="rId2"/>
+              </a:rPr>
+              <a:t>github.com</a:t>
+            </a:r>
+            <a:r>
+              <a:rPr lang="en-ZA" sz="2400" dirty="0">
+                <a:hlinkClick r:id="rId2"/>
+              </a:rPr>
+              <a:t>/</a:t>
+            </a:r>
+            <a:r>
+              <a:rPr lang="en-ZA" sz="2400" dirty="0" err="1">
+                <a:hlinkClick r:id="rId2"/>
+              </a:rPr>
+              <a:t>DemixTech</a:t>
+            </a:r>
+            <a:r>
+              <a:rPr lang="en-ZA" sz="2400" dirty="0">
+                <a:hlinkClick r:id="rId2"/>
+              </a:rPr>
+              <a:t>/</a:t>
+            </a:r>
+            <a:r>
+              <a:rPr lang="en-ZA" sz="2400" dirty="0" err="1">
+                <a:hlinkClick r:id="rId2"/>
+              </a:rPr>
+              <a:t>CMMITools</a:t>
+            </a:r>
+            <a:r>
+              <a:rPr lang="en-ZA" sz="2400" dirty="0">
+                <a:hlinkClick r:id="rId2"/>
+              </a:rPr>
+              <a:t>/blob/main/LICENSE</a:t>
+            </a:r>
+            <a:r>
+              <a:rPr lang="en-ZA" sz="2400" dirty="0"/>
+              <a:t> </a:t>
+            </a:r>
+          </a:p>
+          <a:p>
+            <a:pPr marL="0" indent="0">
+              <a:buNone/>
+            </a:pPr>
+            <a:r>
+              <a:rPr lang="en-ZA" dirty="0"/>
+              <a:t>and without any support. Please submit enhancement requests and support requests to </a:t>
+            </a:r>
+            <a:r>
+              <a:rPr lang="en-ZA" dirty="0" err="1">
+                <a:hlinkClick r:id="rId3"/>
+              </a:rPr>
+              <a:t>request@demix.org</a:t>
+            </a:r>
+            <a:r>
+              <a:rPr lang="en-ZA" dirty="0"/>
+              <a:t> </a:t>
+            </a:r>
+          </a:p>
+        </p:txBody>
+      </p:sp>
+    </p:spTree>
+    <p:extLst>
+      <p:ext uri="{BB962C8B-B14F-4D97-AF65-F5344CB8AC3E}">
+        <p14:creationId xmlns:p14="http://schemas.microsoft.com/office/powerpoint/2010/main" val="559565039"/>
+      </p:ext>
+    </p:extLst>
+  </p:cSld>
+  <p:clrMapOvr>
+    <a:masterClrMapping/>
+  </p:clrMapOvr>
+</p:sld>
+</file>
+
+<file path=ppt/slides/slide4.xml><?xml version="1.0" encoding="utf-8"?>
 <p:sld xmlns:a="http://schemas.openxmlformats.org/drawingml/2006/main" xmlns:r="http://schemas.openxmlformats.org/officeDocument/2006/relationships" xmlns:p="http://schemas.openxmlformats.org/presentationml/2006/main">
   <p:cSld>
     <p:spTree>
@@ -6341,7 +7149,7 @@
 </p:sld>
 </file>
 
-<file path=ppt/slides/slide4.xml><?xml version="1.0" encoding="utf-8"?>
+<file path=ppt/slides/slide5.xml><?xml version="1.0" encoding="utf-8"?>
 <p:sld xmlns:a="http://schemas.openxmlformats.org/drawingml/2006/main" xmlns:r="http://schemas.openxmlformats.org/officeDocument/2006/relationships" xmlns:p="http://schemas.openxmlformats.org/presentationml/2006/main">
   <p:cSld>
     <p:spTree>
@@ -6598,7 +7406,7 @@
 </p:sld>
 </file>
 
-<file path=ppt/slides/slide5.xml><?xml version="1.0" encoding="utf-8"?>
+<file path=ppt/slides/slide6.xml><?xml version="1.0" encoding="utf-8"?>
 <p:sld xmlns:a="http://schemas.openxmlformats.org/drawingml/2006/main" xmlns:r="http://schemas.openxmlformats.org/officeDocument/2006/relationships" xmlns:p="http://schemas.openxmlformats.org/presentationml/2006/main">
   <p:cSld>
     <p:spTree>
@@ -6816,7 +7624,7 @@
 </p:sld>
 </file>
 
-<file path=ppt/slides/slide6.xml><?xml version="1.0" encoding="utf-8"?>
+<file path=ppt/slides/slide7.xml><?xml version="1.0" encoding="utf-8"?>
 <p:sld xmlns:a="http://schemas.openxmlformats.org/drawingml/2006/main" xmlns:r="http://schemas.openxmlformats.org/officeDocument/2006/relationships" xmlns:p="http://schemas.openxmlformats.org/presentationml/2006/main">
   <p:cSld>
     <p:spTree>
@@ -6854,46 +7662,171 @@
           <a:bodyPr/>
           <a:lstStyle/>
           <a:p>
-            <a:endParaRPr lang="en-ZA" dirty="0"/>
+            <a:r>
+              <a:rPr lang="en-ZA" dirty="0"/>
+              <a:t>BASE plan, CAS, presentation workflow</a:t>
+            </a:r>
           </a:p>
         </p:txBody>
       </p:sp>
-      <p:pic>
-        <p:nvPicPr>
-          <p:cNvPr id="5" name="Picture 4">
+      <p:sp>
+        <p:nvSpPr>
+          <p:cNvPr id="11" name="TextBox 10">
             <a:extLst>
               <a:ext uri="{FF2B5EF4-FFF2-40B4-BE49-F238E27FC236}">
-                <a16:creationId xmlns:a16="http://schemas.microsoft.com/office/drawing/2014/main" id="{4934B211-FAEA-4DB8-BDA1-0771A7C6F015}"/>
+                <a16:creationId xmlns:a16="http://schemas.microsoft.com/office/drawing/2014/main" id="{0A5F922C-8166-4FA7-B6C4-3ADA3DE838D1}"/>
               </a:ext>
             </a:extLst>
           </p:cNvPr>
-          <p:cNvPicPr>
-            <a:picLocks noChangeAspect="1"/>
-          </p:cNvPicPr>
+          <p:cNvSpPr txBox="1"/>
           <p:nvPr/>
-        </p:nvPicPr>
-        <p:blipFill>
-          <a:blip r:embed="rId2"/>
-          <a:stretch>
-            <a:fillRect/>
-          </a:stretch>
-        </p:blipFill>
+        </p:nvSpPr>
         <p:spPr>
           <a:xfrm>
-            <a:off x="2094893" y="2282247"/>
-            <a:ext cx="6305550" cy="2076450"/>
+            <a:off x="3564277" y="4128555"/>
+            <a:ext cx="6097712" cy="1754326"/>
           </a:xfrm>
           <a:prstGeom prst="rect">
             <a:avLst/>
           </a:prstGeom>
+          <a:noFill/>
         </p:spPr>
-      </p:pic>
+        <p:txBody>
+          <a:bodyPr wrap="square">
+            <a:spAutoFit/>
+          </a:bodyPr>
+          <a:lstStyle/>
+          <a:p>
+            <a:r>
+              <a:rPr lang="en-ZA" dirty="0" err="1"/>
+              <a:t>19_03v02_CompanyName_TechnologyTest</a:t>
+            </a:r>
+            <a:endParaRPr lang="en-ZA" dirty="0"/>
+          </a:p>
+          <a:p>
+            <a:r>
+              <a:rPr lang="en-ZA" dirty="0" err="1"/>
+              <a:t>20_05v02_CompanyName_OpeningBriefing.pptx</a:t>
+            </a:r>
+            <a:endParaRPr lang="en-ZA" dirty="0"/>
+          </a:p>
+          <a:p>
+            <a:r>
+              <a:rPr lang="en-ZA" sz="1800" dirty="0" err="1"/>
+              <a:t>22_02v05_CompanyName_PreliminaryFindings.pptx</a:t>
+            </a:r>
+            <a:endParaRPr lang="en-ZA" sz="1800" dirty="0"/>
+          </a:p>
+          <a:p>
+            <a:r>
+              <a:rPr lang="en-ZA" sz="1800" dirty="0" err="1"/>
+              <a:t>23_05v03_CompanyName_FinalFindings.pptx</a:t>
+            </a:r>
+            <a:endParaRPr lang="en-ZA" sz="1800" dirty="0"/>
+          </a:p>
+          <a:p>
+            <a:endParaRPr lang="en-ZA" sz="1800" dirty="0"/>
+          </a:p>
+          <a:p>
+            <a:endParaRPr lang="en-ZA" dirty="0"/>
+          </a:p>
+        </p:txBody>
+      </p:sp>
       <p:sp>
         <p:nvSpPr>
-          <p:cNvPr id="6" name="Speech Bubble: Rectangle 5">
+          <p:cNvPr id="13" name="TextBox 12">
             <a:extLst>
               <a:ext uri="{FF2B5EF4-FFF2-40B4-BE49-F238E27FC236}">
-                <a16:creationId xmlns:a16="http://schemas.microsoft.com/office/drawing/2014/main" id="{02582011-35F7-4834-B439-362322614A4E}"/>
+                <a16:creationId xmlns:a16="http://schemas.microsoft.com/office/drawing/2014/main" id="{D3E743C6-19D1-4849-BE45-31A719DC6F14}"/>
+              </a:ext>
+            </a:extLst>
+          </p:cNvPr>
+          <p:cNvSpPr txBox="1"/>
+          <p:nvPr/>
+        </p:nvSpPr>
+        <p:spPr>
+          <a:xfrm>
+            <a:off x="3564277" y="2423327"/>
+            <a:ext cx="6097712" cy="369332"/>
+          </a:xfrm>
+          <a:prstGeom prst="rect">
+            <a:avLst/>
+          </a:prstGeom>
+          <a:noFill/>
+        </p:spPr>
+        <p:txBody>
+          <a:bodyPr wrap="square">
+            <a:spAutoFit/>
+          </a:bodyPr>
+          <a:lstStyle/>
+          <a:p>
+            <a:r>
+              <a:rPr lang="en-ZA" sz="1800" dirty="0" err="1"/>
+              <a:t>01_rrVaa_CompanyName_CAS_Plan.xlsm</a:t>
+            </a:r>
+            <a:endParaRPr lang="en-ZA" sz="1800" dirty="0"/>
+          </a:p>
+        </p:txBody>
+      </p:sp>
+      <p:sp>
+        <p:nvSpPr>
+          <p:cNvPr id="15" name="TextBox 14">
+            <a:extLst>
+              <a:ext uri="{FF2B5EF4-FFF2-40B4-BE49-F238E27FC236}">
+                <a16:creationId xmlns:a16="http://schemas.microsoft.com/office/drawing/2014/main" id="{D08DE6FF-8F52-46F9-B6E1-D5738105C740}"/>
+              </a:ext>
+            </a:extLst>
+          </p:cNvPr>
+          <p:cNvSpPr txBox="1"/>
+          <p:nvPr/>
+        </p:nvSpPr>
+        <p:spPr>
+          <a:xfrm>
+            <a:off x="3797158" y="3264240"/>
+            <a:ext cx="6097712" cy="369332"/>
+          </a:xfrm>
+          <a:prstGeom prst="rect">
+            <a:avLst/>
+          </a:prstGeom>
+          <a:noFill/>
+        </p:spPr>
+        <p:txBody>
+          <a:bodyPr wrap="square">
+            <a:spAutoFit/>
+          </a:bodyPr>
+          <a:lstStyle/>
+          <a:p>
+            <a:pPr marL="0" marR="0" lvl="0" indent="0" algn="l" defTabSz="914400" rtl="0" eaLnBrk="1" fontAlgn="auto" latinLnBrk="0" hangingPunct="1">
+              <a:lnSpc>
+                <a:spcPct val="100000"/>
+              </a:lnSpc>
+              <a:spcBef>
+                <a:spcPts val="0"/>
+              </a:spcBef>
+              <a:spcAft>
+                <a:spcPts val="0"/>
+              </a:spcAft>
+              <a:buClrTx/>
+              <a:buSzTx/>
+              <a:buFontTx/>
+              <a:buNone/>
+              <a:tabLst/>
+              <a:defRPr/>
+            </a:pPr>
+            <a:r>
+              <a:rPr lang="en-ZA" sz="1800" dirty="0" err="1"/>
+              <a:t>00_Data_Reference.xlsm</a:t>
+            </a:r>
+            <a:endParaRPr lang="en-ZA" sz="1800" dirty="0"/>
+          </a:p>
+        </p:txBody>
+      </p:sp>
+      <p:sp>
+        <p:nvSpPr>
+          <p:cNvPr id="16" name="Arrow: Down 15">
+            <a:extLst>
+              <a:ext uri="{FF2B5EF4-FFF2-40B4-BE49-F238E27FC236}">
+                <a16:creationId xmlns:a16="http://schemas.microsoft.com/office/drawing/2014/main" id="{E629551F-0355-4BBE-8331-E2DEBE615494}"/>
               </a:ext>
             </a:extLst>
           </p:cNvPr>
@@ -6902,13 +7835,59 @@
         </p:nvSpPr>
         <p:spPr>
           <a:xfrm>
-            <a:off x="6572391" y="2677511"/>
-            <a:ext cx="3524716" cy="1414198"/>
+            <a:off x="4384496" y="2894908"/>
+            <a:ext cx="667820" cy="369332"/>
+          </a:xfrm>
+          <a:prstGeom prst="downArrow">
+            <a:avLst/>
+          </a:prstGeom>
+        </p:spPr>
+        <p:style>
+          <a:lnRef idx="2">
+            <a:schemeClr val="accent1">
+              <a:shade val="50000"/>
+            </a:schemeClr>
+          </a:lnRef>
+          <a:fillRef idx="1">
+            <a:schemeClr val="accent1"/>
+          </a:fillRef>
+          <a:effectRef idx="0">
+            <a:schemeClr val="accent1"/>
+          </a:effectRef>
+          <a:fontRef idx="minor">
+            <a:schemeClr val="lt1"/>
+          </a:fontRef>
+        </p:style>
+        <p:txBody>
+          <a:bodyPr rtlCol="0" anchor="ctr"/>
+          <a:lstStyle/>
+          <a:p>
+            <a:pPr algn="ctr"/>
+            <a:endParaRPr lang="en-ZA"/>
+          </a:p>
+        </p:txBody>
+      </p:sp>
+      <p:sp>
+        <p:nvSpPr>
+          <p:cNvPr id="20" name="Speech Bubble: Rectangle 19">
+            <a:extLst>
+              <a:ext uri="{FF2B5EF4-FFF2-40B4-BE49-F238E27FC236}">
+                <a16:creationId xmlns:a16="http://schemas.microsoft.com/office/drawing/2014/main" id="{F96B91E6-1186-4614-AB21-C00E36C6D9C5}"/>
+              </a:ext>
+            </a:extLst>
+          </p:cNvPr>
+          <p:cNvSpPr/>
+          <p:nvPr/>
+        </p:nvSpPr>
+        <p:spPr>
+          <a:xfrm>
+            <a:off x="1294543" y="2198293"/>
+            <a:ext cx="1702375" cy="583864"/>
           </a:xfrm>
           <a:prstGeom prst="wedgeRectCallout">
             <a:avLst>
-              <a:gd name="adj1" fmla="val -98397"/>
-              <a:gd name="adj2" fmla="val -8879"/>
+              <a:gd name="adj1" fmla="val 82363"/>
+              <a:gd name="adj2" fmla="val 27802"/>
             </a:avLst>
           </a:prstGeom>
         </p:spPr>
@@ -6934,44 +7913,17 @@
           <a:p>
             <a:r>
               <a:rPr lang="en-ZA" sz="1400" dirty="0"/>
-              <a:t>After random sample, uploads 01_rrVaa_CompanyName_CAS_Plan.xlsm </a:t>
-            </a:r>
-          </a:p>
-          <a:p>
-            <a:pPr marL="342900" indent="-342900">
-              <a:buAutoNum type="arabicParenR"/>
-            </a:pPr>
-            <a:r>
-              <a:rPr lang="en-ZA" sz="1400" dirty="0"/>
-              <a:t>Load: Project and support function info</a:t>
-            </a:r>
-          </a:p>
-          <a:p>
-            <a:pPr marL="342900" indent="-342900">
-              <a:buAutoNum type="arabicParenR"/>
-            </a:pPr>
-            <a:r>
-              <a:rPr lang="en-ZA" sz="1400" dirty="0"/>
-              <a:t>Load: Staff info</a:t>
-            </a:r>
-          </a:p>
-          <a:p>
-            <a:pPr marL="342900" indent="-342900">
-              <a:buAutoNum type="arabicParenR"/>
-            </a:pPr>
-            <a:r>
-              <a:rPr lang="en-ZA" sz="1400" dirty="0"/>
-              <a:t>Load: Process info </a:t>
+              <a:t>Do all planning here in the BASE plan</a:t>
             </a:r>
           </a:p>
         </p:txBody>
       </p:sp>
       <p:sp>
         <p:nvSpPr>
-          <p:cNvPr id="7" name="Speech Bubble: Rectangle 6">
+          <p:cNvPr id="21" name="Speech Bubble: Rectangle 20">
             <a:extLst>
               <a:ext uri="{FF2B5EF4-FFF2-40B4-BE49-F238E27FC236}">
-                <a16:creationId xmlns:a16="http://schemas.microsoft.com/office/drawing/2014/main" id="{EBC1445D-68FE-4560-8749-113A0DE3C75E}"/>
+                <a16:creationId xmlns:a16="http://schemas.microsoft.com/office/drawing/2014/main" id="{51B3C571-10DA-4E78-9126-4A6DBE5B0111}"/>
               </a:ext>
             </a:extLst>
           </p:cNvPr>
@@ -6980,13 +7932,13 @@
         </p:nvSpPr>
         <p:spPr>
           <a:xfrm>
-            <a:off x="6572391" y="4358697"/>
-            <a:ext cx="3524716" cy="1538794"/>
+            <a:off x="1299252" y="3415679"/>
+            <a:ext cx="1702375" cy="704258"/>
           </a:xfrm>
           <a:prstGeom prst="wedgeRectCallout">
             <a:avLst>
-              <a:gd name="adj1" fmla="val -99183"/>
-              <a:gd name="adj2" fmla="val -69160"/>
+              <a:gd name="adj1" fmla="val 91416"/>
+              <a:gd name="adj2" fmla="val -39306"/>
             </a:avLst>
           </a:prstGeom>
         </p:spPr>
@@ -7011,161 +7963,18 @@
           <a:lstStyle/>
           <a:p>
             <a:r>
-              <a:rPr lang="en-ZA" sz="1400" dirty="0"/>
-              <a:t>Use 1,2 and 3 above to generate the full project/support function – staff – pa list</a:t>
-            </a:r>
-          </a:p>
-          <a:p>
-            <a:r>
-              <a:rPr lang="en-ZA" sz="1400" dirty="0"/>
-              <a:t>A subset of this list can be selected for interviews by removing duplicate staff, for example extra developers for the same project</a:t>
+              <a:rPr lang="en-US" sz="1400" dirty="0"/>
+              <a:t>Save to here when needing to update presentations</a:t>
             </a:r>
           </a:p>
         </p:txBody>
       </p:sp>
-    </p:spTree>
-    <p:extLst>
-      <p:ext uri="{BB962C8B-B14F-4D97-AF65-F5344CB8AC3E}">
-        <p14:creationId xmlns:p14="http://schemas.microsoft.com/office/powerpoint/2010/main" val="278370281"/>
-      </p:ext>
-    </p:extLst>
-  </p:cSld>
-  <p:clrMapOvr>
-    <a:masterClrMapping/>
-  </p:clrMapOvr>
-</p:sld>
-</file>
-
-<file path=ppt/slides/slide7.xml><?xml version="1.0" encoding="utf-8"?>
-<p:sld xmlns:a="http://schemas.openxmlformats.org/drawingml/2006/main" xmlns:r="http://schemas.openxmlformats.org/officeDocument/2006/relationships" xmlns:p="http://schemas.openxmlformats.org/presentationml/2006/main">
-  <p:cSld>
-    <p:spTree>
-      <p:nvGrpSpPr>
-        <p:cNvPr id="1" name=""/>
-        <p:cNvGrpSpPr/>
-        <p:nvPr/>
-      </p:nvGrpSpPr>
-      <p:grpSpPr>
-        <a:xfrm>
-          <a:off x="0" y="0"/>
-          <a:ext cx="0" cy="0"/>
-          <a:chOff x="0" y="0"/>
-          <a:chExt cx="0" cy="0"/>
-        </a:xfrm>
-      </p:grpSpPr>
       <p:sp>
         <p:nvSpPr>
-          <p:cNvPr id="3" name="Content Placeholder 2">
+          <p:cNvPr id="22" name="Speech Bubble: Rectangle 21">
             <a:extLst>
               <a:ext uri="{FF2B5EF4-FFF2-40B4-BE49-F238E27FC236}">
-                <a16:creationId xmlns:a16="http://schemas.microsoft.com/office/drawing/2014/main" id="{BD342F81-AD7E-4A7A-9675-88DC2E79140B}"/>
-              </a:ext>
-            </a:extLst>
-          </p:cNvPr>
-          <p:cNvSpPr>
-            <a:spLocks noGrp="1"/>
-          </p:cNvSpPr>
-          <p:nvPr>
-            <p:ph idx="1"/>
-          </p:nvPr>
-        </p:nvSpPr>
-        <p:spPr/>
-        <p:txBody>
-          <a:bodyPr/>
-          <a:lstStyle/>
-          <a:p>
-            <a:pPr marL="0" indent="0">
-              <a:buNone/>
-            </a:pPr>
-            <a:r>
-              <a:rPr lang="en-ZA" sz="1800" dirty="0">
-                <a:solidFill>
-                  <a:srgbClr val="363639"/>
-                </a:solidFill>
-                <a:effectLst/>
-                <a:latin typeface="Helvetica" panose="020B0604020202020204" pitchFamily="34" charset="0"/>
-                <a:ea typeface="Calibri" panose="020F0502020204030204" pitchFamily="34" charset="0"/>
-                <a:cs typeface="Calibri" panose="020F0502020204030204" pitchFamily="34" charset="0"/>
-              </a:rPr>
-              <a:t>Used with the CMMI institute’s </a:t>
-            </a:r>
-            <a:r>
-              <a:rPr lang="en-ZA" sz="1800" dirty="0" err="1">
-                <a:solidFill>
-                  <a:srgbClr val="363639"/>
-                </a:solidFill>
-                <a:effectLst/>
-                <a:latin typeface="Helvetica" panose="020B0604020202020204" pitchFamily="34" charset="0"/>
-                <a:ea typeface="Calibri" panose="020F0502020204030204" pitchFamily="34" charset="0"/>
-                <a:cs typeface="Calibri" panose="020F0502020204030204" pitchFamily="34" charset="0"/>
-              </a:rPr>
-              <a:t>MDD</a:t>
-            </a:r>
-            <a:r>
-              <a:rPr lang="en-ZA" sz="1800" dirty="0">
-                <a:solidFill>
-                  <a:srgbClr val="363639"/>
-                </a:solidFill>
-                <a:effectLst/>
-                <a:latin typeface="Helvetica" panose="020B0604020202020204" pitchFamily="34" charset="0"/>
-                <a:ea typeface="Calibri" panose="020F0502020204030204" pitchFamily="34" charset="0"/>
-                <a:cs typeface="Calibri" panose="020F0502020204030204" pitchFamily="34" charset="0"/>
-              </a:rPr>
-              <a:t>-Toolkit-Appraisal Tool features</a:t>
-            </a:r>
-          </a:p>
-          <a:p>
-            <a:pPr marL="0" indent="0">
-              <a:buNone/>
-            </a:pPr>
-            <a:endParaRPr lang="en-ZA" sz="1800" dirty="0">
-              <a:solidFill>
-                <a:srgbClr val="363639"/>
-              </a:solidFill>
-              <a:effectLst/>
-              <a:latin typeface="Helvetica" panose="020B0604020202020204" pitchFamily="34" charset="0"/>
-              <a:ea typeface="Calibri" panose="020F0502020204030204" pitchFamily="34" charset="0"/>
-              <a:cs typeface="Calibri" panose="020F0502020204030204" pitchFamily="34" charset="0"/>
-            </a:endParaRPr>
-          </a:p>
-        </p:txBody>
-      </p:sp>
-      <p:pic>
-        <p:nvPicPr>
-          <p:cNvPr id="5" name="Picture 4">
-            <a:extLst>
-              <a:ext uri="{FF2B5EF4-FFF2-40B4-BE49-F238E27FC236}">
-                <a16:creationId xmlns:a16="http://schemas.microsoft.com/office/drawing/2014/main" id="{AFB3A887-C8E6-4FF9-8B3A-D56366A6DEC2}"/>
-              </a:ext>
-            </a:extLst>
-          </p:cNvPr>
-          <p:cNvPicPr>
-            <a:picLocks noChangeAspect="1"/>
-          </p:cNvPicPr>
-          <p:nvPr/>
-        </p:nvPicPr>
-        <p:blipFill>
-          <a:blip r:embed="rId2"/>
-          <a:stretch>
-            <a:fillRect/>
-          </a:stretch>
-        </p:blipFill>
-        <p:spPr>
-          <a:xfrm>
-            <a:off x="2658358" y="2494720"/>
-            <a:ext cx="6740519" cy="3123655"/>
-          </a:xfrm>
-          <a:prstGeom prst="rect">
-            <a:avLst/>
-          </a:prstGeom>
-        </p:spPr>
-      </p:pic>
-      <p:sp>
-        <p:nvSpPr>
-          <p:cNvPr id="6" name="Speech Bubble: Rectangle 5">
-            <a:extLst>
-              <a:ext uri="{FF2B5EF4-FFF2-40B4-BE49-F238E27FC236}">
-                <a16:creationId xmlns:a16="http://schemas.microsoft.com/office/drawing/2014/main" id="{9F48DA00-165B-47F3-8B6D-F041EFFD796C}"/>
+                <a16:creationId xmlns:a16="http://schemas.microsoft.com/office/drawing/2014/main" id="{0C31D518-0A3D-4E93-9EDF-911EB3C84415}"/>
               </a:ext>
             </a:extLst>
           </p:cNvPr>
@@ -7174,13 +7983,13 @@
         </p:nvSpPr>
         <p:spPr>
           <a:xfrm>
-            <a:off x="703436" y="2576944"/>
-            <a:ext cx="1266651" cy="1487056"/>
+            <a:off x="1194798" y="4753459"/>
+            <a:ext cx="1802120" cy="1217060"/>
           </a:xfrm>
           <a:prstGeom prst="wedgeRectCallout">
             <a:avLst>
-              <a:gd name="adj1" fmla="val 153190"/>
-              <a:gd name="adj2" fmla="val -13163"/>
+              <a:gd name="adj1" fmla="val 78742"/>
+              <a:gd name="adj2" fmla="val -55353"/>
             </a:avLst>
           </a:prstGeom>
         </p:spPr>
@@ -7204,6 +8013,817 @@
           <a:bodyPr rtlCol="0" anchor="ctr"/>
           <a:lstStyle/>
           <a:p>
+            <a:r>
+              <a:rPr lang="en-US" sz="1400" dirty="0"/>
+              <a:t>Open presentations with </a:t>
+            </a:r>
+            <a:r>
+              <a:rPr lang="en-US" sz="1400" dirty="0" err="1"/>
+              <a:t>00_Data_Reference</a:t>
+            </a:r>
+            <a:r>
+              <a:rPr lang="en-US" sz="1400" dirty="0"/>
+              <a:t> open and update links</a:t>
+            </a:r>
+          </a:p>
+        </p:txBody>
+      </p:sp>
+      <p:sp>
+        <p:nvSpPr>
+          <p:cNvPr id="23" name="Arrow: Down 22">
+            <a:extLst>
+              <a:ext uri="{FF2B5EF4-FFF2-40B4-BE49-F238E27FC236}">
+                <a16:creationId xmlns:a16="http://schemas.microsoft.com/office/drawing/2014/main" id="{EB6DA40C-145A-41CA-8888-15FD9242EAE8}"/>
+              </a:ext>
+            </a:extLst>
+          </p:cNvPr>
+          <p:cNvSpPr/>
+          <p:nvPr/>
+        </p:nvSpPr>
+        <p:spPr>
+          <a:xfrm>
+            <a:off x="4384496" y="3632759"/>
+            <a:ext cx="667820" cy="369332"/>
+          </a:xfrm>
+          <a:prstGeom prst="downArrow">
+            <a:avLst/>
+          </a:prstGeom>
+        </p:spPr>
+        <p:style>
+          <a:lnRef idx="2">
+            <a:schemeClr val="accent1">
+              <a:shade val="50000"/>
+            </a:schemeClr>
+          </a:lnRef>
+          <a:fillRef idx="1">
+            <a:schemeClr val="accent1"/>
+          </a:fillRef>
+          <a:effectRef idx="0">
+            <a:schemeClr val="accent1"/>
+          </a:effectRef>
+          <a:fontRef idx="minor">
+            <a:schemeClr val="lt1"/>
+          </a:fontRef>
+        </p:style>
+        <p:txBody>
+          <a:bodyPr rtlCol="0" anchor="ctr"/>
+          <a:lstStyle/>
+          <a:p>
+            <a:pPr algn="ctr"/>
+            <a:endParaRPr lang="en-ZA"/>
+          </a:p>
+        </p:txBody>
+      </p:sp>
+      <p:sp>
+        <p:nvSpPr>
+          <p:cNvPr id="24" name="Rectangle: Rounded Corners 23">
+            <a:extLst>
+              <a:ext uri="{FF2B5EF4-FFF2-40B4-BE49-F238E27FC236}">
+                <a16:creationId xmlns:a16="http://schemas.microsoft.com/office/drawing/2014/main" id="{757D55C3-F6AB-483E-A8CF-ACE9C349783B}"/>
+              </a:ext>
+            </a:extLst>
+          </p:cNvPr>
+          <p:cNvSpPr/>
+          <p:nvPr/>
+        </p:nvSpPr>
+        <p:spPr>
+          <a:xfrm>
+            <a:off x="8677792" y="2315136"/>
+            <a:ext cx="1217078" cy="620391"/>
+          </a:xfrm>
+          <a:prstGeom prst="roundRect">
+            <a:avLst/>
+          </a:prstGeom>
+        </p:spPr>
+        <p:style>
+          <a:lnRef idx="2">
+            <a:schemeClr val="accent1">
+              <a:shade val="50000"/>
+            </a:schemeClr>
+          </a:lnRef>
+          <a:fillRef idx="1">
+            <a:schemeClr val="accent1"/>
+          </a:fillRef>
+          <a:effectRef idx="0">
+            <a:schemeClr val="accent1"/>
+          </a:effectRef>
+          <a:fontRef idx="minor">
+            <a:schemeClr val="lt1"/>
+          </a:fontRef>
+        </p:style>
+        <p:txBody>
+          <a:bodyPr rtlCol="0" anchor="ctr"/>
+          <a:lstStyle/>
+          <a:p>
+            <a:pPr algn="ctr"/>
+            <a:r>
+              <a:rPr lang="en-ZA" sz="2400" dirty="0"/>
+              <a:t>CAS</a:t>
+            </a:r>
+          </a:p>
+        </p:txBody>
+      </p:sp>
+      <p:sp>
+        <p:nvSpPr>
+          <p:cNvPr id="25" name="Speech Bubble: Rectangle 24">
+            <a:extLst>
+              <a:ext uri="{FF2B5EF4-FFF2-40B4-BE49-F238E27FC236}">
+                <a16:creationId xmlns:a16="http://schemas.microsoft.com/office/drawing/2014/main" id="{5E501417-02A3-4B0B-886C-EF4E23225CD0}"/>
+              </a:ext>
+            </a:extLst>
+          </p:cNvPr>
+          <p:cNvSpPr/>
+          <p:nvPr/>
+        </p:nvSpPr>
+        <p:spPr>
+          <a:xfrm>
+            <a:off x="9170969" y="1497667"/>
+            <a:ext cx="1702375" cy="583864"/>
+          </a:xfrm>
+          <a:prstGeom prst="wedgeRectCallout">
+            <a:avLst>
+              <a:gd name="adj1" fmla="val -109556"/>
+              <a:gd name="adj2" fmla="val 84112"/>
+            </a:avLst>
+          </a:prstGeom>
+        </p:spPr>
+        <p:style>
+          <a:lnRef idx="2">
+            <a:schemeClr val="accent1">
+              <a:shade val="50000"/>
+            </a:schemeClr>
+          </a:lnRef>
+          <a:fillRef idx="1">
+            <a:schemeClr val="accent1"/>
+          </a:fillRef>
+          <a:effectRef idx="0">
+            <a:schemeClr val="accent1"/>
+          </a:effectRef>
+          <a:fontRef idx="minor">
+            <a:schemeClr val="lt1"/>
+          </a:fontRef>
+        </p:style>
+        <p:txBody>
+          <a:bodyPr rtlCol="0" anchor="ctr"/>
+          <a:lstStyle/>
+          <a:p>
+            <a:r>
+              <a:rPr lang="en-ZA" sz="1400" dirty="0"/>
+              <a:t>Update CAS from BASE plan</a:t>
+            </a:r>
+          </a:p>
+        </p:txBody>
+      </p:sp>
+      <p:sp>
+        <p:nvSpPr>
+          <p:cNvPr id="26" name="Arrow: Down 25">
+            <a:extLst>
+              <a:ext uri="{FF2B5EF4-FFF2-40B4-BE49-F238E27FC236}">
+                <a16:creationId xmlns:a16="http://schemas.microsoft.com/office/drawing/2014/main" id="{98461FB5-35C5-4F6C-A913-793CD25CBCAB}"/>
+              </a:ext>
+            </a:extLst>
+          </p:cNvPr>
+          <p:cNvSpPr/>
+          <p:nvPr/>
+        </p:nvSpPr>
+        <p:spPr>
+          <a:xfrm rot="16200000">
+            <a:off x="7997405" y="2372395"/>
+            <a:ext cx="397020" cy="498884"/>
+          </a:xfrm>
+          <a:prstGeom prst="downArrow">
+            <a:avLst/>
+          </a:prstGeom>
+        </p:spPr>
+        <p:style>
+          <a:lnRef idx="2">
+            <a:schemeClr val="accent1">
+              <a:shade val="50000"/>
+            </a:schemeClr>
+          </a:lnRef>
+          <a:fillRef idx="1">
+            <a:schemeClr val="accent1"/>
+          </a:fillRef>
+          <a:effectRef idx="0">
+            <a:schemeClr val="accent1"/>
+          </a:effectRef>
+          <a:fontRef idx="minor">
+            <a:schemeClr val="lt1"/>
+          </a:fontRef>
+        </p:style>
+        <p:txBody>
+          <a:bodyPr rtlCol="0" anchor="ctr"/>
+          <a:lstStyle/>
+          <a:p>
+            <a:pPr algn="ctr"/>
+            <a:endParaRPr lang="en-ZA"/>
+          </a:p>
+        </p:txBody>
+      </p:sp>
+      <p:sp>
+        <p:nvSpPr>
+          <p:cNvPr id="28" name="Rectangle: Rounded Corners 27">
+            <a:extLst>
+              <a:ext uri="{FF2B5EF4-FFF2-40B4-BE49-F238E27FC236}">
+                <a16:creationId xmlns:a16="http://schemas.microsoft.com/office/drawing/2014/main" id="{1A48081B-DE8D-4F7A-BDCA-499793065D71}"/>
+              </a:ext>
+            </a:extLst>
+          </p:cNvPr>
+          <p:cNvSpPr/>
+          <p:nvPr/>
+        </p:nvSpPr>
+        <p:spPr>
+          <a:xfrm>
+            <a:off x="8677792" y="3114345"/>
+            <a:ext cx="1253522" cy="698045"/>
+          </a:xfrm>
+          <a:prstGeom prst="roundRect">
+            <a:avLst/>
+          </a:prstGeom>
+        </p:spPr>
+        <p:style>
+          <a:lnRef idx="2">
+            <a:schemeClr val="accent1">
+              <a:shade val="50000"/>
+            </a:schemeClr>
+          </a:lnRef>
+          <a:fillRef idx="1">
+            <a:schemeClr val="accent1"/>
+          </a:fillRef>
+          <a:effectRef idx="0">
+            <a:schemeClr val="accent1"/>
+          </a:effectRef>
+          <a:fontRef idx="minor">
+            <a:schemeClr val="lt1"/>
+          </a:fontRef>
+        </p:style>
+        <p:txBody>
+          <a:bodyPr rtlCol="0" anchor="ctr"/>
+          <a:lstStyle/>
+          <a:p>
+            <a:pPr algn="ctr"/>
+            <a:r>
+              <a:rPr lang="en-ZA" sz="1400" dirty="0"/>
+              <a:t>BASE Software</a:t>
+            </a:r>
+          </a:p>
+        </p:txBody>
+      </p:sp>
+      <p:sp>
+        <p:nvSpPr>
+          <p:cNvPr id="30" name="Arrow: Left-Up 29">
+            <a:extLst>
+              <a:ext uri="{FF2B5EF4-FFF2-40B4-BE49-F238E27FC236}">
+                <a16:creationId xmlns:a16="http://schemas.microsoft.com/office/drawing/2014/main" id="{931577CF-ECC9-48F7-88AC-B526382ED64D}"/>
+              </a:ext>
+            </a:extLst>
+          </p:cNvPr>
+          <p:cNvSpPr/>
+          <p:nvPr/>
+        </p:nvSpPr>
+        <p:spPr>
+          <a:xfrm rot="5400000">
+            <a:off x="7370892" y="2589141"/>
+            <a:ext cx="791110" cy="1253522"/>
+          </a:xfrm>
+          <a:prstGeom prst="leftUpArrow">
+            <a:avLst/>
+          </a:prstGeom>
+        </p:spPr>
+        <p:style>
+          <a:lnRef idx="2">
+            <a:schemeClr val="accent1">
+              <a:shade val="50000"/>
+            </a:schemeClr>
+          </a:lnRef>
+          <a:fillRef idx="1">
+            <a:schemeClr val="accent1"/>
+          </a:fillRef>
+          <a:effectRef idx="0">
+            <a:schemeClr val="accent1"/>
+          </a:effectRef>
+          <a:fontRef idx="minor">
+            <a:schemeClr val="lt1"/>
+          </a:fontRef>
+        </p:style>
+        <p:txBody>
+          <a:bodyPr rtlCol="0" anchor="ctr"/>
+          <a:lstStyle/>
+          <a:p>
+            <a:pPr algn="ctr"/>
+            <a:endParaRPr lang="en-ZA"/>
+          </a:p>
+        </p:txBody>
+      </p:sp>
+      <p:sp>
+        <p:nvSpPr>
+          <p:cNvPr id="31" name="Speech Bubble: Rectangle 30">
+            <a:extLst>
+              <a:ext uri="{FF2B5EF4-FFF2-40B4-BE49-F238E27FC236}">
+                <a16:creationId xmlns:a16="http://schemas.microsoft.com/office/drawing/2014/main" id="{96E8E085-3987-48DD-8EBB-B1EEEAE76372}"/>
+              </a:ext>
+            </a:extLst>
+          </p:cNvPr>
+          <p:cNvSpPr/>
+          <p:nvPr/>
+        </p:nvSpPr>
+        <p:spPr>
+          <a:xfrm>
+            <a:off x="10316309" y="3171435"/>
+            <a:ext cx="1665931" cy="830656"/>
+          </a:xfrm>
+          <a:prstGeom prst="wedgeRectCallout">
+            <a:avLst>
+              <a:gd name="adj1" fmla="val -71535"/>
+              <a:gd name="adj2" fmla="val 4926"/>
+            </a:avLst>
+          </a:prstGeom>
+        </p:spPr>
+        <p:style>
+          <a:lnRef idx="2">
+            <a:schemeClr val="accent1">
+              <a:shade val="50000"/>
+            </a:schemeClr>
+          </a:lnRef>
+          <a:fillRef idx="1">
+            <a:schemeClr val="accent1"/>
+          </a:fillRef>
+          <a:effectRef idx="0">
+            <a:schemeClr val="accent1"/>
+          </a:effectRef>
+          <a:fontRef idx="minor">
+            <a:schemeClr val="lt1"/>
+          </a:fontRef>
+        </p:style>
+        <p:txBody>
+          <a:bodyPr rtlCol="0" anchor="ctr"/>
+          <a:lstStyle/>
+          <a:p>
+            <a:r>
+              <a:rPr lang="en-ZA" sz="1400" dirty="0"/>
+              <a:t>See next slides for BASE software features</a:t>
+            </a:r>
+          </a:p>
+        </p:txBody>
+      </p:sp>
+    </p:spTree>
+    <p:extLst>
+      <p:ext uri="{BB962C8B-B14F-4D97-AF65-F5344CB8AC3E}">
+        <p14:creationId xmlns:p14="http://schemas.microsoft.com/office/powerpoint/2010/main" val="2915706434"/>
+      </p:ext>
+    </p:extLst>
+  </p:cSld>
+  <p:clrMapOvr>
+    <a:masterClrMapping/>
+  </p:clrMapOvr>
+</p:sld>
+</file>
+
+<file path=ppt/slides/slide8.xml><?xml version="1.0" encoding="utf-8"?>
+<p:sld xmlns:a="http://schemas.openxmlformats.org/drawingml/2006/main" xmlns:r="http://schemas.openxmlformats.org/officeDocument/2006/relationships" xmlns:p="http://schemas.openxmlformats.org/presentationml/2006/main">
+  <p:cSld>
+    <p:spTree>
+      <p:nvGrpSpPr>
+        <p:cNvPr id="1" name=""/>
+        <p:cNvGrpSpPr/>
+        <p:nvPr/>
+      </p:nvGrpSpPr>
+      <p:grpSpPr>
+        <a:xfrm>
+          <a:off x="0" y="0"/>
+          <a:ext cx="0" cy="0"/>
+          <a:chOff x="0" y="0"/>
+          <a:chExt cx="0" cy="0"/>
+        </a:xfrm>
+      </p:grpSpPr>
+      <p:pic>
+        <p:nvPicPr>
+          <p:cNvPr id="4" name="Picture 3">
+            <a:extLst>
+              <a:ext uri="{FF2B5EF4-FFF2-40B4-BE49-F238E27FC236}">
+                <a16:creationId xmlns:a16="http://schemas.microsoft.com/office/drawing/2014/main" id="{BDF37DB3-13C1-4773-A246-BBC9AD872195}"/>
+              </a:ext>
+            </a:extLst>
+          </p:cNvPr>
+          <p:cNvPicPr>
+            <a:picLocks noChangeAspect="1"/>
+          </p:cNvPicPr>
+          <p:nvPr/>
+        </p:nvPicPr>
+        <p:blipFill>
+          <a:blip r:embed="rId2"/>
+          <a:stretch>
+            <a:fillRect/>
+          </a:stretch>
+        </p:blipFill>
+        <p:spPr>
+          <a:xfrm>
+            <a:off x="1055688" y="2060575"/>
+            <a:ext cx="9734550" cy="4581525"/>
+          </a:xfrm>
+          <a:prstGeom prst="rect">
+            <a:avLst/>
+          </a:prstGeom>
+        </p:spPr>
+      </p:pic>
+      <p:sp>
+        <p:nvSpPr>
+          <p:cNvPr id="2" name="Title 1">
+            <a:extLst>
+              <a:ext uri="{FF2B5EF4-FFF2-40B4-BE49-F238E27FC236}">
+                <a16:creationId xmlns:a16="http://schemas.microsoft.com/office/drawing/2014/main" id="{84E977DA-4E72-4200-AA9C-C9542C124654}"/>
+              </a:ext>
+            </a:extLst>
+          </p:cNvPr>
+          <p:cNvSpPr>
+            <a:spLocks noGrp="1"/>
+          </p:cNvSpPr>
+          <p:nvPr>
+            <p:ph type="title"/>
+          </p:nvPr>
+        </p:nvSpPr>
+        <p:spPr/>
+        <p:txBody>
+          <a:bodyPr/>
+          <a:lstStyle/>
+          <a:p>
+            <a:endParaRPr lang="en-ZA" dirty="0"/>
+          </a:p>
+        </p:txBody>
+      </p:sp>
+      <p:sp>
+        <p:nvSpPr>
+          <p:cNvPr id="6" name="Speech Bubble: Rectangle 5">
+            <a:extLst>
+              <a:ext uri="{FF2B5EF4-FFF2-40B4-BE49-F238E27FC236}">
+                <a16:creationId xmlns:a16="http://schemas.microsoft.com/office/drawing/2014/main" id="{02582011-35F7-4834-B439-362322614A4E}"/>
+              </a:ext>
+            </a:extLst>
+          </p:cNvPr>
+          <p:cNvSpPr/>
+          <p:nvPr/>
+        </p:nvSpPr>
+        <p:spPr>
+          <a:xfrm>
+            <a:off x="6572391" y="2677511"/>
+            <a:ext cx="3524716" cy="1414198"/>
+          </a:xfrm>
+          <a:prstGeom prst="wedgeRectCallout">
+            <a:avLst>
+              <a:gd name="adj1" fmla="val -120259"/>
+              <a:gd name="adj2" fmla="val -16870"/>
+            </a:avLst>
+          </a:prstGeom>
+        </p:spPr>
+        <p:style>
+          <a:lnRef idx="2">
+            <a:schemeClr val="accent1">
+              <a:shade val="50000"/>
+            </a:schemeClr>
+          </a:lnRef>
+          <a:fillRef idx="1">
+            <a:schemeClr val="accent1"/>
+          </a:fillRef>
+          <a:effectRef idx="0">
+            <a:schemeClr val="accent1"/>
+          </a:effectRef>
+          <a:fontRef idx="minor">
+            <a:schemeClr val="lt1"/>
+          </a:fontRef>
+        </p:style>
+        <p:txBody>
+          <a:bodyPr rtlCol="0" anchor="ctr"/>
+          <a:lstStyle/>
+          <a:p>
+            <a:r>
+              <a:rPr lang="en-ZA" sz="1400" dirty="0"/>
+              <a:t>After random sample, uploads 01_rrVaa_CompanyName_CAS_Plan.xlsm </a:t>
+            </a:r>
+          </a:p>
+          <a:p>
+            <a:pPr marL="342900" indent="-342900">
+              <a:buAutoNum type="arabicParenR"/>
+            </a:pPr>
+            <a:r>
+              <a:rPr lang="en-ZA" sz="1400" dirty="0"/>
+              <a:t>Load: Project and support function info</a:t>
+            </a:r>
+          </a:p>
+          <a:p>
+            <a:pPr marL="342900" indent="-342900">
+              <a:buAutoNum type="arabicParenR"/>
+            </a:pPr>
+            <a:r>
+              <a:rPr lang="en-ZA" sz="1400" dirty="0"/>
+              <a:t>Load: Staff info</a:t>
+            </a:r>
+          </a:p>
+          <a:p>
+            <a:pPr marL="342900" indent="-342900">
+              <a:buAutoNum type="arabicParenR"/>
+            </a:pPr>
+            <a:r>
+              <a:rPr lang="en-ZA" sz="1400" dirty="0"/>
+              <a:t>Load: Process info </a:t>
+            </a:r>
+          </a:p>
+        </p:txBody>
+      </p:sp>
+      <p:sp>
+        <p:nvSpPr>
+          <p:cNvPr id="7" name="Speech Bubble: Rectangle 6">
+            <a:extLst>
+              <a:ext uri="{FF2B5EF4-FFF2-40B4-BE49-F238E27FC236}">
+                <a16:creationId xmlns:a16="http://schemas.microsoft.com/office/drawing/2014/main" id="{EBC1445D-68FE-4560-8749-113A0DE3C75E}"/>
+              </a:ext>
+            </a:extLst>
+          </p:cNvPr>
+          <p:cNvSpPr/>
+          <p:nvPr/>
+        </p:nvSpPr>
+        <p:spPr>
+          <a:xfrm>
+            <a:off x="6572391" y="4358696"/>
+            <a:ext cx="3524716" cy="1898265"/>
+          </a:xfrm>
+          <a:prstGeom prst="wedgeRectCallout">
+            <a:avLst>
+              <a:gd name="adj1" fmla="val -120170"/>
+              <a:gd name="adj2" fmla="val -84374"/>
+            </a:avLst>
+          </a:prstGeom>
+        </p:spPr>
+        <p:style>
+          <a:lnRef idx="2">
+            <a:schemeClr val="accent1">
+              <a:shade val="50000"/>
+            </a:schemeClr>
+          </a:lnRef>
+          <a:fillRef idx="1">
+            <a:schemeClr val="accent1"/>
+          </a:fillRef>
+          <a:effectRef idx="0">
+            <a:schemeClr val="accent1"/>
+          </a:effectRef>
+          <a:fontRef idx="minor">
+            <a:schemeClr val="lt1"/>
+          </a:fontRef>
+        </p:style>
+        <p:txBody>
+          <a:bodyPr rtlCol="0" anchor="ctr"/>
+          <a:lstStyle/>
+          <a:p>
+            <a:r>
+              <a:rPr lang="en-ZA" sz="1400" dirty="0"/>
+              <a:t>Use 1,2 and 3 above to generate the full project/support function – staff – pa list.</a:t>
+            </a:r>
+          </a:p>
+          <a:p>
+            <a:r>
+              <a:rPr lang="en-ZA" sz="1400" dirty="0"/>
+              <a:t>A recommended list is presented (include=x) with duplicates excluded (include= “ “)</a:t>
+            </a:r>
+          </a:p>
+          <a:p>
+            <a:r>
+              <a:rPr lang="en-ZA" sz="1400" dirty="0"/>
+              <a:t>A subset of this list can be selected for interviews by removing duplicate staff, for example extra developers for the same project</a:t>
+            </a:r>
+          </a:p>
+        </p:txBody>
+      </p:sp>
+      <p:sp>
+        <p:nvSpPr>
+          <p:cNvPr id="9" name="Speech Bubble: Rectangle 8">
+            <a:extLst>
+              <a:ext uri="{FF2B5EF4-FFF2-40B4-BE49-F238E27FC236}">
+                <a16:creationId xmlns:a16="http://schemas.microsoft.com/office/drawing/2014/main" id="{39512D42-792A-4039-8DAB-99C8A7D2F578}"/>
+              </a:ext>
+            </a:extLst>
+          </p:cNvPr>
+          <p:cNvSpPr/>
+          <p:nvPr/>
+        </p:nvSpPr>
+        <p:spPr>
+          <a:xfrm>
+            <a:off x="2265807" y="4532386"/>
+            <a:ext cx="826714" cy="471130"/>
+          </a:xfrm>
+          <a:prstGeom prst="wedgeRectCallout">
+            <a:avLst>
+              <a:gd name="adj1" fmla="val -20357"/>
+              <a:gd name="adj2" fmla="val -105257"/>
+            </a:avLst>
+          </a:prstGeom>
+        </p:spPr>
+        <p:style>
+          <a:lnRef idx="2">
+            <a:schemeClr val="accent1">
+              <a:shade val="50000"/>
+            </a:schemeClr>
+          </a:lnRef>
+          <a:fillRef idx="1">
+            <a:schemeClr val="accent1"/>
+          </a:fillRef>
+          <a:effectRef idx="0">
+            <a:schemeClr val="accent1"/>
+          </a:effectRef>
+          <a:fontRef idx="minor">
+            <a:schemeClr val="lt1"/>
+          </a:fontRef>
+        </p:style>
+        <p:txBody>
+          <a:bodyPr rtlCol="0" anchor="ctr"/>
+          <a:lstStyle/>
+          <a:p>
+            <a:r>
+              <a:rPr lang="en-ZA" sz="1400" dirty="0"/>
+              <a:t>Ignore</a:t>
+            </a:r>
+          </a:p>
+        </p:txBody>
+      </p:sp>
+    </p:spTree>
+    <p:extLst>
+      <p:ext uri="{BB962C8B-B14F-4D97-AF65-F5344CB8AC3E}">
+        <p14:creationId xmlns:p14="http://schemas.microsoft.com/office/powerpoint/2010/main" val="278370281"/>
+      </p:ext>
+    </p:extLst>
+  </p:cSld>
+  <p:clrMapOvr>
+    <a:masterClrMapping/>
+  </p:clrMapOvr>
+</p:sld>
+</file>
+
+<file path=ppt/slides/slide9.xml><?xml version="1.0" encoding="utf-8"?>
+<p:sld xmlns:a="http://schemas.openxmlformats.org/drawingml/2006/main" xmlns:r="http://schemas.openxmlformats.org/officeDocument/2006/relationships" xmlns:p="http://schemas.openxmlformats.org/presentationml/2006/main">
+  <p:cSld>
+    <p:spTree>
+      <p:nvGrpSpPr>
+        <p:cNvPr id="1" name=""/>
+        <p:cNvGrpSpPr/>
+        <p:nvPr/>
+      </p:nvGrpSpPr>
+      <p:grpSpPr>
+        <a:xfrm>
+          <a:off x="0" y="0"/>
+          <a:ext cx="0" cy="0"/>
+          <a:chOff x="0" y="0"/>
+          <a:chExt cx="0" cy="0"/>
+        </a:xfrm>
+      </p:grpSpPr>
+      <p:pic>
+        <p:nvPicPr>
+          <p:cNvPr id="4" name="Picture 3">
+            <a:extLst>
+              <a:ext uri="{FF2B5EF4-FFF2-40B4-BE49-F238E27FC236}">
+                <a16:creationId xmlns:a16="http://schemas.microsoft.com/office/drawing/2014/main" id="{E92D35FD-920C-4CB1-9E0C-15499EE0111D}"/>
+              </a:ext>
+            </a:extLst>
+          </p:cNvPr>
+          <p:cNvPicPr>
+            <a:picLocks noChangeAspect="1"/>
+          </p:cNvPicPr>
+          <p:nvPr/>
+        </p:nvPicPr>
+        <p:blipFill>
+          <a:blip r:embed="rId2"/>
+          <a:stretch>
+            <a:fillRect/>
+          </a:stretch>
+        </p:blipFill>
+        <p:spPr>
+          <a:xfrm>
+            <a:off x="1116361" y="2164600"/>
+            <a:ext cx="7392424" cy="3493680"/>
+          </a:xfrm>
+          <a:prstGeom prst="rect">
+            <a:avLst/>
+          </a:prstGeom>
+        </p:spPr>
+      </p:pic>
+      <p:sp>
+        <p:nvSpPr>
+          <p:cNvPr id="3" name="Content Placeholder 2">
+            <a:extLst>
+              <a:ext uri="{FF2B5EF4-FFF2-40B4-BE49-F238E27FC236}">
+                <a16:creationId xmlns:a16="http://schemas.microsoft.com/office/drawing/2014/main" id="{BD342F81-AD7E-4A7A-9675-88DC2E79140B}"/>
+              </a:ext>
+            </a:extLst>
+          </p:cNvPr>
+          <p:cNvSpPr>
+            <a:spLocks noGrp="1"/>
+          </p:cNvSpPr>
+          <p:nvPr>
+            <p:ph idx="1"/>
+          </p:nvPr>
+        </p:nvSpPr>
+        <p:spPr/>
+        <p:txBody>
+          <a:bodyPr/>
+          <a:lstStyle/>
+          <a:p>
+            <a:pPr marL="0" indent="0">
+              <a:buNone/>
+            </a:pPr>
+            <a:r>
+              <a:rPr lang="en-ZA" sz="1800" dirty="0">
+                <a:solidFill>
+                  <a:srgbClr val="363639"/>
+                </a:solidFill>
+                <a:effectLst/>
+                <a:latin typeface="Helvetica" panose="020B0604020202020204" pitchFamily="34" charset="0"/>
+                <a:ea typeface="Calibri" panose="020F0502020204030204" pitchFamily="34" charset="0"/>
+                <a:cs typeface="Calibri" panose="020F0502020204030204" pitchFamily="34" charset="0"/>
+              </a:rPr>
+              <a:t>Used with the CMMI institute’s </a:t>
+            </a:r>
+            <a:r>
+              <a:rPr lang="en-ZA" sz="1800" dirty="0" err="1">
+                <a:solidFill>
+                  <a:srgbClr val="363639"/>
+                </a:solidFill>
+                <a:effectLst/>
+                <a:latin typeface="Helvetica" panose="020B0604020202020204" pitchFamily="34" charset="0"/>
+                <a:ea typeface="Calibri" panose="020F0502020204030204" pitchFamily="34" charset="0"/>
+                <a:cs typeface="Calibri" panose="020F0502020204030204" pitchFamily="34" charset="0"/>
+              </a:rPr>
+              <a:t>MDD</a:t>
+            </a:r>
+            <a:r>
+              <a:rPr lang="en-ZA" sz="1800" dirty="0">
+                <a:solidFill>
+                  <a:srgbClr val="363639"/>
+                </a:solidFill>
+                <a:effectLst/>
+                <a:latin typeface="Helvetica" panose="020B0604020202020204" pitchFamily="34" charset="0"/>
+                <a:ea typeface="Calibri" panose="020F0502020204030204" pitchFamily="34" charset="0"/>
+                <a:cs typeface="Calibri" panose="020F0502020204030204" pitchFamily="34" charset="0"/>
+              </a:rPr>
+              <a:t>-Toolkit-Appraisal Tool features</a:t>
+            </a:r>
+          </a:p>
+          <a:p>
+            <a:pPr marL="0" indent="0">
+              <a:buNone/>
+            </a:pPr>
+            <a:endParaRPr lang="en-ZA" sz="1800" dirty="0">
+              <a:solidFill>
+                <a:srgbClr val="363639"/>
+              </a:solidFill>
+              <a:effectLst/>
+              <a:latin typeface="Helvetica" panose="020B0604020202020204" pitchFamily="34" charset="0"/>
+              <a:ea typeface="Calibri" panose="020F0502020204030204" pitchFamily="34" charset="0"/>
+              <a:cs typeface="Calibri" panose="020F0502020204030204" pitchFamily="34" charset="0"/>
+            </a:endParaRPr>
+          </a:p>
+        </p:txBody>
+      </p:sp>
+      <p:sp>
+        <p:nvSpPr>
+          <p:cNvPr id="6" name="Speech Bubble: Rectangle 5">
+            <a:extLst>
+              <a:ext uri="{FF2B5EF4-FFF2-40B4-BE49-F238E27FC236}">
+                <a16:creationId xmlns:a16="http://schemas.microsoft.com/office/drawing/2014/main" id="{9F48DA00-165B-47F3-8B6D-F041EFFD796C}"/>
+              </a:ext>
+            </a:extLst>
+          </p:cNvPr>
+          <p:cNvSpPr/>
+          <p:nvPr/>
+        </p:nvSpPr>
+        <p:spPr>
+          <a:xfrm>
+            <a:off x="40424" y="2576944"/>
+            <a:ext cx="1266651" cy="922649"/>
+          </a:xfrm>
+          <a:prstGeom prst="wedgeRectCallout">
+            <a:avLst>
+              <a:gd name="adj1" fmla="val 85866"/>
+              <a:gd name="adj2" fmla="val -17999"/>
+            </a:avLst>
+          </a:prstGeom>
+        </p:spPr>
+        <p:style>
+          <a:lnRef idx="2">
+            <a:schemeClr val="accent1">
+              <a:shade val="50000"/>
+            </a:schemeClr>
+          </a:lnRef>
+          <a:fillRef idx="1">
+            <a:schemeClr val="accent1"/>
+          </a:fillRef>
+          <a:effectRef idx="0">
+            <a:schemeClr val="accent1"/>
+          </a:effectRef>
+          <a:fontRef idx="minor">
+            <a:schemeClr val="lt1"/>
+          </a:fontRef>
+        </p:style>
+        <p:txBody>
+          <a:bodyPr rtlCol="0" anchor="ctr"/>
+          <a:lstStyle/>
+          <a:p>
             <a:pPr algn="ctr"/>
             <a:r>
               <a:rPr lang="en-ZA" sz="1400" dirty="0"/>
@@ -7234,7 +8854,7 @@
         </p:nvSpPr>
         <p:spPr>
           <a:xfrm>
-            <a:off x="7773872" y="1941944"/>
+            <a:off x="8838900" y="1948779"/>
             <a:ext cx="1266651" cy="1487056"/>
           </a:xfrm>
           <a:prstGeom prst="wedgeRectCallout">
@@ -7294,13 +8914,13 @@
         </p:nvSpPr>
         <p:spPr>
           <a:xfrm>
-            <a:off x="8026398" y="3725025"/>
-            <a:ext cx="1625005" cy="922649"/>
+            <a:off x="8838900" y="3618259"/>
+            <a:ext cx="2069732" cy="1689720"/>
           </a:xfrm>
           <a:prstGeom prst="wedgeRectCallout">
             <a:avLst>
-              <a:gd name="adj1" fmla="val -162069"/>
-              <a:gd name="adj2" fmla="val -30494"/>
+              <a:gd name="adj1" fmla="val -113360"/>
+              <a:gd name="adj2" fmla="val -29073"/>
             </a:avLst>
           </a:prstGeom>
         </p:spPr>
@@ -7327,7 +8947,34 @@
             <a:pPr algn="ctr"/>
             <a:r>
               <a:rPr lang="en-ZA" sz="1400" dirty="0"/>
-              <a:t>Merge ATM updates into the LA’s main version </a:t>
+              <a:t>Merge ATM updates into the LA’s main version.</a:t>
+            </a:r>
+          </a:p>
+          <a:p>
+            <a:pPr algn="ctr"/>
+            <a:r>
+              <a:rPr lang="en-ZA" sz="1400" dirty="0"/>
+              <a:t>Insert [</a:t>
+            </a:r>
+            <a:r>
+              <a:rPr lang="en-ZA" sz="1400" dirty="0">
+                <a:solidFill>
+                  <a:schemeClr val="bg1"/>
+                </a:solidFill>
+              </a:rPr>
+              <a:t>UPLOAD</a:t>
+            </a:r>
+            <a:r>
+              <a:rPr lang="en-ZA" sz="1400" dirty="0"/>
+              <a:t>] into Column “</a:t>
+            </a:r>
+            <a:r>
+              <a:rPr lang="en-ZA" sz="1400" dirty="0" err="1"/>
+              <a:t>RFIs</a:t>
+            </a:r>
+            <a:r>
+              <a:rPr lang="en-ZA" sz="1400" dirty="0"/>
+              <a:t>, Questions, Information Needed” </a:t>
             </a:r>
           </a:p>
         </p:txBody>
@@ -7346,12 +8993,12 @@
         </p:nvSpPr>
         <p:spPr>
           <a:xfrm>
-            <a:off x="780827" y="4289432"/>
-            <a:ext cx="1625005" cy="922649"/>
+            <a:off x="40424" y="3656287"/>
+            <a:ext cx="1422708" cy="774331"/>
           </a:xfrm>
           <a:prstGeom prst="wedgeRectCallout">
             <a:avLst>
-              <a:gd name="adj1" fmla="val 95412"/>
+              <a:gd name="adj1" fmla="val 68214"/>
               <a:gd name="adj2" fmla="val -31494"/>
             </a:avLst>
           </a:prstGeom>
@@ -7398,13 +9045,13 @@
         </p:nvSpPr>
         <p:spPr>
           <a:xfrm>
-            <a:off x="1593329" y="5479745"/>
-            <a:ext cx="1625005" cy="922649"/>
+            <a:off x="40425" y="4533648"/>
+            <a:ext cx="1419384" cy="774331"/>
           </a:xfrm>
           <a:prstGeom prst="wedgeRectCallout">
             <a:avLst>
-              <a:gd name="adj1" fmla="val 72676"/>
-              <a:gd name="adj2" fmla="val -73539"/>
+              <a:gd name="adj1" fmla="val 68333"/>
+              <a:gd name="adj2" fmla="val -57949"/>
             </a:avLst>
           </a:prstGeom>
         </p:spPr>
@@ -7458,13 +9105,13 @@
         </p:nvSpPr>
         <p:spPr>
           <a:xfrm>
-            <a:off x="3750020" y="5436344"/>
+            <a:off x="4116355" y="2576944"/>
             <a:ext cx="1625005" cy="922649"/>
           </a:xfrm>
           <a:prstGeom prst="wedgeRectCallout">
             <a:avLst>
-              <a:gd name="adj1" fmla="val 72676"/>
-              <a:gd name="adj2" fmla="val -73539"/>
+              <a:gd name="adj1" fmla="val -41762"/>
+              <a:gd name="adj2" fmla="val 71222"/>
             </a:avLst>
           </a:prstGeom>
         </p:spPr>
@@ -7510,13 +9157,13 @@
         </p:nvSpPr>
         <p:spPr>
           <a:xfrm>
-            <a:off x="5906711" y="5392943"/>
+            <a:off x="2244072" y="5354929"/>
             <a:ext cx="1625005" cy="922649"/>
           </a:xfrm>
           <a:prstGeom prst="wedgeRectCallout">
             <a:avLst>
-              <a:gd name="adj1" fmla="val -35886"/>
-              <a:gd name="adj2" fmla="val -133603"/>
+              <a:gd name="adj1" fmla="val -44105"/>
+              <a:gd name="adj2" fmla="val -80153"/>
             </a:avLst>
           </a:prstGeom>
         </p:spPr>
@@ -7562,13 +9209,13 @@
         </p:nvSpPr>
         <p:spPr>
           <a:xfrm>
-            <a:off x="8407197" y="4936864"/>
+            <a:off x="5060216" y="4540908"/>
             <a:ext cx="1625005" cy="922649"/>
           </a:xfrm>
           <a:prstGeom prst="wedgeRectCallout">
             <a:avLst>
-              <a:gd name="adj1" fmla="val -76810"/>
-              <a:gd name="adj2" fmla="val -35498"/>
+              <a:gd name="adj1" fmla="val -79339"/>
+              <a:gd name="adj2" fmla="val -59996"/>
             </a:avLst>
           </a:prstGeom>
         </p:spPr>
@@ -7604,483 +9251,6 @@
     <p:extLst>
       <p:ext uri="{BB962C8B-B14F-4D97-AF65-F5344CB8AC3E}">
         <p14:creationId xmlns:p14="http://schemas.microsoft.com/office/powerpoint/2010/main" val="1800724562"/>
-      </p:ext>
-    </p:extLst>
-  </p:cSld>
-  <p:clrMapOvr>
-    <a:masterClrMapping/>
-  </p:clrMapOvr>
-</p:sld>
-</file>
-
-<file path=ppt/slides/slide8.xml><?xml version="1.0" encoding="utf-8"?>
-<p:sld xmlns:a="http://schemas.openxmlformats.org/drawingml/2006/main" xmlns:r="http://schemas.openxmlformats.org/officeDocument/2006/relationships" xmlns:p="http://schemas.openxmlformats.org/presentationml/2006/main">
-  <p:cSld>
-    <p:spTree>
-      <p:nvGrpSpPr>
-        <p:cNvPr id="1" name=""/>
-        <p:cNvGrpSpPr/>
-        <p:nvPr/>
-      </p:nvGrpSpPr>
-      <p:grpSpPr>
-        <a:xfrm>
-          <a:off x="0" y="0"/>
-          <a:ext cx="0" cy="0"/>
-          <a:chOff x="0" y="0"/>
-          <a:chExt cx="0" cy="0"/>
-        </a:xfrm>
-      </p:grpSpPr>
-      <p:pic>
-        <p:nvPicPr>
-          <p:cNvPr id="14" name="Picture 13">
-            <a:extLst>
-              <a:ext uri="{FF2B5EF4-FFF2-40B4-BE49-F238E27FC236}">
-                <a16:creationId xmlns:a16="http://schemas.microsoft.com/office/drawing/2014/main" id="{FA5A4259-D72D-46F5-9996-DC039A7391F6}"/>
-              </a:ext>
-            </a:extLst>
-          </p:cNvPr>
-          <p:cNvPicPr>
-            <a:picLocks noChangeAspect="1"/>
-          </p:cNvPicPr>
-          <p:nvPr/>
-        </p:nvPicPr>
-        <p:blipFill>
-          <a:blip r:embed="rId2"/>
-          <a:stretch>
-            <a:fillRect/>
-          </a:stretch>
-        </p:blipFill>
-        <p:spPr>
-          <a:xfrm>
-            <a:off x="2222613" y="2310734"/>
-            <a:ext cx="6262436" cy="2943579"/>
-          </a:xfrm>
-          <a:prstGeom prst="rect">
-            <a:avLst/>
-          </a:prstGeom>
-        </p:spPr>
-      </p:pic>
-      <p:sp>
-        <p:nvSpPr>
-          <p:cNvPr id="3" name="Content Placeholder 2">
-            <a:extLst>
-              <a:ext uri="{FF2B5EF4-FFF2-40B4-BE49-F238E27FC236}">
-                <a16:creationId xmlns:a16="http://schemas.microsoft.com/office/drawing/2014/main" id="{BD342F81-AD7E-4A7A-9675-88DC2E79140B}"/>
-              </a:ext>
-            </a:extLst>
-          </p:cNvPr>
-          <p:cNvSpPr>
-            <a:spLocks noGrp="1"/>
-          </p:cNvSpPr>
-          <p:nvPr>
-            <p:ph idx="1"/>
-          </p:nvPr>
-        </p:nvSpPr>
-        <p:spPr/>
-        <p:txBody>
-          <a:bodyPr/>
-          <a:lstStyle/>
-          <a:p>
-            <a:pPr marL="0" indent="0">
-              <a:buNone/>
-            </a:pPr>
-            <a:r>
-              <a:rPr lang="en-ZA" sz="1800" dirty="0">
-                <a:solidFill>
-                  <a:srgbClr val="363639"/>
-                </a:solidFill>
-                <a:effectLst/>
-                <a:latin typeface="Helvetica" panose="020B0604020202020204" pitchFamily="34" charset="0"/>
-                <a:ea typeface="Calibri" panose="020F0502020204030204" pitchFamily="34" charset="0"/>
-                <a:cs typeface="Calibri" panose="020F0502020204030204" pitchFamily="34" charset="0"/>
-              </a:rPr>
-              <a:t>Used with the CAS_Plan.xlsm to generate a compact OE database.</a:t>
-            </a:r>
-          </a:p>
-          <a:p>
-            <a:pPr marL="0" indent="0">
-              <a:buNone/>
-            </a:pPr>
-            <a:endParaRPr lang="en-ZA" sz="1800" dirty="0">
-              <a:solidFill>
-                <a:srgbClr val="363639"/>
-              </a:solidFill>
-              <a:effectLst/>
-              <a:latin typeface="Helvetica" panose="020B0604020202020204" pitchFamily="34" charset="0"/>
-              <a:ea typeface="Calibri" panose="020F0502020204030204" pitchFamily="34" charset="0"/>
-              <a:cs typeface="Calibri" panose="020F0502020204030204" pitchFamily="34" charset="0"/>
-            </a:endParaRPr>
-          </a:p>
-        </p:txBody>
-      </p:sp>
-      <p:sp>
-        <p:nvSpPr>
-          <p:cNvPr id="6" name="Speech Bubble: Rectangle 5">
-            <a:extLst>
-              <a:ext uri="{FF2B5EF4-FFF2-40B4-BE49-F238E27FC236}">
-                <a16:creationId xmlns:a16="http://schemas.microsoft.com/office/drawing/2014/main" id="{9F48DA00-165B-47F3-8B6D-F041EFFD796C}"/>
-              </a:ext>
-            </a:extLst>
-          </p:cNvPr>
-          <p:cNvSpPr/>
-          <p:nvPr/>
-        </p:nvSpPr>
-        <p:spPr>
-          <a:xfrm>
-            <a:off x="147501" y="2358254"/>
-            <a:ext cx="1266651" cy="1487056"/>
-          </a:xfrm>
-          <a:prstGeom prst="wedgeRectCallout">
-            <a:avLst>
-              <a:gd name="adj1" fmla="val 138606"/>
-              <a:gd name="adj2" fmla="val -16890"/>
-            </a:avLst>
-          </a:prstGeom>
-        </p:spPr>
-        <p:style>
-          <a:lnRef idx="2">
-            <a:schemeClr val="accent1">
-              <a:shade val="50000"/>
-            </a:schemeClr>
-          </a:lnRef>
-          <a:fillRef idx="1">
-            <a:schemeClr val="accent1"/>
-          </a:fillRef>
-          <a:effectRef idx="0">
-            <a:schemeClr val="accent1"/>
-          </a:effectRef>
-          <a:fontRef idx="minor">
-            <a:schemeClr val="lt1"/>
-          </a:fontRef>
-        </p:style>
-        <p:txBody>
-          <a:bodyPr rtlCol="0" anchor="ctr"/>
-          <a:lstStyle/>
-          <a:p>
-            <a:pPr algn="ctr"/>
-            <a:r>
-              <a:rPr lang="en-ZA" sz="1400" dirty="0"/>
-              <a:t>Select a compact OE db to create (template) </a:t>
-            </a:r>
-          </a:p>
-        </p:txBody>
-      </p:sp>
-      <p:sp>
-        <p:nvSpPr>
-          <p:cNvPr id="7" name="Speech Bubble: Rectangle 6">
-            <a:extLst>
-              <a:ext uri="{FF2B5EF4-FFF2-40B4-BE49-F238E27FC236}">
-                <a16:creationId xmlns:a16="http://schemas.microsoft.com/office/drawing/2014/main" id="{82E456E3-6EF9-44DB-9778-BE627CE6E43F}"/>
-              </a:ext>
-            </a:extLst>
-          </p:cNvPr>
-          <p:cNvSpPr/>
-          <p:nvPr/>
-        </p:nvSpPr>
-        <p:spPr>
-          <a:xfrm>
-            <a:off x="8765551" y="1317047"/>
-            <a:ext cx="1266651" cy="1487056"/>
-          </a:xfrm>
-          <a:prstGeom prst="wedgeRectCallout">
-            <a:avLst>
-              <a:gd name="adj1" fmla="val -295995"/>
-              <a:gd name="adj2" fmla="val 53296"/>
-            </a:avLst>
-          </a:prstGeom>
-        </p:spPr>
-        <p:style>
-          <a:lnRef idx="2">
-            <a:schemeClr val="accent1">
-              <a:shade val="50000"/>
-            </a:schemeClr>
-          </a:lnRef>
-          <a:fillRef idx="1">
-            <a:schemeClr val="accent1"/>
-          </a:fillRef>
-          <a:effectRef idx="0">
-            <a:schemeClr val="accent1"/>
-          </a:effectRef>
-          <a:fontRef idx="minor">
-            <a:schemeClr val="lt1"/>
-          </a:fontRef>
-        </p:style>
-        <p:txBody>
-          <a:bodyPr rtlCol="0" anchor="ctr"/>
-          <a:lstStyle/>
-          <a:p>
-            <a:pPr algn="ctr"/>
-            <a:r>
-              <a:rPr lang="en-ZA" sz="1400" dirty="0"/>
-              <a:t>Select a ATM’s compact db with his/her change</a:t>
-            </a:r>
-          </a:p>
-        </p:txBody>
-      </p:sp>
-      <p:sp>
-        <p:nvSpPr>
-          <p:cNvPr id="8" name="Speech Bubble: Rectangle 7">
-            <a:extLst>
-              <a:ext uri="{FF2B5EF4-FFF2-40B4-BE49-F238E27FC236}">
-                <a16:creationId xmlns:a16="http://schemas.microsoft.com/office/drawing/2014/main" id="{EF4D124E-8F15-4ACE-B5AF-1E0221454270}"/>
-              </a:ext>
-            </a:extLst>
-          </p:cNvPr>
-          <p:cNvSpPr/>
-          <p:nvPr/>
-        </p:nvSpPr>
-        <p:spPr>
-          <a:xfrm>
-            <a:off x="9398876" y="3447925"/>
-            <a:ext cx="1625005" cy="922649"/>
-          </a:xfrm>
-          <a:prstGeom prst="wedgeRectCallout">
-            <a:avLst>
-              <a:gd name="adj1" fmla="val -153543"/>
-              <a:gd name="adj2" fmla="val -55521"/>
-            </a:avLst>
-          </a:prstGeom>
-        </p:spPr>
-        <p:style>
-          <a:lnRef idx="2">
-            <a:schemeClr val="accent1">
-              <a:shade val="50000"/>
-            </a:schemeClr>
-          </a:lnRef>
-          <a:fillRef idx="1">
-            <a:schemeClr val="accent1"/>
-          </a:fillRef>
-          <a:effectRef idx="0">
-            <a:schemeClr val="accent1"/>
-          </a:effectRef>
-          <a:fontRef idx="minor">
-            <a:schemeClr val="lt1"/>
-          </a:fontRef>
-        </p:style>
-        <p:txBody>
-          <a:bodyPr rtlCol="0" anchor="ctr"/>
-          <a:lstStyle/>
-          <a:p>
-            <a:pPr algn="ctr"/>
-            <a:r>
-              <a:rPr lang="en-ZA" sz="1400" dirty="0"/>
-              <a:t>Build an OU maps</a:t>
-            </a:r>
-          </a:p>
-        </p:txBody>
-      </p:sp>
-      <p:sp>
-        <p:nvSpPr>
-          <p:cNvPr id="9" name="Speech Bubble: Rectangle 8">
-            <a:extLst>
-              <a:ext uri="{FF2B5EF4-FFF2-40B4-BE49-F238E27FC236}">
-                <a16:creationId xmlns:a16="http://schemas.microsoft.com/office/drawing/2014/main" id="{CA7CD5F4-B986-4C37-A19A-6A79C05EE203}"/>
-              </a:ext>
-            </a:extLst>
-          </p:cNvPr>
-          <p:cNvSpPr/>
-          <p:nvPr/>
-        </p:nvSpPr>
-        <p:spPr>
-          <a:xfrm>
-            <a:off x="193377" y="4088486"/>
-            <a:ext cx="2347220" cy="1165827"/>
-          </a:xfrm>
-          <a:prstGeom prst="wedgeRectCallout">
-            <a:avLst>
-              <a:gd name="adj1" fmla="val 58204"/>
-              <a:gd name="adj2" fmla="val -107207"/>
-            </a:avLst>
-          </a:prstGeom>
-        </p:spPr>
-        <p:style>
-          <a:lnRef idx="2">
-            <a:schemeClr val="accent1">
-              <a:shade val="50000"/>
-            </a:schemeClr>
-          </a:lnRef>
-          <a:fillRef idx="1">
-            <a:schemeClr val="accent1"/>
-          </a:fillRef>
-          <a:effectRef idx="0">
-            <a:schemeClr val="accent1"/>
-          </a:effectRef>
-          <a:fontRef idx="minor">
-            <a:schemeClr val="lt1"/>
-          </a:fontRef>
-        </p:style>
-        <p:txBody>
-          <a:bodyPr rtlCol="0" anchor="ctr"/>
-          <a:lstStyle/>
-          <a:p>
-            <a:pPr algn="ctr"/>
-            <a:r>
-              <a:rPr lang="en-ZA" sz="1400" dirty="0"/>
-              <a:t>Generate a compact OE workbook for this appraisal based on 01_rrVaa_CompanyName_CAS_Plan.xlsm </a:t>
-            </a:r>
-          </a:p>
-        </p:txBody>
-      </p:sp>
-      <p:sp>
-        <p:nvSpPr>
-          <p:cNvPr id="10" name="Speech Bubble: Rectangle 9">
-            <a:extLst>
-              <a:ext uri="{FF2B5EF4-FFF2-40B4-BE49-F238E27FC236}">
-                <a16:creationId xmlns:a16="http://schemas.microsoft.com/office/drawing/2014/main" id="{113DB798-E9D9-4364-B9C9-148EFDAB9D80}"/>
-              </a:ext>
-            </a:extLst>
-          </p:cNvPr>
-          <p:cNvSpPr/>
-          <p:nvPr/>
-        </p:nvSpPr>
-        <p:spPr>
-          <a:xfrm>
-            <a:off x="1593329" y="5479745"/>
-            <a:ext cx="2036562" cy="1650728"/>
-          </a:xfrm>
-          <a:prstGeom prst="wedgeRectCallout">
-            <a:avLst>
-              <a:gd name="adj1" fmla="val 20449"/>
-              <a:gd name="adj2" fmla="val -137269"/>
-            </a:avLst>
-          </a:prstGeom>
-        </p:spPr>
-        <p:style>
-          <a:lnRef idx="2">
-            <a:schemeClr val="accent1">
-              <a:shade val="50000"/>
-            </a:schemeClr>
-          </a:lnRef>
-          <a:fillRef idx="1">
-            <a:schemeClr val="accent1"/>
-          </a:fillRef>
-          <a:effectRef idx="0">
-            <a:schemeClr val="accent1"/>
-          </a:effectRef>
-          <a:fontRef idx="minor">
-            <a:schemeClr val="lt1"/>
-          </a:fontRef>
-        </p:style>
-        <p:txBody>
-          <a:bodyPr rtlCol="0" anchor="ctr"/>
-          <a:lstStyle/>
-          <a:p>
-            <a:pPr algn="ctr"/>
-            <a:r>
-              <a:rPr lang="en-ZA" sz="1400" dirty="0"/>
-              <a:t>Test the links in the compact OE database. Test if English translation of documents are present (-engl) and add ‘n link to the enlsih version</a:t>
-            </a:r>
-          </a:p>
-        </p:txBody>
-      </p:sp>
-      <p:sp>
-        <p:nvSpPr>
-          <p:cNvPr id="11" name="Speech Bubble: Rectangle 10">
-            <a:extLst>
-              <a:ext uri="{FF2B5EF4-FFF2-40B4-BE49-F238E27FC236}">
-                <a16:creationId xmlns:a16="http://schemas.microsoft.com/office/drawing/2014/main" id="{987D8FC4-1E01-4A9D-9454-FE0902399047}"/>
-              </a:ext>
-            </a:extLst>
-          </p:cNvPr>
-          <p:cNvSpPr/>
-          <p:nvPr/>
-        </p:nvSpPr>
-        <p:spPr>
-          <a:xfrm>
-            <a:off x="3750020" y="5436344"/>
-            <a:ext cx="1625005" cy="922649"/>
-          </a:xfrm>
-          <a:prstGeom prst="wedgeRectCallout">
-            <a:avLst>
-              <a:gd name="adj1" fmla="val 18111"/>
-              <a:gd name="adj2" fmla="val -194668"/>
-            </a:avLst>
-          </a:prstGeom>
-        </p:spPr>
-        <p:style>
-          <a:lnRef idx="2">
-            <a:schemeClr val="accent1">
-              <a:shade val="50000"/>
-            </a:schemeClr>
-          </a:lnRef>
-          <a:fillRef idx="1">
-            <a:schemeClr val="accent1"/>
-          </a:fillRef>
-          <a:effectRef idx="0">
-            <a:schemeClr val="accent1"/>
-          </a:effectRef>
-          <a:fontRef idx="minor">
-            <a:schemeClr val="lt1"/>
-          </a:fontRef>
-        </p:style>
-        <p:txBody>
-          <a:bodyPr rtlCol="0" anchor="ctr"/>
-          <a:lstStyle/>
-          <a:p>
-            <a:pPr algn="ctr"/>
-            <a:r>
-              <a:rPr lang="en-ZA" sz="1400" dirty="0"/>
-              <a:t>Extract findings from the compact OE db</a:t>
-            </a:r>
-          </a:p>
-        </p:txBody>
-      </p:sp>
-      <p:sp>
-        <p:nvSpPr>
-          <p:cNvPr id="12" name="Speech Bubble: Rectangle 11">
-            <a:extLst>
-              <a:ext uri="{FF2B5EF4-FFF2-40B4-BE49-F238E27FC236}">
-                <a16:creationId xmlns:a16="http://schemas.microsoft.com/office/drawing/2014/main" id="{37750048-310A-40B4-BFC3-8100A7C1F627}"/>
-              </a:ext>
-            </a:extLst>
-          </p:cNvPr>
-          <p:cNvSpPr/>
-          <p:nvPr/>
-        </p:nvSpPr>
-        <p:spPr>
-          <a:xfrm>
-            <a:off x="5906711" y="5392943"/>
-            <a:ext cx="1805653" cy="1448834"/>
-          </a:xfrm>
-          <a:prstGeom prst="wedgeRectCallout">
-            <a:avLst>
-              <a:gd name="adj1" fmla="val -70273"/>
-              <a:gd name="adj2" fmla="val -191704"/>
-            </a:avLst>
-          </a:prstGeom>
-        </p:spPr>
-        <p:style>
-          <a:lnRef idx="2">
-            <a:schemeClr val="accent1">
-              <a:shade val="50000"/>
-            </a:schemeClr>
-          </a:lnRef>
-          <a:fillRef idx="1">
-            <a:schemeClr val="accent1"/>
-          </a:fillRef>
-          <a:effectRef idx="0">
-            <a:schemeClr val="accent1"/>
-          </a:effectRef>
-          <a:fontRef idx="minor">
-            <a:schemeClr val="lt1"/>
-          </a:fontRef>
-        </p:style>
-        <p:txBody>
-          <a:bodyPr rtlCol="0" anchor="ctr"/>
-          <a:lstStyle/>
-          <a:p>
-            <a:pPr algn="ctr"/>
-            <a:r>
-              <a:rPr lang="en-ZA" sz="1400" dirty="0"/>
-              <a:t>Merge the ATMs changes on the compact OE db with the LAs main compact OE db</a:t>
-            </a:r>
-          </a:p>
-        </p:txBody>
-      </p:sp>
-    </p:spTree>
-    <p:extLst>
-      <p:ext uri="{BB962C8B-B14F-4D97-AF65-F5344CB8AC3E}">
-        <p14:creationId xmlns:p14="http://schemas.microsoft.com/office/powerpoint/2010/main" val="2495827654"/>
       </p:ext>
     </p:extLst>
   </p:cSld>

--- a/02_Overview.pptx
+++ b/02_Overview.pptx
@@ -158,854 +158,6 @@
 </p:cmAuthorLst>
 </file>
 
-<file path=ppt/revisionInfo.xml><?xml version="1.0" encoding="utf-8"?>
-<p1510:revInfo xmlns:a="http://schemas.openxmlformats.org/drawingml/2006/main" xmlns:r="http://schemas.openxmlformats.org/officeDocument/2006/relationships" xmlns:p1510="http://schemas.microsoft.com/office/powerpoint/2015/10/main">
-  <p1510:revLst>
-    <p1510:client id="{A58A4996-CA93-4154-8405-1FEFEBD7052E}" v="48" dt="2021-01-15T16:15:52.735"/>
-  </p1510:revLst>
-</p1510:revInfo>
-</file>
-
-<file path=ppt/changesInfos/changesInfo1.xml><?xml version="1.0" encoding="utf-8"?>
-<pc:chgInfo xmlns:a="http://schemas.openxmlformats.org/drawingml/2006/main" xmlns:r="http://schemas.openxmlformats.org/officeDocument/2006/relationships" xmlns:ac="http://schemas.microsoft.com/office/drawing/2013/main/command" xmlns:pc="http://schemas.microsoft.com/office/powerpoint/2013/main/command">
-  <pc:docChgLst>
-    <pc:chgData name="Pieter van Zyl" userId="a087f150-e9eb-40d9-8ea7-74329b4a43e2" providerId="ADAL" clId="{A58A4996-CA93-4154-8405-1FEFEBD7052E}"/>
-    <pc:docChg chg="undo custSel addSld delSld modSld modMainMaster">
-      <pc:chgData name="Pieter van Zyl" userId="a087f150-e9eb-40d9-8ea7-74329b4a43e2" providerId="ADAL" clId="{A58A4996-CA93-4154-8405-1FEFEBD7052E}" dt="2021-01-15T16:16:23.730" v="4050" actId="21"/>
-      <pc:docMkLst>
-        <pc:docMk/>
-      </pc:docMkLst>
-      <pc:sldChg chg="del">
-        <pc:chgData name="Pieter van Zyl" userId="a087f150-e9eb-40d9-8ea7-74329b4a43e2" providerId="ADAL" clId="{A58A4996-CA93-4154-8405-1FEFEBD7052E}" dt="2021-01-15T15:57:50.100" v="3259" actId="47"/>
-        <pc:sldMkLst>
-          <pc:docMk/>
-          <pc:sldMk cId="2658625538" sldId="256"/>
-        </pc:sldMkLst>
-      </pc:sldChg>
-      <pc:sldChg chg="del">
-        <pc:chgData name="Pieter van Zyl" userId="a087f150-e9eb-40d9-8ea7-74329b4a43e2" providerId="ADAL" clId="{A58A4996-CA93-4154-8405-1FEFEBD7052E}" dt="2021-01-15T15:57:50.314" v="3262" actId="47"/>
-        <pc:sldMkLst>
-          <pc:docMk/>
-          <pc:sldMk cId="2391473198" sldId="270"/>
-        </pc:sldMkLst>
-      </pc:sldChg>
-      <pc:sldChg chg="del">
-        <pc:chgData name="Pieter van Zyl" userId="a087f150-e9eb-40d9-8ea7-74329b4a43e2" providerId="ADAL" clId="{A58A4996-CA93-4154-8405-1FEFEBD7052E}" dt="2021-01-15T15:57:51.205" v="3267" actId="47"/>
-        <pc:sldMkLst>
-          <pc:docMk/>
-          <pc:sldMk cId="2361070337" sldId="274"/>
-        </pc:sldMkLst>
-      </pc:sldChg>
-      <pc:sldChg chg="del">
-        <pc:chgData name="Pieter van Zyl" userId="a087f150-e9eb-40d9-8ea7-74329b4a43e2" providerId="ADAL" clId="{A58A4996-CA93-4154-8405-1FEFEBD7052E}" dt="2021-01-15T15:57:50.452" v="3266" actId="47"/>
-        <pc:sldMkLst>
-          <pc:docMk/>
-          <pc:sldMk cId="483676438" sldId="310"/>
-        </pc:sldMkLst>
-      </pc:sldChg>
-      <pc:sldChg chg="del">
-        <pc:chgData name="Pieter van Zyl" userId="a087f150-e9eb-40d9-8ea7-74329b4a43e2" providerId="ADAL" clId="{A58A4996-CA93-4154-8405-1FEFEBD7052E}" dt="2021-01-15T15:57:56.126" v="3269" actId="47"/>
-        <pc:sldMkLst>
-          <pc:docMk/>
-          <pc:sldMk cId="3738328828" sldId="360"/>
-        </pc:sldMkLst>
-      </pc:sldChg>
-      <pc:sldChg chg="del">
-        <pc:chgData name="Pieter van Zyl" userId="a087f150-e9eb-40d9-8ea7-74329b4a43e2" providerId="ADAL" clId="{A58A4996-CA93-4154-8405-1FEFEBD7052E}" dt="2021-01-15T15:57:56.126" v="3269" actId="47"/>
-        <pc:sldMkLst>
-          <pc:docMk/>
-          <pc:sldMk cId="1503336543" sldId="909"/>
-        </pc:sldMkLst>
-      </pc:sldChg>
-      <pc:sldChg chg="del">
-        <pc:chgData name="Pieter van Zyl" userId="a087f150-e9eb-40d9-8ea7-74329b4a43e2" providerId="ADAL" clId="{A58A4996-CA93-4154-8405-1FEFEBD7052E}" dt="2021-01-15T15:57:56.126" v="3269" actId="47"/>
-        <pc:sldMkLst>
-          <pc:docMk/>
-          <pc:sldMk cId="1209401781" sldId="910"/>
-        </pc:sldMkLst>
-      </pc:sldChg>
-      <pc:sldChg chg="del">
-        <pc:chgData name="Pieter van Zyl" userId="a087f150-e9eb-40d9-8ea7-74329b4a43e2" providerId="ADAL" clId="{A58A4996-CA93-4154-8405-1FEFEBD7052E}" dt="2021-01-15T15:57:50.158" v="3261" actId="47"/>
-        <pc:sldMkLst>
-          <pc:docMk/>
-          <pc:sldMk cId="3098931767" sldId="911"/>
-        </pc:sldMkLst>
-      </pc:sldChg>
-      <pc:sldChg chg="del">
-        <pc:chgData name="Pieter van Zyl" userId="a087f150-e9eb-40d9-8ea7-74329b4a43e2" providerId="ADAL" clId="{A58A4996-CA93-4154-8405-1FEFEBD7052E}" dt="2021-01-15T15:57:56.126" v="3269" actId="47"/>
-        <pc:sldMkLst>
-          <pc:docMk/>
-          <pc:sldMk cId="2707522227" sldId="912"/>
-        </pc:sldMkLst>
-      </pc:sldChg>
-      <pc:sldChg chg="del">
-        <pc:chgData name="Pieter van Zyl" userId="a087f150-e9eb-40d9-8ea7-74329b4a43e2" providerId="ADAL" clId="{A58A4996-CA93-4154-8405-1FEFEBD7052E}" dt="2021-01-15T15:57:50.412" v="3264" actId="47"/>
-        <pc:sldMkLst>
-          <pc:docMk/>
-          <pc:sldMk cId="148595327" sldId="913"/>
-        </pc:sldMkLst>
-      </pc:sldChg>
-      <pc:sldChg chg="del">
-        <pc:chgData name="Pieter van Zyl" userId="a087f150-e9eb-40d9-8ea7-74329b4a43e2" providerId="ADAL" clId="{A58A4996-CA93-4154-8405-1FEFEBD7052E}" dt="2021-01-15T15:57:51.449" v="3268" actId="47"/>
-        <pc:sldMkLst>
-          <pc:docMk/>
-          <pc:sldMk cId="2226382953" sldId="914"/>
-        </pc:sldMkLst>
-      </pc:sldChg>
-      <pc:sldChg chg="del">
-        <pc:chgData name="Pieter van Zyl" userId="a087f150-e9eb-40d9-8ea7-74329b4a43e2" providerId="ADAL" clId="{A58A4996-CA93-4154-8405-1FEFEBD7052E}" dt="2021-01-15T15:57:56.126" v="3269" actId="47"/>
-        <pc:sldMkLst>
-          <pc:docMk/>
-          <pc:sldMk cId="4006735164" sldId="919"/>
-        </pc:sldMkLst>
-      </pc:sldChg>
-      <pc:sldChg chg="del">
-        <pc:chgData name="Pieter van Zyl" userId="a087f150-e9eb-40d9-8ea7-74329b4a43e2" providerId="ADAL" clId="{A58A4996-CA93-4154-8405-1FEFEBD7052E}" dt="2021-01-15T15:57:50.334" v="3263" actId="47"/>
-        <pc:sldMkLst>
-          <pc:docMk/>
-          <pc:sldMk cId="2505805455" sldId="928"/>
-        </pc:sldMkLst>
-      </pc:sldChg>
-      <pc:sldChg chg="del">
-        <pc:chgData name="Pieter van Zyl" userId="a087f150-e9eb-40d9-8ea7-74329b4a43e2" providerId="ADAL" clId="{A58A4996-CA93-4154-8405-1FEFEBD7052E}" dt="2021-01-15T15:57:56.126" v="3269" actId="47"/>
-        <pc:sldMkLst>
-          <pc:docMk/>
-          <pc:sldMk cId="1392066959" sldId="930"/>
-        </pc:sldMkLst>
-      </pc:sldChg>
-      <pc:sldChg chg="del">
-        <pc:chgData name="Pieter van Zyl" userId="a087f150-e9eb-40d9-8ea7-74329b4a43e2" providerId="ADAL" clId="{A58A4996-CA93-4154-8405-1FEFEBD7052E}" dt="2021-01-15T15:57:56.126" v="3269" actId="47"/>
-        <pc:sldMkLst>
-          <pc:docMk/>
-          <pc:sldMk cId="183321245" sldId="989"/>
-        </pc:sldMkLst>
-      </pc:sldChg>
-      <pc:sldChg chg="del">
-        <pc:chgData name="Pieter van Zyl" userId="a087f150-e9eb-40d9-8ea7-74329b4a43e2" providerId="ADAL" clId="{A58A4996-CA93-4154-8405-1FEFEBD7052E}" dt="2021-01-15T15:57:56.126" v="3269" actId="47"/>
-        <pc:sldMkLst>
-          <pc:docMk/>
-          <pc:sldMk cId="378879059" sldId="1474"/>
-        </pc:sldMkLst>
-      </pc:sldChg>
-      <pc:sldChg chg="del">
-        <pc:chgData name="Pieter van Zyl" userId="a087f150-e9eb-40d9-8ea7-74329b4a43e2" providerId="ADAL" clId="{A58A4996-CA93-4154-8405-1FEFEBD7052E}" dt="2021-01-15T15:57:56.126" v="3269" actId="47"/>
-        <pc:sldMkLst>
-          <pc:docMk/>
-          <pc:sldMk cId="2592682944" sldId="1475"/>
-        </pc:sldMkLst>
-      </pc:sldChg>
-      <pc:sldChg chg="del">
-        <pc:chgData name="Pieter van Zyl" userId="a087f150-e9eb-40d9-8ea7-74329b4a43e2" providerId="ADAL" clId="{A58A4996-CA93-4154-8405-1FEFEBD7052E}" dt="2021-01-15T15:57:56.126" v="3269" actId="47"/>
-        <pc:sldMkLst>
-          <pc:docMk/>
-          <pc:sldMk cId="2196180514" sldId="1477"/>
-        </pc:sldMkLst>
-      </pc:sldChg>
-      <pc:sldChg chg="del">
-        <pc:chgData name="Pieter van Zyl" userId="a087f150-e9eb-40d9-8ea7-74329b4a43e2" providerId="ADAL" clId="{A58A4996-CA93-4154-8405-1FEFEBD7052E}" dt="2021-01-15T15:57:56.126" v="3269" actId="47"/>
-        <pc:sldMkLst>
-          <pc:docMk/>
-          <pc:sldMk cId="674304514" sldId="1478"/>
-        </pc:sldMkLst>
-      </pc:sldChg>
-      <pc:sldChg chg="del">
-        <pc:chgData name="Pieter van Zyl" userId="a087f150-e9eb-40d9-8ea7-74329b4a43e2" providerId="ADAL" clId="{A58A4996-CA93-4154-8405-1FEFEBD7052E}" dt="2021-01-15T15:57:50.119" v="3260" actId="47"/>
-        <pc:sldMkLst>
-          <pc:docMk/>
-          <pc:sldMk cId="1340015776" sldId="1496"/>
-        </pc:sldMkLst>
-      </pc:sldChg>
-      <pc:sldChg chg="del">
-        <pc:chgData name="Pieter van Zyl" userId="a087f150-e9eb-40d9-8ea7-74329b4a43e2" providerId="ADAL" clId="{A58A4996-CA93-4154-8405-1FEFEBD7052E}" dt="2021-01-15T15:57:50.431" v="3265" actId="47"/>
-        <pc:sldMkLst>
-          <pc:docMk/>
-          <pc:sldMk cId="0" sldId="1497"/>
-        </pc:sldMkLst>
-      </pc:sldChg>
-      <pc:sldChg chg="del">
-        <pc:chgData name="Pieter van Zyl" userId="a087f150-e9eb-40d9-8ea7-74329b4a43e2" providerId="ADAL" clId="{A58A4996-CA93-4154-8405-1FEFEBD7052E}" dt="2021-01-15T15:57:56.126" v="3269" actId="47"/>
-        <pc:sldMkLst>
-          <pc:docMk/>
-          <pc:sldMk cId="1784559724" sldId="1498"/>
-        </pc:sldMkLst>
-      </pc:sldChg>
-      <pc:sldChg chg="del">
-        <pc:chgData name="Pieter van Zyl" userId="a087f150-e9eb-40d9-8ea7-74329b4a43e2" providerId="ADAL" clId="{A58A4996-CA93-4154-8405-1FEFEBD7052E}" dt="2021-01-15T15:57:56.126" v="3269" actId="47"/>
-        <pc:sldMkLst>
-          <pc:docMk/>
-          <pc:sldMk cId="834503368" sldId="1500"/>
-        </pc:sldMkLst>
-      </pc:sldChg>
-      <pc:sldChg chg="del">
-        <pc:chgData name="Pieter van Zyl" userId="a087f150-e9eb-40d9-8ea7-74329b4a43e2" providerId="ADAL" clId="{A58A4996-CA93-4154-8405-1FEFEBD7052E}" dt="2021-01-15T15:57:56.126" v="3269" actId="47"/>
-        <pc:sldMkLst>
-          <pc:docMk/>
-          <pc:sldMk cId="1209513024" sldId="1501"/>
-        </pc:sldMkLst>
-      </pc:sldChg>
-      <pc:sldChg chg="del">
-        <pc:chgData name="Pieter van Zyl" userId="a087f150-e9eb-40d9-8ea7-74329b4a43e2" providerId="ADAL" clId="{A58A4996-CA93-4154-8405-1FEFEBD7052E}" dt="2021-01-15T15:57:56.126" v="3269" actId="47"/>
-        <pc:sldMkLst>
-          <pc:docMk/>
-          <pc:sldMk cId="2868254786" sldId="1503"/>
-        </pc:sldMkLst>
-      </pc:sldChg>
-      <pc:sldChg chg="del">
-        <pc:chgData name="Pieter van Zyl" userId="a087f150-e9eb-40d9-8ea7-74329b4a43e2" providerId="ADAL" clId="{A58A4996-CA93-4154-8405-1FEFEBD7052E}" dt="2021-01-15T15:57:56.126" v="3269" actId="47"/>
-        <pc:sldMkLst>
-          <pc:docMk/>
-          <pc:sldMk cId="64724645" sldId="1504"/>
-        </pc:sldMkLst>
-      </pc:sldChg>
-      <pc:sldChg chg="del">
-        <pc:chgData name="Pieter van Zyl" userId="a087f150-e9eb-40d9-8ea7-74329b4a43e2" providerId="ADAL" clId="{A58A4996-CA93-4154-8405-1FEFEBD7052E}" dt="2021-01-15T15:57:56.126" v="3269" actId="47"/>
-        <pc:sldMkLst>
-          <pc:docMk/>
-          <pc:sldMk cId="3113819022" sldId="1505"/>
-        </pc:sldMkLst>
-      </pc:sldChg>
-      <pc:sldChg chg="del">
-        <pc:chgData name="Pieter van Zyl" userId="a087f150-e9eb-40d9-8ea7-74329b4a43e2" providerId="ADAL" clId="{A58A4996-CA93-4154-8405-1FEFEBD7052E}" dt="2021-01-15T15:57:56.126" v="3269" actId="47"/>
-        <pc:sldMkLst>
-          <pc:docMk/>
-          <pc:sldMk cId="2718433564" sldId="1506"/>
-        </pc:sldMkLst>
-      </pc:sldChg>
-      <pc:sldChg chg="del">
-        <pc:chgData name="Pieter van Zyl" userId="a087f150-e9eb-40d9-8ea7-74329b4a43e2" providerId="ADAL" clId="{A58A4996-CA93-4154-8405-1FEFEBD7052E}" dt="2021-01-15T15:57:56.126" v="3269" actId="47"/>
-        <pc:sldMkLst>
-          <pc:docMk/>
-          <pc:sldMk cId="1860371547" sldId="1507"/>
-        </pc:sldMkLst>
-      </pc:sldChg>
-      <pc:sldChg chg="del">
-        <pc:chgData name="Pieter van Zyl" userId="a087f150-e9eb-40d9-8ea7-74329b4a43e2" providerId="ADAL" clId="{A58A4996-CA93-4154-8405-1FEFEBD7052E}" dt="2021-01-15T15:57:56.126" v="3269" actId="47"/>
-        <pc:sldMkLst>
-          <pc:docMk/>
-          <pc:sldMk cId="1028804118" sldId="1509"/>
-        </pc:sldMkLst>
-      </pc:sldChg>
-      <pc:sldChg chg="del">
-        <pc:chgData name="Pieter van Zyl" userId="a087f150-e9eb-40d9-8ea7-74329b4a43e2" providerId="ADAL" clId="{A58A4996-CA93-4154-8405-1FEFEBD7052E}" dt="2021-01-15T15:57:56.126" v="3269" actId="47"/>
-        <pc:sldMkLst>
-          <pc:docMk/>
-          <pc:sldMk cId="18693123" sldId="1510"/>
-        </pc:sldMkLst>
-      </pc:sldChg>
-      <pc:sldChg chg="del">
-        <pc:chgData name="Pieter van Zyl" userId="a087f150-e9eb-40d9-8ea7-74329b4a43e2" providerId="ADAL" clId="{A58A4996-CA93-4154-8405-1FEFEBD7052E}" dt="2021-01-15T15:57:56.126" v="3269" actId="47"/>
-        <pc:sldMkLst>
-          <pc:docMk/>
-          <pc:sldMk cId="3152701722" sldId="1511"/>
-        </pc:sldMkLst>
-      </pc:sldChg>
-      <pc:sldChg chg="del">
-        <pc:chgData name="Pieter van Zyl" userId="a087f150-e9eb-40d9-8ea7-74329b4a43e2" providerId="ADAL" clId="{A58A4996-CA93-4154-8405-1FEFEBD7052E}" dt="2021-01-15T15:57:56.126" v="3269" actId="47"/>
-        <pc:sldMkLst>
-          <pc:docMk/>
-          <pc:sldMk cId="3568949673" sldId="1514"/>
-        </pc:sldMkLst>
-      </pc:sldChg>
-      <pc:sldChg chg="del">
-        <pc:chgData name="Pieter van Zyl" userId="a087f150-e9eb-40d9-8ea7-74329b4a43e2" providerId="ADAL" clId="{A58A4996-CA93-4154-8405-1FEFEBD7052E}" dt="2021-01-15T15:57:56.126" v="3269" actId="47"/>
-        <pc:sldMkLst>
-          <pc:docMk/>
-          <pc:sldMk cId="2579780939" sldId="1515"/>
-        </pc:sldMkLst>
-      </pc:sldChg>
-      <pc:sldChg chg="del">
-        <pc:chgData name="Pieter van Zyl" userId="a087f150-e9eb-40d9-8ea7-74329b4a43e2" providerId="ADAL" clId="{A58A4996-CA93-4154-8405-1FEFEBD7052E}" dt="2021-01-15T15:57:56.126" v="3269" actId="47"/>
-        <pc:sldMkLst>
-          <pc:docMk/>
-          <pc:sldMk cId="600706580" sldId="1516"/>
-        </pc:sldMkLst>
-      </pc:sldChg>
-      <pc:sldChg chg="del">
-        <pc:chgData name="Pieter van Zyl" userId="a087f150-e9eb-40d9-8ea7-74329b4a43e2" providerId="ADAL" clId="{A58A4996-CA93-4154-8405-1FEFEBD7052E}" dt="2021-01-15T15:57:56.126" v="3269" actId="47"/>
-        <pc:sldMkLst>
-          <pc:docMk/>
-          <pc:sldMk cId="822165347" sldId="1517"/>
-        </pc:sldMkLst>
-      </pc:sldChg>
-      <pc:sldChg chg="del">
-        <pc:chgData name="Pieter van Zyl" userId="a087f150-e9eb-40d9-8ea7-74329b4a43e2" providerId="ADAL" clId="{A58A4996-CA93-4154-8405-1FEFEBD7052E}" dt="2021-01-15T15:57:56.126" v="3269" actId="47"/>
-        <pc:sldMkLst>
-          <pc:docMk/>
-          <pc:sldMk cId="1241888334" sldId="1518"/>
-        </pc:sldMkLst>
-      </pc:sldChg>
-      <pc:sldChg chg="del">
-        <pc:chgData name="Pieter van Zyl" userId="a087f150-e9eb-40d9-8ea7-74329b4a43e2" providerId="ADAL" clId="{A58A4996-CA93-4154-8405-1FEFEBD7052E}" dt="2021-01-15T15:57:56.126" v="3269" actId="47"/>
-        <pc:sldMkLst>
-          <pc:docMk/>
-          <pc:sldMk cId="2396082305" sldId="1519"/>
-        </pc:sldMkLst>
-      </pc:sldChg>
-      <pc:sldChg chg="del">
-        <pc:chgData name="Pieter van Zyl" userId="a087f150-e9eb-40d9-8ea7-74329b4a43e2" providerId="ADAL" clId="{A58A4996-CA93-4154-8405-1FEFEBD7052E}" dt="2021-01-15T15:57:56.126" v="3269" actId="47"/>
-        <pc:sldMkLst>
-          <pc:docMk/>
-          <pc:sldMk cId="88442400" sldId="1520"/>
-        </pc:sldMkLst>
-      </pc:sldChg>
-      <pc:sldChg chg="del">
-        <pc:chgData name="Pieter van Zyl" userId="a087f150-e9eb-40d9-8ea7-74329b4a43e2" providerId="ADAL" clId="{A58A4996-CA93-4154-8405-1FEFEBD7052E}" dt="2021-01-15T15:57:56.126" v="3269" actId="47"/>
-        <pc:sldMkLst>
-          <pc:docMk/>
-          <pc:sldMk cId="2916030505" sldId="1521"/>
-        </pc:sldMkLst>
-      </pc:sldChg>
-      <pc:sldChg chg="del">
-        <pc:chgData name="Pieter van Zyl" userId="a087f150-e9eb-40d9-8ea7-74329b4a43e2" providerId="ADAL" clId="{A58A4996-CA93-4154-8405-1FEFEBD7052E}" dt="2021-01-15T15:57:56.126" v="3269" actId="47"/>
-        <pc:sldMkLst>
-          <pc:docMk/>
-          <pc:sldMk cId="2941885417" sldId="1522"/>
-        </pc:sldMkLst>
-      </pc:sldChg>
-      <pc:sldChg chg="del">
-        <pc:chgData name="Pieter van Zyl" userId="a087f150-e9eb-40d9-8ea7-74329b4a43e2" providerId="ADAL" clId="{A58A4996-CA93-4154-8405-1FEFEBD7052E}" dt="2021-01-15T15:57:56.126" v="3269" actId="47"/>
-        <pc:sldMkLst>
-          <pc:docMk/>
-          <pc:sldMk cId="4080186523" sldId="1523"/>
-        </pc:sldMkLst>
-      </pc:sldChg>
-      <pc:sldChg chg="del">
-        <pc:chgData name="Pieter van Zyl" userId="a087f150-e9eb-40d9-8ea7-74329b4a43e2" providerId="ADAL" clId="{A58A4996-CA93-4154-8405-1FEFEBD7052E}" dt="2021-01-15T15:57:56.126" v="3269" actId="47"/>
-        <pc:sldMkLst>
-          <pc:docMk/>
-          <pc:sldMk cId="1200263748" sldId="1524"/>
-        </pc:sldMkLst>
-      </pc:sldChg>
-      <pc:sldChg chg="del">
-        <pc:chgData name="Pieter van Zyl" userId="a087f150-e9eb-40d9-8ea7-74329b4a43e2" providerId="ADAL" clId="{A58A4996-CA93-4154-8405-1FEFEBD7052E}" dt="2021-01-15T15:57:56.126" v="3269" actId="47"/>
-        <pc:sldMkLst>
-          <pc:docMk/>
-          <pc:sldMk cId="2488936391" sldId="1525"/>
-        </pc:sldMkLst>
-      </pc:sldChg>
-      <pc:sldChg chg="del">
-        <pc:chgData name="Pieter van Zyl" userId="a087f150-e9eb-40d9-8ea7-74329b4a43e2" providerId="ADAL" clId="{A58A4996-CA93-4154-8405-1FEFEBD7052E}" dt="2021-01-15T15:57:56.126" v="3269" actId="47"/>
-        <pc:sldMkLst>
-          <pc:docMk/>
-          <pc:sldMk cId="2021719515" sldId="1526"/>
-        </pc:sldMkLst>
-      </pc:sldChg>
-      <pc:sldChg chg="del">
-        <pc:chgData name="Pieter van Zyl" userId="a087f150-e9eb-40d9-8ea7-74329b4a43e2" providerId="ADAL" clId="{A58A4996-CA93-4154-8405-1FEFEBD7052E}" dt="2021-01-15T15:57:56.126" v="3269" actId="47"/>
-        <pc:sldMkLst>
-          <pc:docMk/>
-          <pc:sldMk cId="542138121" sldId="1527"/>
-        </pc:sldMkLst>
-      </pc:sldChg>
-      <pc:sldChg chg="del">
-        <pc:chgData name="Pieter van Zyl" userId="a087f150-e9eb-40d9-8ea7-74329b4a43e2" providerId="ADAL" clId="{A58A4996-CA93-4154-8405-1FEFEBD7052E}" dt="2021-01-15T15:57:56.126" v="3269" actId="47"/>
-        <pc:sldMkLst>
-          <pc:docMk/>
-          <pc:sldMk cId="4198268786" sldId="1528"/>
-        </pc:sldMkLst>
-      </pc:sldChg>
-      <pc:sldChg chg="del">
-        <pc:chgData name="Pieter van Zyl" userId="a087f150-e9eb-40d9-8ea7-74329b4a43e2" providerId="ADAL" clId="{A58A4996-CA93-4154-8405-1FEFEBD7052E}" dt="2021-01-15T15:57:56.126" v="3269" actId="47"/>
-        <pc:sldMkLst>
-          <pc:docMk/>
-          <pc:sldMk cId="2295978133" sldId="1529"/>
-        </pc:sldMkLst>
-      </pc:sldChg>
-      <pc:sldChg chg="del">
-        <pc:chgData name="Pieter van Zyl" userId="a087f150-e9eb-40d9-8ea7-74329b4a43e2" providerId="ADAL" clId="{A58A4996-CA93-4154-8405-1FEFEBD7052E}" dt="2021-01-15T15:57:56.126" v="3269" actId="47"/>
-        <pc:sldMkLst>
-          <pc:docMk/>
-          <pc:sldMk cId="3637058616" sldId="1530"/>
-        </pc:sldMkLst>
-      </pc:sldChg>
-      <pc:sldChg chg="del">
-        <pc:chgData name="Pieter van Zyl" userId="a087f150-e9eb-40d9-8ea7-74329b4a43e2" providerId="ADAL" clId="{A58A4996-CA93-4154-8405-1FEFEBD7052E}" dt="2021-01-15T15:57:56.126" v="3269" actId="47"/>
-        <pc:sldMkLst>
-          <pc:docMk/>
-          <pc:sldMk cId="1994353664" sldId="1531"/>
-        </pc:sldMkLst>
-      </pc:sldChg>
-      <pc:sldChg chg="del">
-        <pc:chgData name="Pieter van Zyl" userId="a087f150-e9eb-40d9-8ea7-74329b4a43e2" providerId="ADAL" clId="{A58A4996-CA93-4154-8405-1FEFEBD7052E}" dt="2021-01-15T15:57:56.126" v="3269" actId="47"/>
-        <pc:sldMkLst>
-          <pc:docMk/>
-          <pc:sldMk cId="3073816523" sldId="1532"/>
-        </pc:sldMkLst>
-      </pc:sldChg>
-      <pc:sldChg chg="modSp new mod">
-        <pc:chgData name="Pieter van Zyl" userId="a087f150-e9eb-40d9-8ea7-74329b4a43e2" providerId="ADAL" clId="{A58A4996-CA93-4154-8405-1FEFEBD7052E}" dt="2021-01-15T16:13:56.493" v="4029" actId="404"/>
-        <pc:sldMkLst>
-          <pc:docMk/>
-          <pc:sldMk cId="4254523058" sldId="1533"/>
-        </pc:sldMkLst>
-        <pc:spChg chg="mod">
-          <ac:chgData name="Pieter van Zyl" userId="a087f150-e9eb-40d9-8ea7-74329b4a43e2" providerId="ADAL" clId="{A58A4996-CA93-4154-8405-1FEFEBD7052E}" dt="2021-01-15T16:13:53.039" v="4027" actId="404"/>
-          <ac:spMkLst>
-            <pc:docMk/>
-            <pc:sldMk cId="4254523058" sldId="1533"/>
-            <ac:spMk id="2" creationId="{7BAA79E5-1CD2-4CD2-AAF8-E5ECAD5462A6}"/>
-          </ac:spMkLst>
-        </pc:spChg>
-        <pc:spChg chg="mod">
-          <ac:chgData name="Pieter van Zyl" userId="a087f150-e9eb-40d9-8ea7-74329b4a43e2" providerId="ADAL" clId="{A58A4996-CA93-4154-8405-1FEFEBD7052E}" dt="2021-01-15T16:13:56.493" v="4029" actId="404"/>
-          <ac:spMkLst>
-            <pc:docMk/>
-            <pc:sldMk cId="4254523058" sldId="1533"/>
-            <ac:spMk id="3" creationId="{65512331-E35D-46D0-8DF1-6B67CD0EFE65}"/>
-          </ac:spMkLst>
-        </pc:spChg>
-      </pc:sldChg>
-      <pc:sldChg chg="addSp delSp modSp new mod">
-        <pc:chgData name="Pieter van Zyl" userId="a087f150-e9eb-40d9-8ea7-74329b4a43e2" providerId="ADAL" clId="{A58A4996-CA93-4154-8405-1FEFEBD7052E}" dt="2021-01-15T16:16:23.730" v="4050" actId="21"/>
-        <pc:sldMkLst>
-          <pc:docMk/>
-          <pc:sldMk cId="1435953025" sldId="1534"/>
-        </pc:sldMkLst>
-        <pc:spChg chg="del">
-          <ac:chgData name="Pieter van Zyl" userId="a087f150-e9eb-40d9-8ea7-74329b4a43e2" providerId="ADAL" clId="{A58A4996-CA93-4154-8405-1FEFEBD7052E}" dt="2021-01-15T15:26:23.484" v="137" actId="478"/>
-          <ac:spMkLst>
-            <pc:docMk/>
-            <pc:sldMk cId="1435953025" sldId="1534"/>
-            <ac:spMk id="2" creationId="{CF26A650-A89D-46CB-9856-651F94F47F4C}"/>
-          </ac:spMkLst>
-        </pc:spChg>
-        <pc:spChg chg="del mod">
-          <ac:chgData name="Pieter van Zyl" userId="a087f150-e9eb-40d9-8ea7-74329b4a43e2" providerId="ADAL" clId="{A58A4996-CA93-4154-8405-1FEFEBD7052E}" dt="2021-01-15T15:26:28.521" v="139"/>
-          <ac:spMkLst>
-            <pc:docMk/>
-            <pc:sldMk cId="1435953025" sldId="1534"/>
-            <ac:spMk id="3" creationId="{DE8FE520-E3C2-4D77-AB0A-0D7DBD32D950}"/>
-          </ac:spMkLst>
-        </pc:spChg>
-        <pc:spChg chg="add mod">
-          <ac:chgData name="Pieter van Zyl" userId="a087f150-e9eb-40d9-8ea7-74329b4a43e2" providerId="ADAL" clId="{A58A4996-CA93-4154-8405-1FEFEBD7052E}" dt="2021-01-15T15:28:21.040" v="160" actId="2085"/>
-          <ac:spMkLst>
-            <pc:docMk/>
-            <pc:sldMk cId="1435953025" sldId="1534"/>
-            <ac:spMk id="5" creationId="{BF2410EB-3CAD-4940-A995-BA7A4D3C8448}"/>
-          </ac:spMkLst>
-        </pc:spChg>
-        <pc:graphicFrameChg chg="add mod modGraphic">
-          <ac:chgData name="Pieter van Zyl" userId="a087f150-e9eb-40d9-8ea7-74329b4a43e2" providerId="ADAL" clId="{A58A4996-CA93-4154-8405-1FEFEBD7052E}" dt="2021-01-15T16:16:23.730" v="4050" actId="21"/>
-          <ac:graphicFrameMkLst>
-            <pc:docMk/>
-            <pc:sldMk cId="1435953025" sldId="1534"/>
-            <ac:graphicFrameMk id="4" creationId="{BF7B6C86-5D40-4E20-9361-5DDB9BCE5B90}"/>
-          </ac:graphicFrameMkLst>
-        </pc:graphicFrameChg>
-      </pc:sldChg>
-      <pc:sldChg chg="addSp delSp modSp new mod">
-        <pc:chgData name="Pieter van Zyl" userId="a087f150-e9eb-40d9-8ea7-74329b4a43e2" providerId="ADAL" clId="{A58A4996-CA93-4154-8405-1FEFEBD7052E}" dt="2021-01-15T16:06:36.400" v="3942"/>
-        <pc:sldMkLst>
-          <pc:docMk/>
-          <pc:sldMk cId="642281578" sldId="1535"/>
-        </pc:sldMkLst>
-        <pc:spChg chg="mod">
-          <ac:chgData name="Pieter van Zyl" userId="a087f150-e9eb-40d9-8ea7-74329b4a43e2" providerId="ADAL" clId="{A58A4996-CA93-4154-8405-1FEFEBD7052E}" dt="2021-01-15T15:28:31.735" v="174" actId="20577"/>
-          <ac:spMkLst>
-            <pc:docMk/>
-            <pc:sldMk cId="642281578" sldId="1535"/>
-            <ac:spMk id="2" creationId="{92EE923D-248F-45F7-90E6-665FC4B09487}"/>
-          </ac:spMkLst>
-        </pc:spChg>
-        <pc:spChg chg="del mod">
-          <ac:chgData name="Pieter van Zyl" userId="a087f150-e9eb-40d9-8ea7-74329b4a43e2" providerId="ADAL" clId="{A58A4996-CA93-4154-8405-1FEFEBD7052E}" dt="2021-01-15T15:29:33.161" v="262" actId="478"/>
-          <ac:spMkLst>
-            <pc:docMk/>
-            <pc:sldMk cId="642281578" sldId="1535"/>
-            <ac:spMk id="3" creationId="{A9FC7FA7-A921-48DD-A93C-94E74A421D15}"/>
-          </ac:spMkLst>
-        </pc:spChg>
-        <pc:spChg chg="add del mod">
-          <ac:chgData name="Pieter van Zyl" userId="a087f150-e9eb-40d9-8ea7-74329b4a43e2" providerId="ADAL" clId="{A58A4996-CA93-4154-8405-1FEFEBD7052E}" dt="2021-01-15T16:06:34.895" v="3941" actId="478"/>
-          <ac:spMkLst>
-            <pc:docMk/>
-            <pc:sldMk cId="642281578" sldId="1535"/>
-            <ac:spMk id="7" creationId="{4001943D-A567-48C7-8E96-7B48A2DC2C22}"/>
-          </ac:spMkLst>
-        </pc:spChg>
-        <pc:graphicFrameChg chg="add mod modGraphic">
-          <ac:chgData name="Pieter van Zyl" userId="a087f150-e9eb-40d9-8ea7-74329b4a43e2" providerId="ADAL" clId="{A58A4996-CA93-4154-8405-1FEFEBD7052E}" dt="2021-01-15T16:06:36.400" v="3942"/>
-          <ac:graphicFrameMkLst>
-            <pc:docMk/>
-            <pc:sldMk cId="642281578" sldId="1535"/>
-            <ac:graphicFrameMk id="4" creationId="{CB1DF026-80AE-4D0F-A007-719300916D2A}"/>
-          </ac:graphicFrameMkLst>
-        </pc:graphicFrameChg>
-        <pc:graphicFrameChg chg="add del mod">
-          <ac:chgData name="Pieter van Zyl" userId="a087f150-e9eb-40d9-8ea7-74329b4a43e2" providerId="ADAL" clId="{A58A4996-CA93-4154-8405-1FEFEBD7052E}" dt="2021-01-15T15:49:57.299" v="2103" actId="478"/>
-          <ac:graphicFrameMkLst>
-            <pc:docMk/>
-            <pc:sldMk cId="642281578" sldId="1535"/>
-            <ac:graphicFrameMk id="5" creationId="{0ECE7A6E-EAE3-4D47-966B-E798818A9A0F}"/>
-          </ac:graphicFrameMkLst>
-        </pc:graphicFrameChg>
-      </pc:sldChg>
-      <pc:sldChg chg="addSp modSp new del mod">
-        <pc:chgData name="Pieter van Zyl" userId="a087f150-e9eb-40d9-8ea7-74329b4a43e2" providerId="ADAL" clId="{A58A4996-CA93-4154-8405-1FEFEBD7052E}" dt="2021-01-15T15:42:42.973" v="1540" actId="47"/>
-        <pc:sldMkLst>
-          <pc:docMk/>
-          <pc:sldMk cId="3968840672" sldId="1536"/>
-        </pc:sldMkLst>
-        <pc:spChg chg="mod">
-          <ac:chgData name="Pieter van Zyl" userId="a087f150-e9eb-40d9-8ea7-74329b4a43e2" providerId="ADAL" clId="{A58A4996-CA93-4154-8405-1FEFEBD7052E}" dt="2021-01-15T15:37:14.639" v="1133" actId="20577"/>
-          <ac:spMkLst>
-            <pc:docMk/>
-            <pc:sldMk cId="3968840672" sldId="1536"/>
-            <ac:spMk id="2" creationId="{7AE7883D-D11C-4395-963F-A2B1F1EFFDD8}"/>
-          </ac:spMkLst>
-        </pc:spChg>
-        <pc:spChg chg="mod">
-          <ac:chgData name="Pieter van Zyl" userId="a087f150-e9eb-40d9-8ea7-74329b4a43e2" providerId="ADAL" clId="{A58A4996-CA93-4154-8405-1FEFEBD7052E}" dt="2021-01-15T15:38:48.527" v="1264" actId="20577"/>
-          <ac:spMkLst>
-            <pc:docMk/>
-            <pc:sldMk cId="3968840672" sldId="1536"/>
-            <ac:spMk id="3" creationId="{BD342F81-AD7E-4A7A-9675-88DC2E79140B}"/>
-          </ac:spMkLst>
-        </pc:spChg>
-        <pc:spChg chg="add mod">
-          <ac:chgData name="Pieter van Zyl" userId="a087f150-e9eb-40d9-8ea7-74329b4a43e2" providerId="ADAL" clId="{A58A4996-CA93-4154-8405-1FEFEBD7052E}" dt="2021-01-15T15:39:16.802" v="1282" actId="20577"/>
-          <ac:spMkLst>
-            <pc:docMk/>
-            <pc:sldMk cId="3968840672" sldId="1536"/>
-            <ac:spMk id="6" creationId="{9F48DA00-165B-47F3-8B6D-F041EFFD796C}"/>
-          </ac:spMkLst>
-        </pc:spChg>
-        <pc:spChg chg="add mod">
-          <ac:chgData name="Pieter van Zyl" userId="a087f150-e9eb-40d9-8ea7-74329b4a43e2" providerId="ADAL" clId="{A58A4996-CA93-4154-8405-1FEFEBD7052E}" dt="2021-01-15T15:38:54.118" v="1265" actId="14100"/>
-          <ac:spMkLst>
-            <pc:docMk/>
-            <pc:sldMk cId="3968840672" sldId="1536"/>
-            <ac:spMk id="7" creationId="{82E456E3-6EF9-44DB-9778-BE627CE6E43F}"/>
-          </ac:spMkLst>
-        </pc:spChg>
-        <pc:spChg chg="add mod">
-          <ac:chgData name="Pieter van Zyl" userId="a087f150-e9eb-40d9-8ea7-74329b4a43e2" providerId="ADAL" clId="{A58A4996-CA93-4154-8405-1FEFEBD7052E}" dt="2021-01-15T15:39:38.761" v="1324" actId="14100"/>
-          <ac:spMkLst>
-            <pc:docMk/>
-            <pc:sldMk cId="3968840672" sldId="1536"/>
-            <ac:spMk id="8" creationId="{EF4D124E-8F15-4ACE-B5AF-1E0221454270}"/>
-          </ac:spMkLst>
-        </pc:spChg>
-        <pc:spChg chg="add mod">
-          <ac:chgData name="Pieter van Zyl" userId="a087f150-e9eb-40d9-8ea7-74329b4a43e2" providerId="ADAL" clId="{A58A4996-CA93-4154-8405-1FEFEBD7052E}" dt="2021-01-15T15:40:04.546" v="1364" actId="14100"/>
-          <ac:spMkLst>
-            <pc:docMk/>
-            <pc:sldMk cId="3968840672" sldId="1536"/>
-            <ac:spMk id="9" creationId="{CA7CD5F4-B986-4C37-A19A-6A79C05EE203}"/>
-          </ac:spMkLst>
-        </pc:spChg>
-        <pc:spChg chg="add mod">
-          <ac:chgData name="Pieter van Zyl" userId="a087f150-e9eb-40d9-8ea7-74329b4a43e2" providerId="ADAL" clId="{A58A4996-CA93-4154-8405-1FEFEBD7052E}" dt="2021-01-15T15:40:24.106" v="1393" actId="20577"/>
-          <ac:spMkLst>
-            <pc:docMk/>
-            <pc:sldMk cId="3968840672" sldId="1536"/>
-            <ac:spMk id="10" creationId="{113DB798-E9D9-4364-B9C9-148EFDAB9D80}"/>
-          </ac:spMkLst>
-        </pc:spChg>
-        <pc:spChg chg="add mod">
-          <ac:chgData name="Pieter van Zyl" userId="a087f150-e9eb-40d9-8ea7-74329b4a43e2" providerId="ADAL" clId="{A58A4996-CA93-4154-8405-1FEFEBD7052E}" dt="2021-01-15T15:40:51.831" v="1417" actId="20577"/>
-          <ac:spMkLst>
-            <pc:docMk/>
-            <pc:sldMk cId="3968840672" sldId="1536"/>
-            <ac:spMk id="11" creationId="{987D8FC4-1E01-4A9D-9454-FE0902399047}"/>
-          </ac:spMkLst>
-        </pc:spChg>
-        <pc:spChg chg="add mod">
-          <ac:chgData name="Pieter van Zyl" userId="a087f150-e9eb-40d9-8ea7-74329b4a43e2" providerId="ADAL" clId="{A58A4996-CA93-4154-8405-1FEFEBD7052E}" dt="2021-01-15T15:41:11.934" v="1478" actId="20577"/>
-          <ac:spMkLst>
-            <pc:docMk/>
-            <pc:sldMk cId="3968840672" sldId="1536"/>
-            <ac:spMk id="12" creationId="{37750048-310A-40B4-BFC3-8100A7C1F627}"/>
-          </ac:spMkLst>
-        </pc:spChg>
-        <pc:spChg chg="add mod">
-          <ac:chgData name="Pieter van Zyl" userId="a087f150-e9eb-40d9-8ea7-74329b4a43e2" providerId="ADAL" clId="{A58A4996-CA93-4154-8405-1FEFEBD7052E}" dt="2021-01-15T15:41:50.380" v="1533" actId="313"/>
-          <ac:spMkLst>
-            <pc:docMk/>
-            <pc:sldMk cId="3968840672" sldId="1536"/>
-            <ac:spMk id="13" creationId="{74E4EF63-2876-42BF-A709-8065664DEED1}"/>
-          </ac:spMkLst>
-        </pc:spChg>
-        <pc:picChg chg="add mod">
-          <ac:chgData name="Pieter van Zyl" userId="a087f150-e9eb-40d9-8ea7-74329b4a43e2" providerId="ADAL" clId="{A58A4996-CA93-4154-8405-1FEFEBD7052E}" dt="2021-01-15T15:36:16.695" v="1070" actId="1076"/>
-          <ac:picMkLst>
-            <pc:docMk/>
-            <pc:sldMk cId="3968840672" sldId="1536"/>
-            <ac:picMk id="5" creationId="{AFB3A887-C8E6-4FF9-8B3A-D56366A6DEC2}"/>
-          </ac:picMkLst>
-        </pc:picChg>
-      </pc:sldChg>
-      <pc:sldChg chg="delSp modSp add del mod">
-        <pc:chgData name="Pieter van Zyl" userId="a087f150-e9eb-40d9-8ea7-74329b4a43e2" providerId="ADAL" clId="{A58A4996-CA93-4154-8405-1FEFEBD7052E}" dt="2021-01-15T15:57:49.468" v="3258" actId="47"/>
-        <pc:sldMkLst>
-          <pc:docMk/>
-          <pc:sldMk cId="1265077807" sldId="1537"/>
-        </pc:sldMkLst>
-        <pc:picChg chg="del mod">
-          <ac:chgData name="Pieter van Zyl" userId="a087f150-e9eb-40d9-8ea7-74329b4a43e2" providerId="ADAL" clId="{A58A4996-CA93-4154-8405-1FEFEBD7052E}" dt="2021-01-15T15:36:11.981" v="1068" actId="478"/>
-          <ac:picMkLst>
-            <pc:docMk/>
-            <pc:sldMk cId="1265077807" sldId="1537"/>
-            <ac:picMk id="5" creationId="{AFB3A887-C8E6-4FF9-8B3A-D56366A6DEC2}"/>
-          </ac:picMkLst>
-        </pc:picChg>
-      </pc:sldChg>
-      <pc:sldChg chg="addSp delSp modSp add mod">
-        <pc:chgData name="Pieter van Zyl" userId="a087f150-e9eb-40d9-8ea7-74329b4a43e2" providerId="ADAL" clId="{A58A4996-CA93-4154-8405-1FEFEBD7052E}" dt="2021-01-15T16:15:03.775" v="4047" actId="478"/>
-        <pc:sldMkLst>
-          <pc:docMk/>
-          <pc:sldMk cId="1800724562" sldId="1538"/>
-        </pc:sldMkLst>
-        <pc:spChg chg="del">
-          <ac:chgData name="Pieter van Zyl" userId="a087f150-e9eb-40d9-8ea7-74329b4a43e2" providerId="ADAL" clId="{A58A4996-CA93-4154-8405-1FEFEBD7052E}" dt="2021-01-15T16:15:01.304" v="4046" actId="478"/>
-          <ac:spMkLst>
-            <pc:docMk/>
-            <pc:sldMk cId="1800724562" sldId="1538"/>
-            <ac:spMk id="2" creationId="{7AE7883D-D11C-4395-963F-A2B1F1EFFDD8}"/>
-          </ac:spMkLst>
-        </pc:spChg>
-        <pc:spChg chg="add del mod">
-          <ac:chgData name="Pieter van Zyl" userId="a087f150-e9eb-40d9-8ea7-74329b4a43e2" providerId="ADAL" clId="{A58A4996-CA93-4154-8405-1FEFEBD7052E}" dt="2021-01-15T16:15:03.775" v="4047" actId="478"/>
-          <ac:spMkLst>
-            <pc:docMk/>
-            <pc:sldMk cId="1800724562" sldId="1538"/>
-            <ac:spMk id="14" creationId="{1F3F9E37-0EA5-4F9D-B117-A5268A71ED54}"/>
-          </ac:spMkLst>
-        </pc:spChg>
-      </pc:sldChg>
-      <pc:sldChg chg="addSp delSp modSp new mod">
-        <pc:chgData name="Pieter van Zyl" userId="a087f150-e9eb-40d9-8ea7-74329b4a43e2" providerId="ADAL" clId="{A58A4996-CA93-4154-8405-1FEFEBD7052E}" dt="2021-01-15T15:46:52.135" v="2074" actId="14100"/>
-        <pc:sldMkLst>
-          <pc:docMk/>
-          <pc:sldMk cId="278370281" sldId="1539"/>
-        </pc:sldMkLst>
-        <pc:spChg chg="del">
-          <ac:chgData name="Pieter van Zyl" userId="a087f150-e9eb-40d9-8ea7-74329b4a43e2" providerId="ADAL" clId="{A58A4996-CA93-4154-8405-1FEFEBD7052E}" dt="2021-01-15T15:42:28.577" v="1536" actId="478"/>
-          <ac:spMkLst>
-            <pc:docMk/>
-            <pc:sldMk cId="278370281" sldId="1539"/>
-            <ac:spMk id="3" creationId="{51AAF19E-188E-45E5-935E-FC5D2DFA38F5}"/>
-          </ac:spMkLst>
-        </pc:spChg>
-        <pc:spChg chg="add mod">
-          <ac:chgData name="Pieter van Zyl" userId="a087f150-e9eb-40d9-8ea7-74329b4a43e2" providerId="ADAL" clId="{A58A4996-CA93-4154-8405-1FEFEBD7052E}" dt="2021-01-15T15:45:18.992" v="1757" actId="20577"/>
-          <ac:spMkLst>
-            <pc:docMk/>
-            <pc:sldMk cId="278370281" sldId="1539"/>
-            <ac:spMk id="6" creationId="{02582011-35F7-4834-B439-362322614A4E}"/>
-          </ac:spMkLst>
-        </pc:spChg>
-        <pc:spChg chg="add mod">
-          <ac:chgData name="Pieter van Zyl" userId="a087f150-e9eb-40d9-8ea7-74329b4a43e2" providerId="ADAL" clId="{A58A4996-CA93-4154-8405-1FEFEBD7052E}" dt="2021-01-15T15:46:52.135" v="2074" actId="14100"/>
-          <ac:spMkLst>
-            <pc:docMk/>
-            <pc:sldMk cId="278370281" sldId="1539"/>
-            <ac:spMk id="7" creationId="{EBC1445D-68FE-4560-8749-113A0DE3C75E}"/>
-          </ac:spMkLst>
-        </pc:spChg>
-        <pc:picChg chg="add mod">
-          <ac:chgData name="Pieter van Zyl" userId="a087f150-e9eb-40d9-8ea7-74329b4a43e2" providerId="ADAL" clId="{A58A4996-CA93-4154-8405-1FEFEBD7052E}" dt="2021-01-15T15:42:46.464" v="1541" actId="1076"/>
-          <ac:picMkLst>
-            <pc:docMk/>
-            <pc:sldMk cId="278370281" sldId="1539"/>
-            <ac:picMk id="5" creationId="{4934B211-FAEA-4DB8-BDA1-0771A7C6F015}"/>
-          </ac:picMkLst>
-        </pc:picChg>
-      </pc:sldChg>
-      <pc:sldChg chg="addSp delSp modSp add mod">
-        <pc:chgData name="Pieter van Zyl" userId="a087f150-e9eb-40d9-8ea7-74329b4a43e2" providerId="ADAL" clId="{A58A4996-CA93-4154-8405-1FEFEBD7052E}" dt="2021-01-15T16:15:11.592" v="4049" actId="478"/>
-        <pc:sldMkLst>
-          <pc:docMk/>
-          <pc:sldMk cId="2495827654" sldId="1540"/>
-        </pc:sldMkLst>
-        <pc:spChg chg="del">
-          <ac:chgData name="Pieter van Zyl" userId="a087f150-e9eb-40d9-8ea7-74329b4a43e2" providerId="ADAL" clId="{A58A4996-CA93-4154-8405-1FEFEBD7052E}" dt="2021-01-15T16:15:10.730" v="4048" actId="478"/>
-          <ac:spMkLst>
-            <pc:docMk/>
-            <pc:sldMk cId="2495827654" sldId="1540"/>
-            <ac:spMk id="2" creationId="{7AE7883D-D11C-4395-963F-A2B1F1EFFDD8}"/>
-          </ac:spMkLst>
-        </pc:spChg>
-        <pc:spChg chg="mod">
-          <ac:chgData name="Pieter van Zyl" userId="a087f150-e9eb-40d9-8ea7-74329b4a43e2" providerId="ADAL" clId="{A58A4996-CA93-4154-8405-1FEFEBD7052E}" dt="2021-01-15T15:55:00.877" v="2880" actId="20577"/>
-          <ac:spMkLst>
-            <pc:docMk/>
-            <pc:sldMk cId="2495827654" sldId="1540"/>
-            <ac:spMk id="3" creationId="{BD342F81-AD7E-4A7A-9675-88DC2E79140B}"/>
-          </ac:spMkLst>
-        </pc:spChg>
-        <pc:spChg chg="mod">
-          <ac:chgData name="Pieter van Zyl" userId="a087f150-e9eb-40d9-8ea7-74329b4a43e2" providerId="ADAL" clId="{A58A4996-CA93-4154-8405-1FEFEBD7052E}" dt="2021-01-15T15:55:17.318" v="2914" actId="20577"/>
-          <ac:spMkLst>
-            <pc:docMk/>
-            <pc:sldMk cId="2495827654" sldId="1540"/>
-            <ac:spMk id="6" creationId="{9F48DA00-165B-47F3-8B6D-F041EFFD796C}"/>
-          </ac:spMkLst>
-        </pc:spChg>
-        <pc:spChg chg="mod">
-          <ac:chgData name="Pieter van Zyl" userId="a087f150-e9eb-40d9-8ea7-74329b4a43e2" providerId="ADAL" clId="{A58A4996-CA93-4154-8405-1FEFEBD7052E}" dt="2021-01-15T15:56:47.924" v="3151" actId="20577"/>
-          <ac:spMkLst>
-            <pc:docMk/>
-            <pc:sldMk cId="2495827654" sldId="1540"/>
-            <ac:spMk id="7" creationId="{82E456E3-6EF9-44DB-9778-BE627CE6E43F}"/>
-          </ac:spMkLst>
-        </pc:spChg>
-        <pc:spChg chg="mod">
-          <ac:chgData name="Pieter van Zyl" userId="a087f150-e9eb-40d9-8ea7-74329b4a43e2" providerId="ADAL" clId="{A58A4996-CA93-4154-8405-1FEFEBD7052E}" dt="2021-01-15T15:57:37.138" v="3257" actId="20577"/>
-          <ac:spMkLst>
-            <pc:docMk/>
-            <pc:sldMk cId="2495827654" sldId="1540"/>
-            <ac:spMk id="8" creationId="{EF4D124E-8F15-4ACE-B5AF-1E0221454270}"/>
-          </ac:spMkLst>
-        </pc:spChg>
-        <pc:spChg chg="mod">
-          <ac:chgData name="Pieter van Zyl" userId="a087f150-e9eb-40d9-8ea7-74329b4a43e2" providerId="ADAL" clId="{A58A4996-CA93-4154-8405-1FEFEBD7052E}" dt="2021-01-15T15:54:26.802" v="2795" actId="14100"/>
-          <ac:spMkLst>
-            <pc:docMk/>
-            <pc:sldMk cId="2495827654" sldId="1540"/>
-            <ac:spMk id="9" creationId="{CA7CD5F4-B986-4C37-A19A-6A79C05EE203}"/>
-          </ac:spMkLst>
-        </pc:spChg>
-        <pc:spChg chg="mod">
-          <ac:chgData name="Pieter van Zyl" userId="a087f150-e9eb-40d9-8ea7-74329b4a43e2" providerId="ADAL" clId="{A58A4996-CA93-4154-8405-1FEFEBD7052E}" dt="2021-01-15T15:56:03.122" v="3044" actId="14100"/>
-          <ac:spMkLst>
-            <pc:docMk/>
-            <pc:sldMk cId="2495827654" sldId="1540"/>
-            <ac:spMk id="10" creationId="{113DB798-E9D9-4364-B9C9-148EFDAB9D80}"/>
-          </ac:spMkLst>
-        </pc:spChg>
-        <pc:spChg chg="mod">
-          <ac:chgData name="Pieter van Zyl" userId="a087f150-e9eb-40d9-8ea7-74329b4a43e2" providerId="ADAL" clId="{A58A4996-CA93-4154-8405-1FEFEBD7052E}" dt="2021-01-15T15:56:17.968" v="3092" actId="20577"/>
-          <ac:spMkLst>
-            <pc:docMk/>
-            <pc:sldMk cId="2495827654" sldId="1540"/>
-            <ac:spMk id="11" creationId="{987D8FC4-1E01-4A9D-9454-FE0902399047}"/>
-          </ac:spMkLst>
-        </pc:spChg>
-        <pc:spChg chg="mod">
-          <ac:chgData name="Pieter van Zyl" userId="a087f150-e9eb-40d9-8ea7-74329b4a43e2" providerId="ADAL" clId="{A58A4996-CA93-4154-8405-1FEFEBD7052E}" dt="2021-01-15T15:57:21.324" v="3237" actId="14100"/>
-          <ac:spMkLst>
-            <pc:docMk/>
-            <pc:sldMk cId="2495827654" sldId="1540"/>
-            <ac:spMk id="12" creationId="{37750048-310A-40B4-BFC3-8100A7C1F627}"/>
-          </ac:spMkLst>
-        </pc:spChg>
-        <pc:spChg chg="del mod">
-          <ac:chgData name="Pieter van Zyl" userId="a087f150-e9eb-40d9-8ea7-74329b4a43e2" providerId="ADAL" clId="{A58A4996-CA93-4154-8405-1FEFEBD7052E}" dt="2021-01-15T15:57:31.199" v="3241" actId="478"/>
-          <ac:spMkLst>
-            <pc:docMk/>
-            <pc:sldMk cId="2495827654" sldId="1540"/>
-            <ac:spMk id="13" creationId="{74E4EF63-2876-42BF-A709-8065664DEED1}"/>
-          </ac:spMkLst>
-        </pc:spChg>
-        <pc:spChg chg="add del mod">
-          <ac:chgData name="Pieter van Zyl" userId="a087f150-e9eb-40d9-8ea7-74329b4a43e2" providerId="ADAL" clId="{A58A4996-CA93-4154-8405-1FEFEBD7052E}" dt="2021-01-15T16:15:11.592" v="4049" actId="478"/>
-          <ac:spMkLst>
-            <pc:docMk/>
-            <pc:sldMk cId="2495827654" sldId="1540"/>
-            <ac:spMk id="16" creationId="{4290DE1D-7604-456D-A11A-C65C682FE47A}"/>
-          </ac:spMkLst>
-        </pc:spChg>
-        <pc:picChg chg="del">
-          <ac:chgData name="Pieter van Zyl" userId="a087f150-e9eb-40d9-8ea7-74329b4a43e2" providerId="ADAL" clId="{A58A4996-CA93-4154-8405-1FEFEBD7052E}" dt="2021-01-15T15:48:35.724" v="2076" actId="478"/>
-          <ac:picMkLst>
-            <pc:docMk/>
-            <pc:sldMk cId="2495827654" sldId="1540"/>
-            <ac:picMk id="5" creationId="{AFB3A887-C8E6-4FF9-8B3A-D56366A6DEC2}"/>
-          </ac:picMkLst>
-        </pc:picChg>
-        <pc:picChg chg="add mod ord">
-          <ac:chgData name="Pieter van Zyl" userId="a087f150-e9eb-40d9-8ea7-74329b4a43e2" providerId="ADAL" clId="{A58A4996-CA93-4154-8405-1FEFEBD7052E}" dt="2021-01-15T15:48:46.989" v="2081" actId="14100"/>
-          <ac:picMkLst>
-            <pc:docMk/>
-            <pc:sldMk cId="2495827654" sldId="1540"/>
-            <ac:picMk id="14" creationId="{FA5A4259-D72D-46F5-9996-DC039A7391F6}"/>
-          </ac:picMkLst>
-        </pc:picChg>
-      </pc:sldChg>
-      <pc:sldChg chg="modSp add mod">
-        <pc:chgData name="Pieter van Zyl" userId="a087f150-e9eb-40d9-8ea7-74329b4a43e2" providerId="ADAL" clId="{A58A4996-CA93-4154-8405-1FEFEBD7052E}" dt="2021-01-15T16:03:01.284" v="3702" actId="20577"/>
-        <pc:sldMkLst>
-          <pc:docMk/>
-          <pc:sldMk cId="3747804327" sldId="1541"/>
-        </pc:sldMkLst>
-        <pc:graphicFrameChg chg="mod modGraphic">
-          <ac:chgData name="Pieter van Zyl" userId="a087f150-e9eb-40d9-8ea7-74329b4a43e2" providerId="ADAL" clId="{A58A4996-CA93-4154-8405-1FEFEBD7052E}" dt="2021-01-15T16:03:01.284" v="3702" actId="20577"/>
-          <ac:graphicFrameMkLst>
-            <pc:docMk/>
-            <pc:sldMk cId="3747804327" sldId="1541"/>
-            <ac:graphicFrameMk id="4" creationId="{CB1DF026-80AE-4D0F-A007-719300916D2A}"/>
-          </ac:graphicFrameMkLst>
-        </pc:graphicFrameChg>
-      </pc:sldChg>
-      <pc:sldChg chg="addSp delSp modSp add mod">
-        <pc:chgData name="Pieter van Zyl" userId="a087f150-e9eb-40d9-8ea7-74329b4a43e2" providerId="ADAL" clId="{A58A4996-CA93-4154-8405-1FEFEBD7052E}" dt="2021-01-15T16:14:22.079" v="4045" actId="20577"/>
-        <pc:sldMkLst>
-          <pc:docMk/>
-          <pc:sldMk cId="4162259337" sldId="1542"/>
-        </pc:sldMkLst>
-        <pc:graphicFrameChg chg="add del mod">
-          <ac:chgData name="Pieter van Zyl" userId="a087f150-e9eb-40d9-8ea7-74329b4a43e2" providerId="ADAL" clId="{A58A4996-CA93-4154-8405-1FEFEBD7052E}" dt="2021-01-15T16:03:49.772" v="3704" actId="478"/>
-          <ac:graphicFrameMkLst>
-            <pc:docMk/>
-            <pc:sldMk cId="4162259337" sldId="1542"/>
-            <ac:graphicFrameMk id="3" creationId="{7B8EE7E5-A7B1-4670-A6A9-715420010DA9}"/>
-          </ac:graphicFrameMkLst>
-        </pc:graphicFrameChg>
-        <pc:graphicFrameChg chg="mod modGraphic">
-          <ac:chgData name="Pieter van Zyl" userId="a087f150-e9eb-40d9-8ea7-74329b4a43e2" providerId="ADAL" clId="{A58A4996-CA93-4154-8405-1FEFEBD7052E}" dt="2021-01-15T16:14:22.079" v="4045" actId="20577"/>
-          <ac:graphicFrameMkLst>
-            <pc:docMk/>
-            <pc:sldMk cId="4162259337" sldId="1542"/>
-            <ac:graphicFrameMk id="4" creationId="{CB1DF026-80AE-4D0F-A007-719300916D2A}"/>
-          </ac:graphicFrameMkLst>
-        </pc:graphicFrameChg>
-        <pc:graphicFrameChg chg="add del mod">
-          <ac:chgData name="Pieter van Zyl" userId="a087f150-e9eb-40d9-8ea7-74329b4a43e2" providerId="ADAL" clId="{A58A4996-CA93-4154-8405-1FEFEBD7052E}" dt="2021-01-15T16:04:00.264" v="3706" actId="478"/>
-          <ac:graphicFrameMkLst>
-            <pc:docMk/>
-            <pc:sldMk cId="4162259337" sldId="1542"/>
-            <ac:graphicFrameMk id="5" creationId="{76DAFDFF-97BC-43F2-8AC2-C002406E1345}"/>
-          </ac:graphicFrameMkLst>
-        </pc:graphicFrameChg>
-        <pc:graphicFrameChg chg="add del mod">
-          <ac:chgData name="Pieter van Zyl" userId="a087f150-e9eb-40d9-8ea7-74329b4a43e2" providerId="ADAL" clId="{A58A4996-CA93-4154-8405-1FEFEBD7052E}" dt="2021-01-15T16:04:23.719" v="3708" actId="478"/>
-          <ac:graphicFrameMkLst>
-            <pc:docMk/>
-            <pc:sldMk cId="4162259337" sldId="1542"/>
-            <ac:graphicFrameMk id="6" creationId="{A50E5EDD-14C8-461F-91E6-E2553BD3A50B}"/>
-          </ac:graphicFrameMkLst>
-        </pc:graphicFrameChg>
-      </pc:sldChg>
-      <pc:sldMasterChg chg="delSp modSp mod">
-        <pc:chgData name="Pieter van Zyl" userId="a087f150-e9eb-40d9-8ea7-74329b4a43e2" providerId="ADAL" clId="{A58A4996-CA93-4154-8405-1FEFEBD7052E}" dt="2021-01-15T13:06:12.544" v="135" actId="478"/>
-        <pc:sldMasterMkLst>
-          <pc:docMk/>
-          <pc:sldMasterMk cId="991517703" sldId="2147483648"/>
-        </pc:sldMasterMkLst>
-        <pc:spChg chg="mod">
-          <ac:chgData name="Pieter van Zyl" userId="a087f150-e9eb-40d9-8ea7-74329b4a43e2" providerId="ADAL" clId="{A58A4996-CA93-4154-8405-1FEFEBD7052E}" dt="2021-01-15T13:05:31.127" v="134"/>
-          <ac:spMkLst>
-            <pc:docMk/>
-            <pc:sldMasterMk cId="991517703" sldId="2147483648"/>
-            <ac:spMk id="15" creationId="{5AB615D7-D79D-42E6-9242-3BBE978D918A}"/>
-          </ac:spMkLst>
-        </pc:spChg>
-        <pc:picChg chg="del">
-          <ac:chgData name="Pieter van Zyl" userId="a087f150-e9eb-40d9-8ea7-74329b4a43e2" providerId="ADAL" clId="{A58A4996-CA93-4154-8405-1FEFEBD7052E}" dt="2021-01-15T13:06:12.544" v="135" actId="478"/>
-          <ac:picMkLst>
-            <pc:docMk/>
-            <pc:sldMasterMk cId="991517703" sldId="2147483648"/>
-            <ac:picMk id="16" creationId="{92183C6B-67AB-49CE-8EA7-9B639C93C472}"/>
-          </ac:picMkLst>
-        </pc:picChg>
-      </pc:sldMasterChg>
-    </pc:docChg>
-  </pc:docChgLst>
-</pc:chgInfo>
-</file>
-
 <file path=ppt/handoutMasters/handoutMaster1.xml><?xml version="1.0" encoding="utf-8"?>
 <p:handoutMaster xmlns:a="http://schemas.openxmlformats.org/drawingml/2006/main" xmlns:r="http://schemas.openxmlformats.org/officeDocument/2006/relationships" xmlns:p="http://schemas.openxmlformats.org/presentationml/2006/main">
   <p:cSld>
@@ -1100,7 +252,7 @@
           <a:p>
             <a:fld id="{F319E496-E8FF-4856-B08F-DBE14D18B236}" type="datetimeFigureOut">
               <a:rPr lang="en-US" smtClean="0"/>
-              <a:t>1/21/2021</a:t>
+              <a:t>1/22/2021</a:t>
             </a:fld>
             <a:endParaRPr lang="en-US" dirty="0"/>
           </a:p>
@@ -1277,7 +429,7 @@
           <a:p>
             <a:fld id="{4572F63B-EF0F-9942-98B2-F67CC88AF236}" type="datetimeFigureOut">
               <a:rPr lang="en-US" smtClean="0"/>
-              <a:t>1/21/2021</a:t>
+              <a:t>1/22/2021</a:t>
             </a:fld>
             <a:endParaRPr lang="en-US" dirty="0"/>
           </a:p>
@@ -4854,7 +4006,7 @@
             </a:br>
             <a:r>
               <a:rPr lang="en-ZA" sz="2000" dirty="0"/>
-              <a:t>Version 02</a:t>
+              <a:t>Version 03</a:t>
             </a:r>
             <a:endParaRPr lang="en-ZA" sz="4000" dirty="0"/>
           </a:p>
@@ -4890,7 +4042,7 @@
           <a:p>
             <a:r>
               <a:rPr lang="en-ZA" sz="1800" dirty="0"/>
-              <a:t>Pieter van Zyl</a:t>
+              <a:t>Pieter van Zyl, Jared Twigg</a:t>
             </a:r>
           </a:p>
           <a:p>
@@ -5548,13 +4700,13 @@
             <p:ph idx="1"/>
             <p:extLst>
               <p:ext uri="{D42A27DB-BD31-4B8C-83A1-F6EECF244321}">
-                <p14:modId xmlns:p14="http://schemas.microsoft.com/office/powerpoint/2010/main" val="1858185811"/>
+                <p14:modId xmlns:p14="http://schemas.microsoft.com/office/powerpoint/2010/main" val="3275035203"/>
               </p:ext>
             </p:extLst>
           </p:nvPr>
         </p:nvGraphicFramePr>
         <p:xfrm>
-          <a:off x="2601383" y="1299168"/>
+          <a:off x="2601383" y="1456648"/>
           <a:ext cx="6269678" cy="4572000"/>
         </p:xfrm>
         <a:graphic>
@@ -5570,7 +4722,7 @@
                   </a:extLst>
                 </a:gridCol>
               </a:tblGrid>
-              <a:tr h="172948">
+              <a:tr h="0">
                 <a:tc>
                   <a:txBody>
                     <a:bodyPr/>
@@ -6781,30 +5933,32 @@
         </p:nvSpPr>
         <p:spPr/>
         <p:txBody>
-          <a:bodyPr/>
+          <a:bodyPr>
+            <a:normAutofit/>
+          </a:bodyPr>
           <a:lstStyle/>
           <a:p>
             <a:pPr marL="0" indent="0">
               <a:buNone/>
             </a:pPr>
             <a:r>
-              <a:rPr lang="en-ZA" dirty="0"/>
-              <a:t>The BASE software is in development mode and therefore many potential enhancements still can be made. Software user friendliness also needs to be improved and bugs could still be present.</a:t>
+              <a:rPr lang="en-ZA" sz="2000" dirty="0"/>
+              <a:t>The BASE software is in development mode and therefore many enhancements still will be made. Software user friendliness also needs to be improved and bugs will be present.</a:t>
             </a:r>
           </a:p>
           <a:p>
             <a:pPr marL="0" indent="0">
               <a:buNone/>
             </a:pPr>
-            <a:endParaRPr lang="en-ZA" dirty="0"/>
+            <a:endParaRPr lang="en-ZA" sz="2000" dirty="0"/>
           </a:p>
           <a:p>
             <a:pPr marL="0" indent="0">
               <a:buNone/>
             </a:pPr>
             <a:r>
-              <a:rPr lang="en-ZA" dirty="0"/>
-              <a:t>The software is provided under the license agreement </a:t>
+              <a:rPr lang="en-ZA" sz="2000" dirty="0"/>
+              <a:t>The software is provided under the license agreement below</a:t>
             </a:r>
           </a:p>
           <a:p>
@@ -6812,49 +5966,13 @@
               <a:buNone/>
             </a:pPr>
             <a:r>
-              <a:rPr lang="en-ZA" sz="2400" dirty="0">
+              <a:rPr lang="en-ZA" sz="1800" dirty="0">
                 <a:hlinkClick r:id="rId2"/>
               </a:rPr>
-              <a:t>https://</a:t>
-            </a:r>
-            <a:r>
-              <a:rPr lang="en-ZA" sz="2400" dirty="0" err="1">
-                <a:hlinkClick r:id="rId2"/>
-              </a:rPr>
-              <a:t>github.com</a:t>
-            </a:r>
-            <a:r>
-              <a:rPr lang="en-ZA" sz="2400" dirty="0">
-                <a:hlinkClick r:id="rId2"/>
-              </a:rPr>
-              <a:t>/</a:t>
-            </a:r>
-            <a:r>
-              <a:rPr lang="en-ZA" sz="2400" dirty="0" err="1">
-                <a:hlinkClick r:id="rId2"/>
-              </a:rPr>
-              <a:t>DemixTech</a:t>
-            </a:r>
-            <a:r>
-              <a:rPr lang="en-ZA" sz="2400" dirty="0">
-                <a:hlinkClick r:id="rId2"/>
-              </a:rPr>
-              <a:t>/</a:t>
-            </a:r>
-            <a:r>
-              <a:rPr lang="en-ZA" sz="2400" dirty="0" err="1">
-                <a:hlinkClick r:id="rId2"/>
-              </a:rPr>
-              <a:t>CMMITools</a:t>
-            </a:r>
-            <a:r>
-              <a:rPr lang="en-ZA" sz="2400" dirty="0">
-                <a:hlinkClick r:id="rId2"/>
-              </a:rPr>
-              <a:t>/blob/main/LICENSE</a:t>
-            </a:r>
-            <a:r>
-              <a:rPr lang="en-ZA" sz="2400" dirty="0"/>
+              <a:t>https://github.com/DemixTech/CMMITools/blob/main/LICENSE</a:t>
+            </a:r>
+            <a:r>
+              <a:rPr lang="en-ZA" sz="1800" dirty="0"/>
               <a:t> </a:t>
             </a:r>
           </a:p>
@@ -6862,18 +5980,42 @@
             <a:pPr marL="0" indent="0">
               <a:buNone/>
             </a:pPr>
-            <a:r>
-              <a:rPr lang="en-ZA" dirty="0"/>
-              <a:t>and without any support. Please submit enhancement requests and support requests to </a:t>
-            </a:r>
-            <a:r>
-              <a:rPr lang="en-ZA" dirty="0" err="1">
+            <a:endParaRPr lang="en-ZA" sz="2000" dirty="0"/>
+          </a:p>
+          <a:p>
+            <a:pPr marL="0" indent="0">
+              <a:buNone/>
+            </a:pPr>
+            <a:r>
+              <a:rPr lang="en-ZA" sz="2000" dirty="0"/>
+              <a:t>User support is limited. </a:t>
+            </a:r>
+          </a:p>
+          <a:p>
+            <a:pPr marL="0" indent="0">
+              <a:buNone/>
+            </a:pPr>
+            <a:r>
+              <a:rPr lang="en-ZA" sz="2000" dirty="0"/>
+              <a:t> </a:t>
+            </a:r>
+          </a:p>
+          <a:p>
+            <a:pPr marL="0" indent="0">
+              <a:buNone/>
+            </a:pPr>
+            <a:r>
+              <a:rPr lang="en-ZA" sz="2000" dirty="0"/>
+              <a:t>Please submit enhancement requests and support requests to </a:t>
+            </a:r>
+            <a:r>
+              <a:rPr lang="en-ZA" sz="2000" dirty="0">
                 <a:hlinkClick r:id="rId3"/>
               </a:rPr>
               <a:t>request@demix.org</a:t>
             </a:r>
             <a:r>
-              <a:rPr lang="en-ZA" dirty="0"/>
+              <a:rPr lang="en-ZA" sz="2000" dirty="0"/>
               <a:t> </a:t>
             </a:r>
           </a:p>
@@ -7466,7 +6608,7 @@
           <p:nvPr>
             <p:extLst>
               <p:ext uri="{D42A27DB-BD31-4B8C-83A1-F6EECF244321}">
-                <p14:modId xmlns:p14="http://schemas.microsoft.com/office/powerpoint/2010/main" val="262749090"/>
+                <p14:modId xmlns:p14="http://schemas.microsoft.com/office/powerpoint/2010/main" val="277101072"/>
               </p:ext>
             </p:extLst>
           </p:nvPr>
@@ -7538,7 +6680,15 @@
                     <a:p>
                       <a:r>
                         <a:rPr lang="en-ZA" sz="1600" dirty="0"/>
-                        <a:t>11_01v26_CompanyName_CompactOE.xlsxm</a:t>
+                        <a:t>11_01v26_</a:t>
+                      </a:r>
+                      <a:r>
+                        <a:rPr lang="en-ZA" sz="1600" dirty="0">
+                          <a:highlight>
+                            <a:srgbClr val="FFFF00"/>
+                          </a:highlight>
+                        </a:rPr>
+                        <a:t>CompanyName_BASE_OEdb.xlsxm</a:t>
                       </a:r>
                     </a:p>
                   </a:txBody>
@@ -7683,7 +6833,7 @@
         </p:nvSpPr>
         <p:spPr>
           <a:xfrm>
-            <a:off x="3564277" y="4128555"/>
+            <a:off x="2579239" y="4062859"/>
             <a:ext cx="6097712" cy="1754326"/>
           </a:xfrm>
           <a:prstGeom prst="rect">
@@ -7698,31 +6848,27 @@
           <a:lstStyle/>
           <a:p>
             <a:r>
-              <a:rPr lang="en-ZA" dirty="0" err="1"/>
+              <a:rPr lang="en-ZA" dirty="0"/>
               <a:t>19_03v02_CompanyName_TechnologyTest</a:t>
             </a:r>
-            <a:endParaRPr lang="en-ZA" dirty="0"/>
-          </a:p>
-          <a:p>
-            <a:r>
-              <a:rPr lang="en-ZA" dirty="0" err="1"/>
+          </a:p>
+          <a:p>
+            <a:r>
+              <a:rPr lang="en-ZA" dirty="0"/>
               <a:t>20_05v02_CompanyName_OpeningBriefing.pptx</a:t>
             </a:r>
-            <a:endParaRPr lang="en-ZA" dirty="0"/>
-          </a:p>
-          <a:p>
-            <a:r>
-              <a:rPr lang="en-ZA" sz="1800" dirty="0" err="1"/>
+          </a:p>
+          <a:p>
+            <a:r>
+              <a:rPr lang="en-ZA" sz="1800" dirty="0"/>
               <a:t>22_02v05_CompanyName_PreliminaryFindings.pptx</a:t>
             </a:r>
-            <a:endParaRPr lang="en-ZA" sz="1800" dirty="0"/>
-          </a:p>
-          <a:p>
-            <a:r>
-              <a:rPr lang="en-ZA" sz="1800" dirty="0" err="1"/>
+          </a:p>
+          <a:p>
+            <a:r>
+              <a:rPr lang="en-ZA" sz="1800" dirty="0"/>
               <a:t>23_05v03_CompanyName_FinalFindings.pptx</a:t>
             </a:r>
-            <a:endParaRPr lang="en-ZA" sz="1800" dirty="0"/>
           </a:p>
           <a:p>
             <a:endParaRPr lang="en-ZA" sz="1800" dirty="0"/>
@@ -7746,7 +6892,7 @@
         </p:nvSpPr>
         <p:spPr>
           <a:xfrm>
-            <a:off x="3564277" y="2423327"/>
+            <a:off x="2579239" y="2357631"/>
             <a:ext cx="6097712" cy="369332"/>
           </a:xfrm>
           <a:prstGeom prst="rect">
@@ -7782,7 +6928,7 @@
         </p:nvSpPr>
         <p:spPr>
           <a:xfrm>
-            <a:off x="3797158" y="3264240"/>
+            <a:off x="2812120" y="3198544"/>
             <a:ext cx="6097712" cy="369332"/>
           </a:xfrm>
           <a:prstGeom prst="rect">
@@ -7835,7 +6981,7 @@
         </p:nvSpPr>
         <p:spPr>
           <a:xfrm>
-            <a:off x="4384496" y="2894908"/>
+            <a:off x="3399458" y="2829212"/>
             <a:ext cx="667820" cy="369332"/>
           </a:xfrm>
           <a:prstGeom prst="downArrow">
@@ -7881,7 +7027,7 @@
         </p:nvSpPr>
         <p:spPr>
           <a:xfrm>
-            <a:off x="1294543" y="2198293"/>
+            <a:off x="309505" y="2132597"/>
             <a:ext cx="1702375" cy="583864"/>
           </a:xfrm>
           <a:prstGeom prst="wedgeRectCallout">
@@ -7932,7 +7078,7 @@
         </p:nvSpPr>
         <p:spPr>
           <a:xfrm>
-            <a:off x="1299252" y="3415679"/>
+            <a:off x="314214" y="3349983"/>
             <a:ext cx="1702375" cy="704258"/>
           </a:xfrm>
           <a:prstGeom prst="wedgeRectCallout">
@@ -7983,7 +7129,7 @@
         </p:nvSpPr>
         <p:spPr>
           <a:xfrm>
-            <a:off x="1194798" y="4753459"/>
+            <a:off x="209760" y="4687763"/>
             <a:ext cx="1802120" cy="1217060"/>
           </a:xfrm>
           <a:prstGeom prst="wedgeRectCallout">
@@ -8042,7 +7188,7 @@
         </p:nvSpPr>
         <p:spPr>
           <a:xfrm>
-            <a:off x="4384496" y="3632759"/>
+            <a:off x="3399458" y="3567063"/>
             <a:ext cx="667820" cy="369332"/>
           </a:xfrm>
           <a:prstGeom prst="downArrow">
@@ -8188,7 +7334,7 @@
         </p:nvSpPr>
         <p:spPr>
           <a:xfrm rot="16200000">
-            <a:off x="7997405" y="2372395"/>
+            <a:off x="7012367" y="2306699"/>
             <a:ext cx="397020" cy="498884"/>
           </a:xfrm>
           <a:prstGeom prst="downArrow">
@@ -8283,8 +7429,8 @@
         </p:nvSpPr>
         <p:spPr>
           <a:xfrm rot="5400000">
-            <a:off x="7370892" y="2589141"/>
-            <a:ext cx="791110" cy="1253522"/>
+            <a:off x="6814835" y="2189912"/>
+            <a:ext cx="851900" cy="2104024"/>
           </a:xfrm>
           <a:prstGeom prst="leftUpArrow">
             <a:avLst/>
@@ -8363,6 +7509,318 @@
               <a:rPr lang="en-ZA" sz="1400" dirty="0"/>
               <a:t>See next slides for BASE software features</a:t>
             </a:r>
+          </a:p>
+        </p:txBody>
+      </p:sp>
+      <p:sp>
+        <p:nvSpPr>
+          <p:cNvPr id="18" name="TextBox 17">
+            <a:extLst>
+              <a:ext uri="{FF2B5EF4-FFF2-40B4-BE49-F238E27FC236}">
+                <a16:creationId xmlns:a16="http://schemas.microsoft.com/office/drawing/2014/main" id="{41355A91-7237-4F06-8579-A884894C63B0}"/>
+              </a:ext>
+            </a:extLst>
+          </p:cNvPr>
+          <p:cNvSpPr txBox="1"/>
+          <p:nvPr/>
+        </p:nvSpPr>
+        <p:spPr>
+          <a:xfrm>
+            <a:off x="10022156" y="5536534"/>
+            <a:ext cx="6097712" cy="369332"/>
+          </a:xfrm>
+          <a:prstGeom prst="rect">
+            <a:avLst/>
+          </a:prstGeom>
+          <a:noFill/>
+        </p:spPr>
+        <p:txBody>
+          <a:bodyPr wrap="square">
+            <a:spAutoFit/>
+          </a:bodyPr>
+          <a:lstStyle/>
+          <a:p>
+            <a:r>
+              <a:rPr lang="en-ZA" dirty="0" err="1"/>
+              <a:t>Copact</a:t>
+            </a:r>
+            <a:r>
+              <a:rPr lang="en-ZA" dirty="0"/>
+              <a:t> </a:t>
+            </a:r>
+            <a:r>
+              <a:rPr lang="en-ZA" dirty="0" err="1"/>
+              <a:t>BASE_OEdb</a:t>
+            </a:r>
+            <a:endParaRPr lang="en-ZA" dirty="0"/>
+          </a:p>
+        </p:txBody>
+      </p:sp>
+      <p:sp>
+        <p:nvSpPr>
+          <p:cNvPr id="27" name="TextBox 26">
+            <a:extLst>
+              <a:ext uri="{FF2B5EF4-FFF2-40B4-BE49-F238E27FC236}">
+                <a16:creationId xmlns:a16="http://schemas.microsoft.com/office/drawing/2014/main" id="{ACCB8594-777C-44D9-811D-A8B2400EFBDC}"/>
+              </a:ext>
+            </a:extLst>
+          </p:cNvPr>
+          <p:cNvSpPr txBox="1"/>
+          <p:nvPr/>
+        </p:nvSpPr>
+        <p:spPr>
+          <a:xfrm>
+            <a:off x="7991354" y="5487861"/>
+            <a:ext cx="1903516" cy="646331"/>
+          </a:xfrm>
+          <a:prstGeom prst="rect">
+            <a:avLst/>
+          </a:prstGeom>
+          <a:noFill/>
+        </p:spPr>
+        <p:txBody>
+          <a:bodyPr wrap="square">
+            <a:spAutoFit/>
+          </a:bodyPr>
+          <a:lstStyle/>
+          <a:p>
+            <a:r>
+              <a:rPr lang="en-ZA" dirty="0"/>
+              <a:t>CMMI institute toolkit</a:t>
+            </a:r>
+          </a:p>
+        </p:txBody>
+      </p:sp>
+      <p:sp>
+        <p:nvSpPr>
+          <p:cNvPr id="4" name="Rectangle: Rounded Corners 3">
+            <a:extLst>
+              <a:ext uri="{FF2B5EF4-FFF2-40B4-BE49-F238E27FC236}">
+                <a16:creationId xmlns:a16="http://schemas.microsoft.com/office/drawing/2014/main" id="{ADB4AFFD-AFED-48F7-8AB5-4BAC4E7A52DE}"/>
+              </a:ext>
+            </a:extLst>
+          </p:cNvPr>
+          <p:cNvSpPr/>
+          <p:nvPr/>
+        </p:nvSpPr>
+        <p:spPr>
+          <a:xfrm>
+            <a:off x="2507186" y="5811026"/>
+            <a:ext cx="3588814" cy="897999"/>
+          </a:xfrm>
+          <a:prstGeom prst="roundRect">
+            <a:avLst/>
+          </a:prstGeom>
+        </p:spPr>
+        <p:style>
+          <a:lnRef idx="2">
+            <a:schemeClr val="accent1">
+              <a:shade val="50000"/>
+            </a:schemeClr>
+          </a:lnRef>
+          <a:fillRef idx="1">
+            <a:schemeClr val="accent1"/>
+          </a:fillRef>
+          <a:effectRef idx="0">
+            <a:schemeClr val="accent1"/>
+          </a:effectRef>
+          <a:fontRef idx="minor">
+            <a:schemeClr val="lt1"/>
+          </a:fontRef>
+        </p:style>
+        <p:txBody>
+          <a:bodyPr rtlCol="0" anchor="ctr"/>
+          <a:lstStyle/>
+          <a:p>
+            <a:pPr algn="ctr"/>
+            <a:r>
+              <a:rPr lang="en-ZA" dirty="0"/>
+              <a:t>Principle of primary source / single source</a:t>
+            </a:r>
+          </a:p>
+        </p:txBody>
+      </p:sp>
+      <p:sp>
+        <p:nvSpPr>
+          <p:cNvPr id="29" name="Arrow: Down 28">
+            <a:extLst>
+              <a:ext uri="{FF2B5EF4-FFF2-40B4-BE49-F238E27FC236}">
+                <a16:creationId xmlns:a16="http://schemas.microsoft.com/office/drawing/2014/main" id="{0B93E83D-0E91-40EF-AB76-0723610F7D00}"/>
+              </a:ext>
+            </a:extLst>
+          </p:cNvPr>
+          <p:cNvSpPr/>
+          <p:nvPr/>
+        </p:nvSpPr>
+        <p:spPr>
+          <a:xfrm>
+            <a:off x="8517575" y="4981204"/>
+            <a:ext cx="392257" cy="459151"/>
+          </a:xfrm>
+          <a:prstGeom prst="downArrow">
+            <a:avLst/>
+          </a:prstGeom>
+        </p:spPr>
+        <p:style>
+          <a:lnRef idx="2">
+            <a:schemeClr val="accent1">
+              <a:shade val="50000"/>
+            </a:schemeClr>
+          </a:lnRef>
+          <a:fillRef idx="1">
+            <a:schemeClr val="accent1"/>
+          </a:fillRef>
+          <a:effectRef idx="0">
+            <a:schemeClr val="accent1"/>
+          </a:effectRef>
+          <a:fontRef idx="minor">
+            <a:schemeClr val="lt1"/>
+          </a:fontRef>
+        </p:style>
+        <p:txBody>
+          <a:bodyPr rtlCol="0" anchor="ctr"/>
+          <a:lstStyle/>
+          <a:p>
+            <a:pPr algn="ctr"/>
+            <a:endParaRPr lang="en-ZA"/>
+          </a:p>
+        </p:txBody>
+      </p:sp>
+      <p:sp>
+        <p:nvSpPr>
+          <p:cNvPr id="32" name="Arrow: Down 31">
+            <a:extLst>
+              <a:ext uri="{FF2B5EF4-FFF2-40B4-BE49-F238E27FC236}">
+                <a16:creationId xmlns:a16="http://schemas.microsoft.com/office/drawing/2014/main" id="{A853EF20-9964-4496-832A-AA16955E392B}"/>
+              </a:ext>
+            </a:extLst>
+          </p:cNvPr>
+          <p:cNvSpPr/>
+          <p:nvPr/>
+        </p:nvSpPr>
+        <p:spPr>
+          <a:xfrm>
+            <a:off x="10315428" y="4987820"/>
+            <a:ext cx="392257" cy="459151"/>
+          </a:xfrm>
+          <a:prstGeom prst="downArrow">
+            <a:avLst/>
+          </a:prstGeom>
+        </p:spPr>
+        <p:style>
+          <a:lnRef idx="2">
+            <a:schemeClr val="accent1">
+              <a:shade val="50000"/>
+            </a:schemeClr>
+          </a:lnRef>
+          <a:fillRef idx="1">
+            <a:schemeClr val="accent1"/>
+          </a:fillRef>
+          <a:effectRef idx="0">
+            <a:schemeClr val="accent1"/>
+          </a:effectRef>
+          <a:fontRef idx="minor">
+            <a:schemeClr val="lt1"/>
+          </a:fontRef>
+        </p:style>
+        <p:txBody>
+          <a:bodyPr rtlCol="0" anchor="ctr"/>
+          <a:lstStyle/>
+          <a:p>
+            <a:pPr algn="ctr"/>
+            <a:endParaRPr lang="en-ZA"/>
+          </a:p>
+        </p:txBody>
+      </p:sp>
+      <p:sp>
+        <p:nvSpPr>
+          <p:cNvPr id="5" name="Arrow: Down 4">
+            <a:extLst>
+              <a:ext uri="{FF2B5EF4-FFF2-40B4-BE49-F238E27FC236}">
+                <a16:creationId xmlns:a16="http://schemas.microsoft.com/office/drawing/2014/main" id="{1B5F83E5-BF37-4CBA-BD18-946AA150A0AC}"/>
+              </a:ext>
+            </a:extLst>
+          </p:cNvPr>
+          <p:cNvSpPr/>
+          <p:nvPr/>
+        </p:nvSpPr>
+        <p:spPr>
+          <a:xfrm>
+            <a:off x="9170969" y="4077134"/>
+            <a:ext cx="368451" cy="674603"/>
+          </a:xfrm>
+          <a:prstGeom prst="downArrow">
+            <a:avLst/>
+          </a:prstGeom>
+        </p:spPr>
+        <p:style>
+          <a:lnRef idx="2">
+            <a:schemeClr val="accent1">
+              <a:shade val="50000"/>
+            </a:schemeClr>
+          </a:lnRef>
+          <a:fillRef idx="1">
+            <a:schemeClr val="accent1"/>
+          </a:fillRef>
+          <a:effectRef idx="0">
+            <a:schemeClr val="accent1"/>
+          </a:effectRef>
+          <a:fontRef idx="minor">
+            <a:schemeClr val="lt1"/>
+          </a:fontRef>
+        </p:style>
+        <p:txBody>
+          <a:bodyPr rtlCol="0" anchor="ctr"/>
+          <a:lstStyle/>
+          <a:p>
+            <a:pPr algn="ctr"/>
+            <a:endParaRPr lang="en-ZA" dirty="0"/>
+          </a:p>
+        </p:txBody>
+      </p:sp>
+      <p:sp>
+        <p:nvSpPr>
+          <p:cNvPr id="6" name="Rectangle 5">
+            <a:extLst>
+              <a:ext uri="{FF2B5EF4-FFF2-40B4-BE49-F238E27FC236}">
+                <a16:creationId xmlns:a16="http://schemas.microsoft.com/office/drawing/2014/main" id="{8CB8AC37-E307-44F3-A638-98BA4B27D81B}"/>
+              </a:ext>
+            </a:extLst>
+          </p:cNvPr>
+          <p:cNvSpPr/>
+          <p:nvPr/>
+        </p:nvSpPr>
+        <p:spPr>
+          <a:xfrm>
+            <a:off x="8618220" y="4782545"/>
+            <a:ext cx="1988820" cy="211891"/>
+          </a:xfrm>
+          <a:prstGeom prst="rect">
+            <a:avLst/>
+          </a:prstGeom>
+        </p:spPr>
+        <p:style>
+          <a:lnRef idx="2">
+            <a:schemeClr val="accent1">
+              <a:shade val="50000"/>
+            </a:schemeClr>
+          </a:lnRef>
+          <a:fillRef idx="1">
+            <a:schemeClr val="accent1"/>
+          </a:fillRef>
+          <a:effectRef idx="0">
+            <a:schemeClr val="accent1"/>
+          </a:effectRef>
+          <a:fontRef idx="minor">
+            <a:schemeClr val="lt1"/>
+          </a:fontRef>
+        </p:style>
+        <p:txBody>
+          <a:bodyPr rtlCol="0" anchor="ctr"/>
+          <a:lstStyle/>
+          <a:p>
+            <a:pPr algn="ctr"/>
+            <a:endParaRPr lang="en-ZA"/>
           </a:p>
         </p:txBody>
       </p:sp>
@@ -10146,21 +9604,6 @@
 </file>
 
 <file path=customXml/item1.xml><?xml version="1.0" encoding="utf-8"?>
-<?mso-contentType ?>
-<FormTemplates xmlns="http://schemas.microsoft.com/sharepoint/v3/contenttype/forms">
-  <Display>DocumentLibraryForm</Display>
-  <Edit>DocumentLibraryForm</Edit>
-  <New>DocumentLibraryForm</New>
-</FormTemplates>
-</file>
-
-<file path=customXml/item2.xml><?xml version="1.0" encoding="utf-8"?>
-<p:properties xmlns:p="http://schemas.microsoft.com/office/2006/metadata/properties" xmlns:xsi="http://www.w3.org/2001/XMLSchema-instance" xmlns:pc="http://schemas.microsoft.com/office/infopath/2007/PartnerControls">
-  <documentManagement/>
-</p:properties>
-</file>
-
-<file path=customXml/item3.xml><?xml version="1.0" encoding="utf-8"?>
 <ct:contentTypeSchema xmlns:ct="http://schemas.microsoft.com/office/2006/metadata/contentType" xmlns:ma="http://schemas.microsoft.com/office/2006/metadata/properties/metaAttributes" ct:_="" ma:_="" ma:contentTypeName="Document" ma:contentTypeID="0x010100F041F74863103D4C9C3AA0A07291BB02" ma:contentTypeVersion="12" ma:contentTypeDescription="Create a new document." ma:contentTypeScope="" ma:versionID="b6917a42179461cc29e626d7b562cefd">
   <xsd:schema xmlns:xsd="http://www.w3.org/2001/XMLSchema" xmlns:xs="http://www.w3.org/2001/XMLSchema" xmlns:p="http://schemas.microsoft.com/office/2006/metadata/properties" xmlns:ns2="25bcabcf-d275-4206-9fb1-2f2d419cd22b" xmlns:ns3="ec500478-62e0-46fc-87f1-cfa988e486b4" targetNamespace="http://schemas.microsoft.com/office/2006/metadata/properties" ma:root="true" ma:fieldsID="2a71d797267f4c7d6ca005f01f7b1c6c" ns2:_="" ns3:_="">
     <xsd:import namespace="25bcabcf-d275-4206-9fb1-2f2d419cd22b"/>
@@ -10377,32 +9820,22 @@
 </ct:contentTypeSchema>
 </file>
 
-<file path=customXml/itemProps1.xml><?xml version="1.0" encoding="utf-8"?>
-<ds:datastoreItem xmlns:ds="http://schemas.openxmlformats.org/officeDocument/2006/customXml" ds:itemID="{B8B49826-D5EE-4D24-B649-7C3A19B527D2}">
-  <ds:schemaRefs>
-    <ds:schemaRef ds:uri="http://schemas.microsoft.com/sharepoint/v3/contenttype/forms"/>
-  </ds:schemaRefs>
-</ds:datastoreItem>
+<file path=customXml/item2.xml><?xml version="1.0" encoding="utf-8"?>
+<?mso-contentType ?>
+<FormTemplates xmlns="http://schemas.microsoft.com/sharepoint/v3/contenttype/forms">
+  <Display>DocumentLibraryForm</Display>
+  <Edit>DocumentLibraryForm</Edit>
+  <New>DocumentLibraryForm</New>
+</FormTemplates>
 </file>
 
-<file path=customXml/itemProps2.xml><?xml version="1.0" encoding="utf-8"?>
-<ds:datastoreItem xmlns:ds="http://schemas.openxmlformats.org/officeDocument/2006/customXml" ds:itemID="{5F07B0D7-F930-4230-933E-ABA84959494E}">
-  <ds:schemaRefs>
-    <ds:schemaRef ds:uri="http://purl.org/dc/elements/1.1/"/>
-    <ds:schemaRef ds:uri="http://schemas.microsoft.com/office/2006/metadata/properties"/>
-    <ds:schemaRef ds:uri="http://schemas.microsoft.com/office/2006/documentManagement/types"/>
-    <ds:schemaRef ds:uri="http://schemas.openxmlformats.org/package/2006/metadata/core-properties"/>
-    <ds:schemaRef ds:uri="72e3a154-4955-46c3-9573-e9dec3e1f195"/>
-    <ds:schemaRef ds:uri="http://purl.org/dc/dcmitype/"/>
-    <ds:schemaRef ds:uri="http://schemas.microsoft.com/office/infopath/2007/PartnerControls"/>
-    <ds:schemaRef ds:uri="ec500478-62e0-46fc-87f1-cfa988e486b4"/>
-    <ds:schemaRef ds:uri="http://www.w3.org/XML/1998/namespace"/>
-    <ds:schemaRef ds:uri="http://purl.org/dc/terms/"/>
-  </ds:schemaRefs>
-</ds:datastoreItem>
+<file path=customXml/item3.xml><?xml version="1.0" encoding="utf-8"?>
+<p:properties xmlns:p="http://schemas.microsoft.com/office/2006/metadata/properties" xmlns:xsi="http://www.w3.org/2001/XMLSchema-instance" xmlns:pc="http://schemas.microsoft.com/office/infopath/2007/PartnerControls">
+  <documentManagement/>
+</p:properties>
 </file>
 
-<file path=customXml/itemProps3.xml><?xml version="1.0" encoding="utf-8"?>
+<file path=customXml/itemProps1.xml><?xml version="1.0" encoding="utf-8"?>
 <ds:datastoreItem xmlns:ds="http://schemas.openxmlformats.org/officeDocument/2006/customXml" ds:itemID="{B96A4D6A-DB22-42E8-ACBD-6078C4389774}">
   <ds:schemaRefs>
     <ds:schemaRef ds:uri="http://schemas.microsoft.com/office/2006/metadata/contentType"/>
@@ -10419,4 +9852,29 @@
     <ds:schemaRef ds:uri="http://schemas.microsoft.com/internal/obd"/>
   </ds:schemaRefs>
 </ds:datastoreItem>
+</file>
+
+<file path=customXml/itemProps2.xml><?xml version="1.0" encoding="utf-8"?>
+<ds:datastoreItem xmlns:ds="http://schemas.openxmlformats.org/officeDocument/2006/customXml" ds:itemID="{B8B49826-D5EE-4D24-B649-7C3A19B527D2}">
+  <ds:schemaRefs>
+    <ds:schemaRef ds:uri="http://schemas.microsoft.com/sharepoint/v3/contenttype/forms"/>
+  </ds:schemaRefs>
+</ds:datastoreItem>
+</file>
+
+<file path=customXml/itemProps3.xml><?xml version="1.0" encoding="utf-8"?>
+<ds:datastoreItem xmlns:ds="http://schemas.openxmlformats.org/officeDocument/2006/customXml" ds:itemID="{5F07B0D7-F930-4230-933E-ABA84959494E}">
+  <ds:schemaRefs>
+    <ds:schemaRef ds:uri="http://purl.org/dc/elements/1.1/"/>
+    <ds:schemaRef ds:uri="http://schemas.microsoft.com/office/2006/metadata/properties"/>
+    <ds:schemaRef ds:uri="http://schemas.microsoft.com/office/2006/documentManagement/types"/>
+    <ds:schemaRef ds:uri="http://schemas.openxmlformats.org/package/2006/metadata/core-properties"/>
+    <ds:schemaRef ds:uri="72e3a154-4955-46c3-9573-e9dec3e1f195"/>
+    <ds:schemaRef ds:uri="http://purl.org/dc/dcmitype/"/>
+    <ds:schemaRef ds:uri="http://schemas.microsoft.com/office/infopath/2007/PartnerControls"/>
+    <ds:schemaRef ds:uri="ec500478-62e0-46fc-87f1-cfa988e486b4"/>
+    <ds:schemaRef ds:uri="http://www.w3.org/XML/1998/namespace"/>
+    <ds:schemaRef ds:uri="http://purl.org/dc/terms/"/>
+  </ds:schemaRefs>
+</ds:datastoreItem>
 </file>
--- a/02_Overview.pptx
+++ b/02_Overview.pptx
@@ -5,22 +5,21 @@
     <p:sldMasterId id="2147483648" r:id="rId4"/>
   </p:sldMasterIdLst>
   <p:notesMasterIdLst>
-    <p:notesMasterId r:id="rId15"/>
+    <p:notesMasterId r:id="rId14"/>
   </p:notesMasterIdLst>
   <p:handoutMasterIdLst>
-    <p:handoutMasterId r:id="rId16"/>
+    <p:handoutMasterId r:id="rId15"/>
   </p:handoutMasterIdLst>
   <p:sldIdLst>
     <p:sldId id="1533" r:id="rId5"/>
     <p:sldId id="1534" r:id="rId6"/>
-    <p:sldId id="1544" r:id="rId7"/>
-    <p:sldId id="1535" r:id="rId8"/>
-    <p:sldId id="1542" r:id="rId9"/>
-    <p:sldId id="1541" r:id="rId10"/>
-    <p:sldId id="1543" r:id="rId11"/>
-    <p:sldId id="1539" r:id="rId12"/>
-    <p:sldId id="1538" r:id="rId13"/>
-    <p:sldId id="1540" r:id="rId14"/>
+    <p:sldId id="1535" r:id="rId7"/>
+    <p:sldId id="1542" r:id="rId8"/>
+    <p:sldId id="1541" r:id="rId9"/>
+    <p:sldId id="1543" r:id="rId10"/>
+    <p:sldId id="1539" r:id="rId11"/>
+    <p:sldId id="1538" r:id="rId12"/>
+    <p:sldId id="1540" r:id="rId13"/>
   </p:sldIdLst>
   <p:sldSz cx="12192000" cy="6858000"/>
   <p:notesSz cx="6858000" cy="9144000"/>
@@ -252,7 +251,7 @@
           <a:p>
             <a:fld id="{F319E496-E8FF-4856-B08F-DBE14D18B236}" type="datetimeFigureOut">
               <a:rPr lang="en-US" smtClean="0"/>
-              <a:t>1/22/2021</a:t>
+              <a:t>2/13/2021</a:t>
             </a:fld>
             <a:endParaRPr lang="en-US" dirty="0"/>
           </a:p>
@@ -429,7 +428,7 @@
           <a:p>
             <a:fld id="{4572F63B-EF0F-9942-98B2-F67CC88AF236}" type="datetimeFigureOut">
               <a:rPr lang="en-US" smtClean="0"/>
-              <a:t>1/22/2021</a:t>
+              <a:t>2/13/2021</a:t>
             </a:fld>
             <a:endParaRPr lang="en-US" dirty="0"/>
           </a:p>
@@ -780,6 +779,90 @@
 </p:notes>
 </file>
 
+<file path=ppt/notesSlides/notesSlide2.xml><?xml version="1.0" encoding="utf-8"?>
+<p:notes xmlns:a="http://schemas.openxmlformats.org/drawingml/2006/main" xmlns:r="http://schemas.openxmlformats.org/officeDocument/2006/relationships" xmlns:p="http://schemas.openxmlformats.org/presentationml/2006/main">
+  <p:cSld>
+    <p:spTree>
+      <p:nvGrpSpPr>
+        <p:cNvPr id="1" name=""/>
+        <p:cNvGrpSpPr/>
+        <p:nvPr/>
+      </p:nvGrpSpPr>
+      <p:grpSpPr>
+        <a:xfrm>
+          <a:off x="0" y="0"/>
+          <a:ext cx="0" cy="0"/>
+          <a:chOff x="0" y="0"/>
+          <a:chExt cx="0" cy="0"/>
+        </a:xfrm>
+      </p:grpSpPr>
+      <p:sp>
+        <p:nvSpPr>
+          <p:cNvPr id="2" name="Slide Image Placeholder 1"/>
+          <p:cNvSpPr>
+            <a:spLocks noGrp="1" noRot="1" noChangeAspect="1"/>
+          </p:cNvSpPr>
+          <p:nvPr>
+            <p:ph type="sldImg"/>
+          </p:nvPr>
+        </p:nvSpPr>
+        <p:spPr/>
+      </p:sp>
+      <p:sp>
+        <p:nvSpPr>
+          <p:cNvPr id="3" name="Notes Placeholder 2"/>
+          <p:cNvSpPr>
+            <a:spLocks noGrp="1"/>
+          </p:cNvSpPr>
+          <p:nvPr>
+            <p:ph type="body" idx="1"/>
+          </p:nvPr>
+        </p:nvSpPr>
+        <p:spPr/>
+        <p:txBody>
+          <a:bodyPr/>
+          <a:lstStyle/>
+          <a:p>
+            <a:endParaRPr lang="en-ZA" dirty="0"/>
+          </a:p>
+        </p:txBody>
+      </p:sp>
+      <p:sp>
+        <p:nvSpPr>
+          <p:cNvPr id="4" name="Slide Number Placeholder 3"/>
+          <p:cNvSpPr>
+            <a:spLocks noGrp="1"/>
+          </p:cNvSpPr>
+          <p:nvPr>
+            <p:ph type="sldNum" sz="quarter" idx="5"/>
+          </p:nvPr>
+        </p:nvSpPr>
+        <p:spPr/>
+        <p:txBody>
+          <a:bodyPr/>
+          <a:lstStyle/>
+          <a:p>
+            <a:fld id="{3FC13DA5-2DE0-6D49-B0F1-8E4B6A1CBA23}" type="slidenum">
+              <a:rPr lang="en-US" smtClean="0"/>
+              <a:t>6</a:t>
+            </a:fld>
+            <a:endParaRPr lang="en-US" dirty="0"/>
+          </a:p>
+        </p:txBody>
+      </p:sp>
+    </p:spTree>
+    <p:extLst>
+      <p:ext uri="{BB962C8B-B14F-4D97-AF65-F5344CB8AC3E}">
+        <p14:creationId xmlns:p14="http://schemas.microsoft.com/office/powerpoint/2010/main" val="3987662604"/>
+      </p:ext>
+    </p:extLst>
+  </p:cSld>
+  <p:clrMapOvr>
+    <a:masterClrMapping/>
+  </p:clrMapOvr>
+</p:notes>
+</file>
+
 <file path=ppt/slideLayouts/slideLayout1.xml><?xml version="1.0" encoding="utf-8"?>
 <p:sldLayout xmlns:a="http://schemas.openxmlformats.org/drawingml/2006/main" xmlns:r="http://schemas.openxmlformats.org/officeDocument/2006/relationships" xmlns:p="http://schemas.openxmlformats.org/presentationml/2006/main" type="title" preserve="1">
   <p:cSld name="Title Slide">
@@ -3112,14 +3195,14 @@
           </a:ln>
           <a:extLst>
             <a:ext uri="{909E8E84-426E-40dd-AFC4-6F175D3DCCD1}">
-              <a14:hiddenFill xmlns:a14="http://schemas.microsoft.com/office/drawing/2010/main" xmlns="">
+              <a14:hiddenFill xmlns="" xmlns:a14="http://schemas.microsoft.com/office/drawing/2010/main">
                 <a:solidFill>
                   <a:schemeClr val="accent1"/>
                 </a:solidFill>
               </a14:hiddenFill>
             </a:ext>
             <a:ext uri="{91240B29-F687-4f45-9708-019B960494DF}">
-              <a14:hiddenLine xmlns:a14="http://schemas.microsoft.com/office/drawing/2010/main" xmlns="" w="9525">
+              <a14:hiddenLine xmlns="" xmlns:a14="http://schemas.microsoft.com/office/drawing/2010/main" w="9525">
                 <a:solidFill>
                   <a:schemeClr val="tx1"/>
                 </a:solidFill>
@@ -4006,7 +4089,7 @@
             </a:br>
             <a:r>
               <a:rPr lang="en-ZA" sz="2000" dirty="0"/>
-              <a:t>Version 03</a:t>
+              <a:t>Version 04</a:t>
             </a:r>
             <a:endParaRPr lang="en-ZA" sz="4000" dirty="0"/>
           </a:p>
@@ -4048,7 +4131,7 @@
           <a:p>
             <a:r>
               <a:rPr lang="en-ZA" sz="1800" dirty="0"/>
-              <a:t>21 Jan 2021</a:t>
+              <a:t>13 Feb 2021</a:t>
             </a:r>
           </a:p>
         </p:txBody>
@@ -4057,607 +4140,6 @@
     <p:extLst>
       <p:ext uri="{BB962C8B-B14F-4D97-AF65-F5344CB8AC3E}">
         <p14:creationId xmlns:p14="http://schemas.microsoft.com/office/powerpoint/2010/main" val="4254523058"/>
-      </p:ext>
-    </p:extLst>
-  </p:cSld>
-  <p:clrMapOvr>
-    <a:masterClrMapping/>
-  </p:clrMapOvr>
-</p:sld>
-</file>
-
-<file path=ppt/slides/slide10.xml><?xml version="1.0" encoding="utf-8"?>
-<p:sld xmlns:a="http://schemas.openxmlformats.org/drawingml/2006/main" xmlns:r="http://schemas.openxmlformats.org/officeDocument/2006/relationships" xmlns:p="http://schemas.openxmlformats.org/presentationml/2006/main">
-  <p:cSld>
-    <p:spTree>
-      <p:nvGrpSpPr>
-        <p:cNvPr id="1" name=""/>
-        <p:cNvGrpSpPr/>
-        <p:nvPr/>
-      </p:nvGrpSpPr>
-      <p:grpSpPr>
-        <a:xfrm>
-          <a:off x="0" y="0"/>
-          <a:ext cx="0" cy="0"/>
-          <a:chOff x="0" y="0"/>
-          <a:chExt cx="0" cy="0"/>
-        </a:xfrm>
-      </p:grpSpPr>
-      <p:pic>
-        <p:nvPicPr>
-          <p:cNvPr id="4" name="Picture 3">
-            <a:extLst>
-              <a:ext uri="{FF2B5EF4-FFF2-40B4-BE49-F238E27FC236}">
-                <a16:creationId xmlns:a16="http://schemas.microsoft.com/office/drawing/2014/main" id="{6311327B-CB81-4862-A193-B981F6009373}"/>
-              </a:ext>
-            </a:extLst>
-          </p:cNvPr>
-          <p:cNvPicPr>
-            <a:picLocks noChangeAspect="1"/>
-          </p:cNvPicPr>
-          <p:nvPr/>
-        </p:nvPicPr>
-        <p:blipFill>
-          <a:blip r:embed="rId2"/>
-          <a:stretch>
-            <a:fillRect/>
-          </a:stretch>
-        </p:blipFill>
-        <p:spPr>
-          <a:xfrm>
-            <a:off x="1500028" y="2029678"/>
-            <a:ext cx="7265523" cy="3696246"/>
-          </a:xfrm>
-          <a:prstGeom prst="rect">
-            <a:avLst/>
-          </a:prstGeom>
-        </p:spPr>
-      </p:pic>
-      <p:sp>
-        <p:nvSpPr>
-          <p:cNvPr id="3" name="Content Placeholder 2">
-            <a:extLst>
-              <a:ext uri="{FF2B5EF4-FFF2-40B4-BE49-F238E27FC236}">
-                <a16:creationId xmlns:a16="http://schemas.microsoft.com/office/drawing/2014/main" id="{BD342F81-AD7E-4A7A-9675-88DC2E79140B}"/>
-              </a:ext>
-            </a:extLst>
-          </p:cNvPr>
-          <p:cNvSpPr>
-            <a:spLocks noGrp="1"/>
-          </p:cNvSpPr>
-          <p:nvPr>
-            <p:ph idx="1"/>
-          </p:nvPr>
-        </p:nvSpPr>
-        <p:spPr/>
-        <p:txBody>
-          <a:bodyPr/>
-          <a:lstStyle/>
-          <a:p>
-            <a:pPr marL="0" indent="0">
-              <a:buNone/>
-            </a:pPr>
-            <a:r>
-              <a:rPr lang="en-ZA" sz="1800" dirty="0">
-                <a:solidFill>
-                  <a:srgbClr val="363639"/>
-                </a:solidFill>
-                <a:effectLst/>
-                <a:latin typeface="Helvetica" panose="020B0604020202020204" pitchFamily="34" charset="0"/>
-                <a:ea typeface="Calibri" panose="020F0502020204030204" pitchFamily="34" charset="0"/>
-                <a:cs typeface="Calibri" panose="020F0502020204030204" pitchFamily="34" charset="0"/>
-              </a:rPr>
-              <a:t>Used with the CAS_Plan.xlsm to generate a compact OE database.</a:t>
-            </a:r>
-          </a:p>
-          <a:p>
-            <a:pPr marL="0" indent="0">
-              <a:buNone/>
-            </a:pPr>
-            <a:endParaRPr lang="en-ZA" sz="1800" dirty="0">
-              <a:solidFill>
-                <a:srgbClr val="363639"/>
-              </a:solidFill>
-              <a:effectLst/>
-              <a:latin typeface="Helvetica" panose="020B0604020202020204" pitchFamily="34" charset="0"/>
-              <a:ea typeface="Calibri" panose="020F0502020204030204" pitchFamily="34" charset="0"/>
-              <a:cs typeface="Calibri" panose="020F0502020204030204" pitchFamily="34" charset="0"/>
-            </a:endParaRPr>
-          </a:p>
-        </p:txBody>
-      </p:sp>
-      <p:sp>
-        <p:nvSpPr>
-          <p:cNvPr id="6" name="Speech Bubble: Rectangle 5">
-            <a:extLst>
-              <a:ext uri="{FF2B5EF4-FFF2-40B4-BE49-F238E27FC236}">
-                <a16:creationId xmlns:a16="http://schemas.microsoft.com/office/drawing/2014/main" id="{9F48DA00-165B-47F3-8B6D-F041EFFD796C}"/>
-              </a:ext>
-            </a:extLst>
-          </p:cNvPr>
-          <p:cNvSpPr/>
-          <p:nvPr/>
-        </p:nvSpPr>
-        <p:spPr>
-          <a:xfrm>
-            <a:off x="326678" y="2265386"/>
-            <a:ext cx="1266651" cy="1001796"/>
-          </a:xfrm>
-          <a:prstGeom prst="wedgeRectCallout">
-            <a:avLst>
-              <a:gd name="adj1" fmla="val 83450"/>
-              <a:gd name="adj2" fmla="val -5965"/>
-            </a:avLst>
-          </a:prstGeom>
-        </p:spPr>
-        <p:style>
-          <a:lnRef idx="2">
-            <a:schemeClr val="accent1">
-              <a:shade val="50000"/>
-            </a:schemeClr>
-          </a:lnRef>
-          <a:fillRef idx="1">
-            <a:schemeClr val="accent1"/>
-          </a:fillRef>
-          <a:effectRef idx="0">
-            <a:schemeClr val="accent1"/>
-          </a:effectRef>
-          <a:fontRef idx="minor">
-            <a:schemeClr val="lt1"/>
-          </a:fontRef>
-        </p:style>
-        <p:txBody>
-          <a:bodyPr rtlCol="0" anchor="ctr"/>
-          <a:lstStyle/>
-          <a:p>
-            <a:pPr algn="ctr"/>
-            <a:r>
-              <a:rPr lang="en-ZA" sz="1400" dirty="0"/>
-              <a:t>Select a BASE </a:t>
-            </a:r>
-            <a:r>
-              <a:rPr lang="en-ZA" sz="1400" dirty="0" err="1"/>
-              <a:t>OEdb</a:t>
-            </a:r>
-            <a:r>
-              <a:rPr lang="en-ZA" sz="1400" dirty="0"/>
-              <a:t> to create (template) </a:t>
-            </a:r>
-          </a:p>
-        </p:txBody>
-      </p:sp>
-      <p:sp>
-        <p:nvSpPr>
-          <p:cNvPr id="7" name="Speech Bubble: Rectangle 6">
-            <a:extLst>
-              <a:ext uri="{FF2B5EF4-FFF2-40B4-BE49-F238E27FC236}">
-                <a16:creationId xmlns:a16="http://schemas.microsoft.com/office/drawing/2014/main" id="{82E456E3-6EF9-44DB-9778-BE627CE6E43F}"/>
-              </a:ext>
-            </a:extLst>
-          </p:cNvPr>
-          <p:cNvSpPr/>
-          <p:nvPr/>
-        </p:nvSpPr>
-        <p:spPr>
-          <a:xfrm>
-            <a:off x="8765551" y="1317047"/>
-            <a:ext cx="1266651" cy="1487056"/>
-          </a:xfrm>
-          <a:prstGeom prst="wedgeRectCallout">
-            <a:avLst>
-              <a:gd name="adj1" fmla="val -185682"/>
-              <a:gd name="adj2" fmla="val 39478"/>
-            </a:avLst>
-          </a:prstGeom>
-        </p:spPr>
-        <p:style>
-          <a:lnRef idx="2">
-            <a:schemeClr val="accent1">
-              <a:shade val="50000"/>
-            </a:schemeClr>
-          </a:lnRef>
-          <a:fillRef idx="1">
-            <a:schemeClr val="accent1"/>
-          </a:fillRef>
-          <a:effectRef idx="0">
-            <a:schemeClr val="accent1"/>
-          </a:effectRef>
-          <a:fontRef idx="minor">
-            <a:schemeClr val="lt1"/>
-          </a:fontRef>
-        </p:style>
-        <p:txBody>
-          <a:bodyPr rtlCol="0" anchor="ctr"/>
-          <a:lstStyle/>
-          <a:p>
-            <a:pPr algn="ctr"/>
-            <a:r>
-              <a:rPr lang="en-ZA" sz="1400" dirty="0"/>
-              <a:t>Select a ATM’s compact db with his/her change</a:t>
-            </a:r>
-          </a:p>
-        </p:txBody>
-      </p:sp>
-      <p:sp>
-        <p:nvSpPr>
-          <p:cNvPr id="8" name="Speech Bubble: Rectangle 7">
-            <a:extLst>
-              <a:ext uri="{FF2B5EF4-FFF2-40B4-BE49-F238E27FC236}">
-                <a16:creationId xmlns:a16="http://schemas.microsoft.com/office/drawing/2014/main" id="{EF4D124E-8F15-4ACE-B5AF-1E0221454270}"/>
-              </a:ext>
-            </a:extLst>
-          </p:cNvPr>
-          <p:cNvSpPr/>
-          <p:nvPr/>
-        </p:nvSpPr>
-        <p:spPr>
-          <a:xfrm>
-            <a:off x="6096000" y="3842901"/>
-            <a:ext cx="1702213" cy="1578654"/>
-          </a:xfrm>
-          <a:prstGeom prst="wedgeRectCallout">
-            <a:avLst>
-              <a:gd name="adj1" fmla="val -126618"/>
-              <a:gd name="adj2" fmla="val -50445"/>
-            </a:avLst>
-          </a:prstGeom>
-        </p:spPr>
-        <p:style>
-          <a:lnRef idx="2">
-            <a:schemeClr val="accent1">
-              <a:shade val="50000"/>
-            </a:schemeClr>
-          </a:lnRef>
-          <a:fillRef idx="1">
-            <a:schemeClr val="accent1"/>
-          </a:fillRef>
-          <a:effectRef idx="0">
-            <a:schemeClr val="accent1"/>
-          </a:effectRef>
-          <a:fontRef idx="minor">
-            <a:schemeClr val="lt1"/>
-          </a:fontRef>
-        </p:style>
-        <p:txBody>
-          <a:bodyPr rtlCol="0" anchor="ctr"/>
-          <a:lstStyle/>
-          <a:p>
-            <a:pPr algn="ctr"/>
-            <a:r>
-              <a:rPr lang="en-ZA" sz="1400" dirty="0"/>
-              <a:t>Run Build </a:t>
-            </a:r>
-            <a:r>
-              <a:rPr lang="en-ZA" sz="1400" dirty="0" err="1"/>
-              <a:t>tmpDictionary</a:t>
-            </a:r>
-            <a:r>
-              <a:rPr lang="en-ZA" sz="1400" dirty="0"/>
-              <a:t> first</a:t>
-            </a:r>
-          </a:p>
-          <a:p>
-            <a:pPr algn="ctr"/>
-            <a:r>
-              <a:rPr lang="en-ZA" sz="1400" dirty="0"/>
-              <a:t>Then build an </a:t>
-            </a:r>
-            <a:r>
-              <a:rPr lang="en-ZA" sz="1400" dirty="0" err="1"/>
-              <a:t>OU</a:t>
-            </a:r>
-            <a:r>
-              <a:rPr lang="en-ZA" sz="1400" dirty="0"/>
-              <a:t> maps</a:t>
-            </a:r>
-          </a:p>
-          <a:p>
-            <a:pPr algn="ctr"/>
-            <a:r>
-              <a:rPr lang="en-ZA" sz="1400" dirty="0"/>
-              <a:t>Note: does not build all yet. Needs enhancement</a:t>
-            </a:r>
-          </a:p>
-        </p:txBody>
-      </p:sp>
-      <p:sp>
-        <p:nvSpPr>
-          <p:cNvPr id="9" name="Speech Bubble: Rectangle 8">
-            <a:extLst>
-              <a:ext uri="{FF2B5EF4-FFF2-40B4-BE49-F238E27FC236}">
-                <a16:creationId xmlns:a16="http://schemas.microsoft.com/office/drawing/2014/main" id="{CA7CD5F4-B986-4C37-A19A-6A79C05EE203}"/>
-              </a:ext>
-            </a:extLst>
-          </p:cNvPr>
-          <p:cNvSpPr/>
-          <p:nvPr/>
-        </p:nvSpPr>
-        <p:spPr>
-          <a:xfrm>
-            <a:off x="143838" y="3349375"/>
-            <a:ext cx="1726059" cy="1465555"/>
-          </a:xfrm>
-          <a:prstGeom prst="wedgeRectCallout">
-            <a:avLst>
-              <a:gd name="adj1" fmla="val 60732"/>
-              <a:gd name="adj2" fmla="val -44530"/>
-            </a:avLst>
-          </a:prstGeom>
-        </p:spPr>
-        <p:style>
-          <a:lnRef idx="2">
-            <a:schemeClr val="accent1">
-              <a:shade val="50000"/>
-            </a:schemeClr>
-          </a:lnRef>
-          <a:fillRef idx="1">
-            <a:schemeClr val="accent1"/>
-          </a:fillRef>
-          <a:effectRef idx="0">
-            <a:schemeClr val="accent1"/>
-          </a:effectRef>
-          <a:fontRef idx="minor">
-            <a:schemeClr val="lt1"/>
-          </a:fontRef>
-        </p:style>
-        <p:txBody>
-          <a:bodyPr rtlCol="0" anchor="ctr"/>
-          <a:lstStyle/>
-          <a:p>
-            <a:pPr algn="ctr"/>
-            <a:r>
-              <a:rPr lang="en-ZA" sz="1400" dirty="0"/>
-              <a:t>Generate a BASE </a:t>
-            </a:r>
-            <a:r>
-              <a:rPr lang="en-ZA" sz="1400" dirty="0" err="1"/>
-              <a:t>OEdb</a:t>
-            </a:r>
-            <a:r>
-              <a:rPr lang="en-ZA" sz="1400" dirty="0"/>
-              <a:t> for this appraisal based on 01_rrVaa_CompanyName_CAS_Plan.xlsm </a:t>
-            </a:r>
-          </a:p>
-        </p:txBody>
-      </p:sp>
-      <p:sp>
-        <p:nvSpPr>
-          <p:cNvPr id="10" name="Speech Bubble: Rectangle 9">
-            <a:extLst>
-              <a:ext uri="{FF2B5EF4-FFF2-40B4-BE49-F238E27FC236}">
-                <a16:creationId xmlns:a16="http://schemas.microsoft.com/office/drawing/2014/main" id="{113DB798-E9D9-4364-B9C9-148EFDAB9D80}"/>
-              </a:ext>
-            </a:extLst>
-          </p:cNvPr>
-          <p:cNvSpPr/>
-          <p:nvPr/>
-        </p:nvSpPr>
-        <p:spPr>
-          <a:xfrm>
-            <a:off x="423144" y="5228854"/>
-            <a:ext cx="2036562" cy="1465555"/>
-          </a:xfrm>
-          <a:prstGeom prst="wedgeRectCallout">
-            <a:avLst>
-              <a:gd name="adj1" fmla="val 34070"/>
-              <a:gd name="adj2" fmla="val -134102"/>
-            </a:avLst>
-          </a:prstGeom>
-        </p:spPr>
-        <p:style>
-          <a:lnRef idx="2">
-            <a:schemeClr val="accent1">
-              <a:shade val="50000"/>
-            </a:schemeClr>
-          </a:lnRef>
-          <a:fillRef idx="1">
-            <a:schemeClr val="accent1"/>
-          </a:fillRef>
-          <a:effectRef idx="0">
-            <a:schemeClr val="accent1"/>
-          </a:effectRef>
-          <a:fontRef idx="minor">
-            <a:schemeClr val="lt1"/>
-          </a:fontRef>
-        </p:style>
-        <p:txBody>
-          <a:bodyPr rtlCol="0" anchor="ctr"/>
-          <a:lstStyle/>
-          <a:p>
-            <a:pPr algn="ctr"/>
-            <a:r>
-              <a:rPr lang="en-ZA" sz="1400" dirty="0"/>
-              <a:t>Test the links in the BASE </a:t>
-            </a:r>
-            <a:r>
-              <a:rPr lang="en-ZA" sz="1400" dirty="0" err="1"/>
-              <a:t>OEdb</a:t>
-            </a:r>
-            <a:r>
-              <a:rPr lang="en-ZA" sz="1400" dirty="0"/>
-              <a:t>. Test if English translation of documents are present (-engl) and add ‘n link to the enlsih version</a:t>
-            </a:r>
-          </a:p>
-        </p:txBody>
-      </p:sp>
-      <p:sp>
-        <p:nvSpPr>
-          <p:cNvPr id="11" name="Speech Bubble: Rectangle 10">
-            <a:extLst>
-              <a:ext uri="{FF2B5EF4-FFF2-40B4-BE49-F238E27FC236}">
-                <a16:creationId xmlns:a16="http://schemas.microsoft.com/office/drawing/2014/main" id="{987D8FC4-1E01-4A9D-9454-FE0902399047}"/>
-              </a:ext>
-            </a:extLst>
-          </p:cNvPr>
-          <p:cNvSpPr/>
-          <p:nvPr/>
-        </p:nvSpPr>
-        <p:spPr>
-          <a:xfrm>
-            <a:off x="2784249" y="5246232"/>
-            <a:ext cx="1625005" cy="922649"/>
-          </a:xfrm>
-          <a:prstGeom prst="wedgeRectCallout">
-            <a:avLst>
-              <a:gd name="adj1" fmla="val -32470"/>
-              <a:gd name="adj2" fmla="val -149012"/>
-            </a:avLst>
-          </a:prstGeom>
-        </p:spPr>
-        <p:style>
-          <a:lnRef idx="2">
-            <a:schemeClr val="accent1">
-              <a:shade val="50000"/>
-            </a:schemeClr>
-          </a:lnRef>
-          <a:fillRef idx="1">
-            <a:schemeClr val="accent1"/>
-          </a:fillRef>
-          <a:effectRef idx="0">
-            <a:schemeClr val="accent1"/>
-          </a:effectRef>
-          <a:fontRef idx="minor">
-            <a:schemeClr val="lt1"/>
-          </a:fontRef>
-        </p:style>
-        <p:txBody>
-          <a:bodyPr rtlCol="0" anchor="ctr"/>
-          <a:lstStyle/>
-          <a:p>
-            <a:pPr algn="ctr"/>
-            <a:r>
-              <a:rPr lang="en-ZA" sz="1400" dirty="0"/>
-              <a:t>Extract findings from the BASE </a:t>
-            </a:r>
-            <a:r>
-              <a:rPr lang="en-ZA" sz="1400" dirty="0" err="1"/>
-              <a:t>OEdb</a:t>
-            </a:r>
-            <a:endParaRPr lang="en-ZA" sz="1400" dirty="0"/>
-          </a:p>
-        </p:txBody>
-      </p:sp>
-      <p:sp>
-        <p:nvSpPr>
-          <p:cNvPr id="12" name="Speech Bubble: Rectangle 11">
-            <a:extLst>
-              <a:ext uri="{FF2B5EF4-FFF2-40B4-BE49-F238E27FC236}">
-                <a16:creationId xmlns:a16="http://schemas.microsoft.com/office/drawing/2014/main" id="{37750048-310A-40B4-BFC3-8100A7C1F627}"/>
-              </a:ext>
-            </a:extLst>
-          </p:cNvPr>
-          <p:cNvSpPr/>
-          <p:nvPr/>
-        </p:nvSpPr>
-        <p:spPr>
-          <a:xfrm>
-            <a:off x="8406790" y="2931784"/>
-            <a:ext cx="1805653" cy="1465555"/>
-          </a:xfrm>
-          <a:prstGeom prst="wedgeRectCallout">
-            <a:avLst>
-              <a:gd name="adj1" fmla="val -123190"/>
-              <a:gd name="adj2" fmla="val -9975"/>
-            </a:avLst>
-          </a:prstGeom>
-        </p:spPr>
-        <p:style>
-          <a:lnRef idx="2">
-            <a:schemeClr val="accent1">
-              <a:shade val="50000"/>
-            </a:schemeClr>
-          </a:lnRef>
-          <a:fillRef idx="1">
-            <a:schemeClr val="accent1"/>
-          </a:fillRef>
-          <a:effectRef idx="0">
-            <a:schemeClr val="accent1"/>
-          </a:effectRef>
-          <a:fontRef idx="minor">
-            <a:schemeClr val="lt1"/>
-          </a:fontRef>
-        </p:style>
-        <p:txBody>
-          <a:bodyPr rtlCol="0" anchor="ctr"/>
-          <a:lstStyle/>
-          <a:p>
-            <a:pPr algn="ctr"/>
-            <a:r>
-              <a:rPr lang="en-ZA" sz="1400" dirty="0"/>
-              <a:t>Merge the ATMs changes on the compact OE db with the LAs main compact OE db</a:t>
-            </a:r>
-          </a:p>
-        </p:txBody>
-      </p:sp>
-      <p:sp>
-        <p:nvSpPr>
-          <p:cNvPr id="13" name="Speech Bubble: Rectangle 12">
-            <a:extLst>
-              <a:ext uri="{FF2B5EF4-FFF2-40B4-BE49-F238E27FC236}">
-                <a16:creationId xmlns:a16="http://schemas.microsoft.com/office/drawing/2014/main" id="{2053B7A0-117E-4EC9-BE69-8BC4F5DF1318}"/>
-              </a:ext>
-            </a:extLst>
-          </p:cNvPr>
-          <p:cNvSpPr/>
-          <p:nvPr/>
-        </p:nvSpPr>
-        <p:spPr>
-          <a:xfrm>
-            <a:off x="4529875" y="5475791"/>
-            <a:ext cx="1625005" cy="922649"/>
-          </a:xfrm>
-          <a:prstGeom prst="wedgeRectCallout">
-            <a:avLst>
-              <a:gd name="adj1" fmla="val -52070"/>
-              <a:gd name="adj2" fmla="val -173510"/>
-            </a:avLst>
-          </a:prstGeom>
-        </p:spPr>
-        <p:style>
-          <a:lnRef idx="2">
-            <a:schemeClr val="accent1">
-              <a:shade val="50000"/>
-            </a:schemeClr>
-          </a:lnRef>
-          <a:fillRef idx="1">
-            <a:schemeClr val="accent1"/>
-          </a:fillRef>
-          <a:effectRef idx="0">
-            <a:schemeClr val="accent1"/>
-          </a:effectRef>
-          <a:fontRef idx="minor">
-            <a:schemeClr val="lt1"/>
-          </a:fontRef>
-        </p:style>
-        <p:txBody>
-          <a:bodyPr rtlCol="0" anchor="ctr"/>
-          <a:lstStyle/>
-          <a:p>
-            <a:pPr algn="ctr"/>
-            <a:r>
-              <a:rPr lang="en-ZA" sz="1400" dirty="0"/>
-              <a:t>Remove project specific info for </a:t>
-            </a:r>
-            <a:r>
-              <a:rPr lang="en-ZA" sz="1400" dirty="0" err="1"/>
-              <a:t>C&amp;NA</a:t>
-            </a:r>
-            <a:r>
-              <a:rPr lang="en-ZA" sz="1400" dirty="0"/>
-              <a:t> </a:t>
-            </a:r>
-            <a:r>
-              <a:rPr lang="en-ZA" sz="1400" dirty="0" err="1"/>
-              <a:t>purpuses</a:t>
-            </a:r>
-            <a:endParaRPr lang="en-ZA" sz="1400" dirty="0"/>
-          </a:p>
-        </p:txBody>
-      </p:sp>
-    </p:spTree>
-    <p:extLst>
-      <p:ext uri="{BB962C8B-B14F-4D97-AF65-F5344CB8AC3E}">
-        <p14:creationId xmlns:p14="http://schemas.microsoft.com/office/powerpoint/2010/main" val="2495827654"/>
       </p:ext>
     </p:extLst>
   </p:cSld>
@@ -4700,14 +4182,14 @@
             <p:ph idx="1"/>
             <p:extLst>
               <p:ext uri="{D42A27DB-BD31-4B8C-83A1-F6EECF244321}">
-                <p14:modId xmlns:p14="http://schemas.microsoft.com/office/powerpoint/2010/main" val="3275035203"/>
+                <p14:modId xmlns:p14="http://schemas.microsoft.com/office/powerpoint/2010/main" val="796113372"/>
               </p:ext>
             </p:extLst>
           </p:nvPr>
         </p:nvGraphicFramePr>
         <p:xfrm>
           <a:off x="2601383" y="1456648"/>
-          <a:ext cx="6269678" cy="4572000"/>
+          <a:ext cx="6269678" cy="4788327"/>
         </p:xfrm>
         <a:graphic>
           <a:graphicData uri="http://schemas.openxmlformats.org/drawingml/2006/table">
@@ -5639,6 +5121,61 @@
                         <a:latin typeface="Calibri" panose="020F0502020204030204" pitchFamily="34" charset="0"/>
                       </a:endParaRPr>
                     </a:p>
+                    <a:p>
+                      <a:pPr algn="ctr" fontAlgn="ctr"/>
+                      <a:r>
+                        <a:rPr lang="en-ZA" sz="1200" b="0" i="0" u="none" strike="noStrike" kern="1200" dirty="0">
+                          <a:solidFill>
+                            <a:srgbClr val="000000"/>
+                          </a:solidFill>
+                          <a:effectLst/>
+                          <a:latin typeface="Calibri" panose="020F0502020204030204" pitchFamily="34" charset="0"/>
+                          <a:ea typeface="+mn-ea"/>
+                          <a:cs typeface="+mn-cs"/>
+                        </a:rPr>
+                        <a:t>More information at </a:t>
+                      </a:r>
+                      <a:r>
+                        <a:rPr lang="en-ZA" sz="1200" b="0" i="0" u="sng" strike="noStrike" dirty="0">
+                          <a:solidFill>
+                            <a:srgbClr val="0563C1"/>
+                          </a:solidFill>
+                          <a:effectLst/>
+                          <a:latin typeface="Calibri" panose="020F0502020204030204" pitchFamily="34" charset="0"/>
+                          <a:hlinkClick r:id="rId5"/>
+                        </a:rPr>
+                        <a:t>https://</a:t>
+                      </a:r>
+                      <a:r>
+                        <a:rPr lang="en-ZA" sz="1200" b="0" i="0" u="sng" strike="noStrike" dirty="0" err="1">
+                          <a:solidFill>
+                            <a:srgbClr val="0563C1"/>
+                          </a:solidFill>
+                          <a:effectLst/>
+                          <a:latin typeface="Calibri" panose="020F0502020204030204" pitchFamily="34" charset="0"/>
+                          <a:hlinkClick r:id="rId5"/>
+                        </a:rPr>
+                        <a:t>demix.org</a:t>
+                      </a:r>
+                      <a:r>
+                        <a:rPr lang="en-ZA" sz="1200" b="0" i="0" u="sng" strike="noStrike" dirty="0">
+                          <a:solidFill>
+                            <a:srgbClr val="0563C1"/>
+                          </a:solidFill>
+                          <a:effectLst/>
+                          <a:latin typeface="Calibri" panose="020F0502020204030204" pitchFamily="34" charset="0"/>
+                          <a:hlinkClick r:id="rId5"/>
+                        </a:rPr>
+                        <a:t>/tools</a:t>
+                      </a:r>
+                      <a:endParaRPr lang="en-ZA" sz="1200" b="0" i="0" u="sng" strike="noStrike" dirty="0">
+                        <a:solidFill>
+                          <a:srgbClr val="0563C1"/>
+                        </a:solidFill>
+                        <a:effectLst/>
+                        <a:latin typeface="Calibri" panose="020F0502020204030204" pitchFamily="34" charset="0"/>
+                      </a:endParaRPr>
+                    </a:p>
                   </a:txBody>
                   <a:tcPr marL="0" marR="0" marT="0" marB="0" anchor="ctr">
                     <a:lnL>
@@ -5707,7 +5244,7 @@
                   </a:ext>
                 </a:extLst>
               </a:tr>
-              <a:tr h="172948">
+              <a:tr h="216327">
                 <a:tc>
                   <a:txBody>
                     <a:bodyPr/>
@@ -5722,8 +5259,26 @@
                           <a:effectLst/>
                           <a:latin typeface="Calibri" panose="020F0502020204030204" pitchFamily="34" charset="0"/>
                         </a:rPr>
-                        <a:t>For any enhancement suggestions please email</a:t>
+                        <a:t>Enhancement suggestions email </a:t>
                       </a:r>
+                      <a:r>
+                        <a:rPr lang="en-ZA" sz="1200" b="0" i="0" u="sng" strike="noStrike" dirty="0" err="1">
+                          <a:solidFill>
+                            <a:srgbClr val="0563C1"/>
+                          </a:solidFill>
+                          <a:effectLst/>
+                          <a:latin typeface="Calibri" panose="020F0502020204030204" pitchFamily="34" charset="0"/>
+                          <a:hlinkClick r:id="rId6"/>
+                        </a:rPr>
+                        <a:t>request@demix.org</a:t>
+                      </a:r>
+                      <a:endParaRPr lang="en-US" sz="1200" b="0" i="0" u="none" strike="noStrike" dirty="0">
+                        <a:solidFill>
+                          <a:srgbClr val="000000"/>
+                        </a:solidFill>
+                        <a:effectLst/>
+                        <a:latin typeface="Calibri" panose="020F0502020204030204" pitchFamily="34" charset="0"/>
+                      </a:endParaRPr>
                     </a:p>
                   </a:txBody>
                   <a:tcPr marL="0" marR="0" marT="0" marB="0" anchor="ctr">
@@ -5757,17 +5312,6 @@
                     <a:lstStyle/>
                     <a:p>
                       <a:pPr algn="ctr" fontAlgn="ctr"/>
-                      <a:r>
-                        <a:rPr lang="en-ZA" sz="1200" b="0" i="0" u="sng" strike="noStrike" dirty="0">
-                          <a:solidFill>
-                            <a:srgbClr val="0563C1"/>
-                          </a:solidFill>
-                          <a:effectLst/>
-                          <a:latin typeface="Calibri" panose="020F0502020204030204" pitchFamily="34" charset="0"/>
-                          <a:hlinkClick r:id="rId5"/>
-                        </a:rPr>
-                        <a:t>request@demix.org</a:t>
-                      </a:r>
                       <a:endParaRPr lang="en-ZA" sz="1200" b="0" i="0" u="sng" strike="noStrike" dirty="0">
                         <a:solidFill>
                           <a:srgbClr val="0563C1"/>
@@ -5892,170 +5436,6 @@
           <p:cNvPr id="2" name="Title 1">
             <a:extLst>
               <a:ext uri="{FF2B5EF4-FFF2-40B4-BE49-F238E27FC236}">
-                <a16:creationId xmlns:a16="http://schemas.microsoft.com/office/drawing/2014/main" id="{8B75BDF4-2AC3-4920-B1F1-8938FF77D0A5}"/>
-              </a:ext>
-            </a:extLst>
-          </p:cNvPr>
-          <p:cNvSpPr>
-            <a:spLocks noGrp="1"/>
-          </p:cNvSpPr>
-          <p:nvPr>
-            <p:ph type="title"/>
-          </p:nvPr>
-        </p:nvSpPr>
-        <p:spPr/>
-        <p:txBody>
-          <a:bodyPr/>
-          <a:lstStyle/>
-          <a:p>
-            <a:r>
-              <a:rPr lang="en-ZA" dirty="0"/>
-              <a:t>Please note</a:t>
-            </a:r>
-          </a:p>
-        </p:txBody>
-      </p:sp>
-      <p:sp>
-        <p:nvSpPr>
-          <p:cNvPr id="3" name="Content Placeholder 2">
-            <a:extLst>
-              <a:ext uri="{FF2B5EF4-FFF2-40B4-BE49-F238E27FC236}">
-                <a16:creationId xmlns:a16="http://schemas.microsoft.com/office/drawing/2014/main" id="{D9FC0E00-68AA-442A-A4C9-8724F52A6854}"/>
-              </a:ext>
-            </a:extLst>
-          </p:cNvPr>
-          <p:cNvSpPr>
-            <a:spLocks noGrp="1"/>
-          </p:cNvSpPr>
-          <p:nvPr>
-            <p:ph idx="1"/>
-          </p:nvPr>
-        </p:nvSpPr>
-        <p:spPr/>
-        <p:txBody>
-          <a:bodyPr>
-            <a:normAutofit/>
-          </a:bodyPr>
-          <a:lstStyle/>
-          <a:p>
-            <a:pPr marL="0" indent="0">
-              <a:buNone/>
-            </a:pPr>
-            <a:r>
-              <a:rPr lang="en-ZA" sz="2000" dirty="0"/>
-              <a:t>The BASE software is in development mode and therefore many enhancements still will be made. Software user friendliness also needs to be improved and bugs will be present.</a:t>
-            </a:r>
-          </a:p>
-          <a:p>
-            <a:pPr marL="0" indent="0">
-              <a:buNone/>
-            </a:pPr>
-            <a:endParaRPr lang="en-ZA" sz="2000" dirty="0"/>
-          </a:p>
-          <a:p>
-            <a:pPr marL="0" indent="0">
-              <a:buNone/>
-            </a:pPr>
-            <a:r>
-              <a:rPr lang="en-ZA" sz="2000" dirty="0"/>
-              <a:t>The software is provided under the license agreement below</a:t>
-            </a:r>
-          </a:p>
-          <a:p>
-            <a:pPr marL="0" indent="0">
-              <a:buNone/>
-            </a:pPr>
-            <a:r>
-              <a:rPr lang="en-ZA" sz="1800" dirty="0">
-                <a:hlinkClick r:id="rId2"/>
-              </a:rPr>
-              <a:t>https://github.com/DemixTech/CMMITools/blob/main/LICENSE</a:t>
-            </a:r>
-            <a:r>
-              <a:rPr lang="en-ZA" sz="1800" dirty="0"/>
-              <a:t> </a:t>
-            </a:r>
-          </a:p>
-          <a:p>
-            <a:pPr marL="0" indent="0">
-              <a:buNone/>
-            </a:pPr>
-            <a:endParaRPr lang="en-ZA" sz="2000" dirty="0"/>
-          </a:p>
-          <a:p>
-            <a:pPr marL="0" indent="0">
-              <a:buNone/>
-            </a:pPr>
-            <a:r>
-              <a:rPr lang="en-ZA" sz="2000" dirty="0"/>
-              <a:t>User support is limited. </a:t>
-            </a:r>
-          </a:p>
-          <a:p>
-            <a:pPr marL="0" indent="0">
-              <a:buNone/>
-            </a:pPr>
-            <a:r>
-              <a:rPr lang="en-ZA" sz="2000" dirty="0"/>
-              <a:t> </a:t>
-            </a:r>
-          </a:p>
-          <a:p>
-            <a:pPr marL="0" indent="0">
-              <a:buNone/>
-            </a:pPr>
-            <a:r>
-              <a:rPr lang="en-ZA" sz="2000" dirty="0"/>
-              <a:t>Please submit enhancement requests and support requests to </a:t>
-            </a:r>
-            <a:r>
-              <a:rPr lang="en-ZA" sz="2000" dirty="0">
-                <a:hlinkClick r:id="rId3"/>
-              </a:rPr>
-              <a:t>request@demix.org</a:t>
-            </a:r>
-            <a:r>
-              <a:rPr lang="en-ZA" sz="2000" dirty="0"/>
-              <a:t> </a:t>
-            </a:r>
-          </a:p>
-        </p:txBody>
-      </p:sp>
-    </p:spTree>
-    <p:extLst>
-      <p:ext uri="{BB962C8B-B14F-4D97-AF65-F5344CB8AC3E}">
-        <p14:creationId xmlns:p14="http://schemas.microsoft.com/office/powerpoint/2010/main" val="559565039"/>
-      </p:ext>
-    </p:extLst>
-  </p:cSld>
-  <p:clrMapOvr>
-    <a:masterClrMapping/>
-  </p:clrMapOvr>
-</p:sld>
-</file>
-
-<file path=ppt/slides/slide4.xml><?xml version="1.0" encoding="utf-8"?>
-<p:sld xmlns:a="http://schemas.openxmlformats.org/drawingml/2006/main" xmlns:r="http://schemas.openxmlformats.org/officeDocument/2006/relationships" xmlns:p="http://schemas.openxmlformats.org/presentationml/2006/main">
-  <p:cSld>
-    <p:spTree>
-      <p:nvGrpSpPr>
-        <p:cNvPr id="1" name=""/>
-        <p:cNvGrpSpPr/>
-        <p:nvPr/>
-      </p:nvGrpSpPr>
-      <p:grpSpPr>
-        <a:xfrm>
-          <a:off x="0" y="0"/>
-          <a:ext cx="0" cy="0"/>
-          <a:chOff x="0" y="0"/>
-          <a:chExt cx="0" cy="0"/>
-        </a:xfrm>
-      </p:grpSpPr>
-      <p:sp>
-        <p:nvSpPr>
-          <p:cNvPr id="2" name="Title 1">
-            <a:extLst>
-              <a:ext uri="{FF2B5EF4-FFF2-40B4-BE49-F238E27FC236}">
                 <a16:creationId xmlns:a16="http://schemas.microsoft.com/office/drawing/2014/main" id="{92EE923D-248F-45F7-90E6-665FC4B09487}"/>
               </a:ext>
             </a:extLst>
@@ -6094,14 +5474,14 @@
           <p:nvPr>
             <p:extLst>
               <p:ext uri="{D42A27DB-BD31-4B8C-83A1-F6EECF244321}">
-                <p14:modId xmlns:p14="http://schemas.microsoft.com/office/powerpoint/2010/main" val="3885955859"/>
+                <p14:modId xmlns:p14="http://schemas.microsoft.com/office/powerpoint/2010/main" val="1975905842"/>
               </p:ext>
             </p:extLst>
           </p:nvPr>
         </p:nvGraphicFramePr>
         <p:xfrm>
           <a:off x="1055688" y="2060575"/>
-          <a:ext cx="9917112" cy="3571240"/>
+          <a:ext cx="9917112" cy="4058920"/>
         </p:xfrm>
         <a:graphic>
           <a:graphicData uri="http://schemas.openxmlformats.org/drawingml/2006/table">
@@ -6196,7 +5576,7 @@
                     <a:p>
                       <a:r>
                         <a:rPr lang="en-ZA" sz="1600" dirty="0"/>
-                        <a:t>Copy of 01_rrVaa_CompanyName_CAS_Plan.xlsm and provide source data for the presentations: Technology Test, Opening Briefing, Preliminary Findings and Final Findings</a:t>
+                        <a:t>Copy of 01_rrVaa_CompanyName_CAS_Plan.xlsm and provides source data for the presentations: Technology Test, Opening Briefing, Preliminary Findings and Final Findings</a:t>
                       </a:r>
                     </a:p>
                   </a:txBody>
@@ -6215,9 +5595,10 @@
                     <a:lstStyle/>
                     <a:p>
                       <a:r>
-                        <a:rPr lang="en-ZA" sz="1600" dirty="0"/>
-                        <a:t>01_rrVaa_CompanyName_CAS_Plan.xlsm</a:t>
+                        <a:rPr lang="en-ZA" sz="1600" dirty="0" err="1"/>
+                        <a:t>10_rrVaa_CompanyName_CAS_Plan.xlsm</a:t>
                       </a:r>
+                      <a:endParaRPr lang="en-ZA" sz="1600" dirty="0"/>
                     </a:p>
                   </a:txBody>
                   <a:tcPr/>
@@ -6229,7 +5610,45 @@
                     <a:p>
                       <a:r>
                         <a:rPr lang="en-ZA" sz="1600" dirty="0"/>
-                        <a:t>Main planning sheet. rr is the latest release, Vaa is the latest document number. Update Vaa when content changes. Demix will update rr when a new release is made of the planning sheet. This sheet uses the principle of primary/single source to feed 00_Data_Reference and is the main source to populate the CAS system. It also provides the main data for the DemixCMMItool</a:t>
+                        <a:t>Main planning workbook. rr is the latest release, Vaa is the latest document version number. Update Vaa when content changes. Demix will update rr when a new release is made of the workbook. The workbook is built on the principle of primary/single source. It is </a:t>
+                      </a:r>
+                    </a:p>
+                    <a:p>
+                      <a:pPr marL="285750" indent="-285750">
+                        <a:buFontTx/>
+                        <a:buChar char="-"/>
+                      </a:pPr>
+                      <a:r>
+                        <a:rPr lang="en-ZA" sz="1600" dirty="0"/>
+                        <a:t>copied over </a:t>
+                      </a:r>
+                      <a:r>
+                        <a:rPr lang="en-ZA" sz="1600" dirty="0" err="1"/>
+                        <a:t>00_Data_Reference</a:t>
+                      </a:r>
+                      <a:r>
+                        <a:rPr lang="en-ZA" sz="1600" dirty="0"/>
+                        <a:t> (see above)</a:t>
+                      </a:r>
+                    </a:p>
+                    <a:p>
+                      <a:pPr marL="285750" indent="-285750">
+                        <a:buFontTx/>
+                        <a:buChar char="-"/>
+                      </a:pPr>
+                      <a:r>
+                        <a:rPr lang="en-ZA" sz="1600" dirty="0"/>
+                        <a:t>is the primary source of information for CAS</a:t>
+                      </a:r>
+                    </a:p>
+                    <a:p>
+                      <a:pPr marL="285750" indent="-285750">
+                        <a:buFontTx/>
+                        <a:buChar char="-"/>
+                      </a:pPr>
+                      <a:r>
+                        <a:rPr lang="en-ZA" sz="1600" dirty="0"/>
+                        <a:t>provides data for the BASE software</a:t>
                       </a:r>
                     </a:p>
                   </a:txBody>
@@ -6248,9 +5667,10 @@
                     <a:lstStyle/>
                     <a:p>
                       <a:r>
-                        <a:rPr lang="en-ZA" sz="1600" dirty="0"/>
-                        <a:t>19_03v02_CompanyName_TechnologyTest</a:t>
+                        <a:rPr lang="en-ZA" sz="1600" dirty="0" err="1"/>
+                        <a:t>11_03v02_CompanyName_TechnologyTest</a:t>
                       </a:r>
+                      <a:endParaRPr lang="en-ZA" sz="1600" dirty="0"/>
                     </a:p>
                   </a:txBody>
                   <a:tcPr/>
@@ -6262,8 +5682,13 @@
                     <a:p>
                       <a:r>
                         <a:rPr lang="en-ZA" sz="1600" dirty="0"/>
-                        <a:t>Presentation (can be a participants briefing) but is used the week before phase 2 starts to test the technology. Feeds of 00_Data_Reference</a:t>
+                        <a:t>Presentation (can be a participants briefing) but is used the week before phase 2 starts to test the technology. Plan data is linked to </a:t>
                       </a:r>
+                      <a:r>
+                        <a:rPr lang="en-ZA" sz="1600" dirty="0" err="1"/>
+                        <a:t>00_Data_Reference</a:t>
+                      </a:r>
+                      <a:endParaRPr lang="en-ZA" sz="1600" dirty="0"/>
                     </a:p>
                   </a:txBody>
                   <a:tcPr/>
@@ -6291,7 +5716,7 @@
 </p:sld>
 </file>
 
-<file path=ppt/slides/slide5.xml><?xml version="1.0" encoding="utf-8"?>
+<file path=ppt/slides/slide4.xml><?xml version="1.0" encoding="utf-8"?>
 <p:sld xmlns:a="http://schemas.openxmlformats.org/drawingml/2006/main" xmlns:r="http://schemas.openxmlformats.org/officeDocument/2006/relationships" xmlns:p="http://schemas.openxmlformats.org/presentationml/2006/main">
   <p:cSld>
     <p:spTree>
@@ -6351,14 +5776,14 @@
           <p:nvPr>
             <p:extLst>
               <p:ext uri="{D42A27DB-BD31-4B8C-83A1-F6EECF244321}">
-                <p14:modId xmlns:p14="http://schemas.microsoft.com/office/powerpoint/2010/main" val="2567910463"/>
+                <p14:modId xmlns:p14="http://schemas.microsoft.com/office/powerpoint/2010/main" val="3622893849"/>
               </p:ext>
             </p:extLst>
           </p:nvPr>
         </p:nvGraphicFramePr>
         <p:xfrm>
           <a:off x="1055688" y="2060575"/>
-          <a:ext cx="9917112" cy="1483360"/>
+          <a:ext cx="9917112" cy="2108200"/>
         </p:xfrm>
         <a:graphic>
           <a:graphicData uri="http://schemas.openxmlformats.org/drawingml/2006/table">
@@ -6439,9 +5864,10 @@
                         <a:defRPr/>
                       </a:pPr>
                       <a:r>
-                        <a:rPr lang="en-ZA" sz="1600" dirty="0"/>
-                        <a:t>20_05v02_CompanyName_OpeningBriefing.pptx</a:t>
+                        <a:rPr lang="en-ZA" sz="1600" dirty="0" err="1"/>
+                        <a:t>20_rrVaa_CompanyName_OpeningBriefing.pptx</a:t>
                       </a:r>
+                      <a:endParaRPr lang="en-ZA" sz="1600" dirty="0"/>
                     </a:p>
                   </a:txBody>
                   <a:tcPr/>
@@ -6453,8 +5879,13 @@
                     <a:p>
                       <a:r>
                         <a:rPr lang="en-ZA" sz="1600" dirty="0"/>
-                        <a:t>Opening briefing presentation. Feeds of 00_Data_Reference</a:t>
+                        <a:t>Opening briefing presentation. Plan data is linked to </a:t>
                       </a:r>
+                      <a:r>
+                        <a:rPr lang="en-ZA" sz="1600" dirty="0" err="1"/>
+                        <a:t>00_Data_Reference</a:t>
+                      </a:r>
+                      <a:endParaRPr lang="en-ZA" sz="1600" dirty="0"/>
                     </a:p>
                   </a:txBody>
                   <a:tcPr/>
@@ -6472,9 +5903,10 @@
                     <a:lstStyle/>
                     <a:p>
                       <a:r>
-                        <a:rPr lang="en-ZA" sz="1600" dirty="0"/>
-                        <a:t>22_02v05_CompanyName_PreliminaryFindings.pptx</a:t>
+                        <a:rPr lang="en-ZA" sz="1600" dirty="0" err="1"/>
+                        <a:t>21_rrVaa_CompanyName_PreliminaryFindings.pptx</a:t>
                       </a:r>
+                      <a:endParaRPr lang="en-ZA" sz="1600" dirty="0"/>
                     </a:p>
                   </a:txBody>
                   <a:tcPr/>
@@ -6486,8 +5918,13 @@
                     <a:p>
                       <a:r>
                         <a:rPr lang="en-ZA" sz="1600" dirty="0"/>
-                        <a:t>Preliminay findings presentation. Feeds of 00_Data_Reference</a:t>
+                        <a:t>Preliminay findings presentation. Plan data is linked to </a:t>
                       </a:r>
+                      <a:r>
+                        <a:rPr lang="en-ZA" sz="1600" dirty="0" err="1"/>
+                        <a:t>00_Data_Reference</a:t>
+                      </a:r>
+                      <a:endParaRPr lang="en-ZA" sz="1600" dirty="0"/>
                     </a:p>
                   </a:txBody>
                   <a:tcPr/>
@@ -6505,9 +5942,10 @@
                     <a:lstStyle/>
                     <a:p>
                       <a:r>
-                        <a:rPr lang="en-ZA" sz="1600" dirty="0"/>
-                        <a:t>23_05v03_CompanyName_FinalFindings.pptx</a:t>
+                        <a:rPr lang="en-ZA" sz="1600" dirty="0" err="1"/>
+                        <a:t>30_rrVaa_CompanyName_FinalFindings.pptx</a:t>
                       </a:r>
+                      <a:endParaRPr lang="en-ZA" sz="1600" dirty="0"/>
                     </a:p>
                   </a:txBody>
                   <a:tcPr/>
@@ -6519,8 +5957,13 @@
                     <a:p>
                       <a:r>
                         <a:rPr lang="en-ZA" sz="1600" dirty="0"/>
-                        <a:t>Final findings presentation. Feeds of 00_Data_Reference</a:t>
+                        <a:t>Final findings presentation. Plan data is linked to </a:t>
                       </a:r>
+                      <a:r>
+                        <a:rPr lang="en-ZA" sz="1600" dirty="0" err="1"/>
+                        <a:t>00_Data_Reference</a:t>
+                      </a:r>
+                      <a:endParaRPr lang="en-ZA" sz="1600" dirty="0"/>
                     </a:p>
                   </a:txBody>
                   <a:tcPr/>
@@ -6548,7 +5991,7 @@
 </p:sld>
 </file>
 
-<file path=ppt/slides/slide6.xml><?xml version="1.0" encoding="utf-8"?>
+<file path=ppt/slides/slide5.xml><?xml version="1.0" encoding="utf-8"?>
 <p:sld xmlns:a="http://schemas.openxmlformats.org/drawingml/2006/main" xmlns:r="http://schemas.openxmlformats.org/officeDocument/2006/relationships" xmlns:p="http://schemas.openxmlformats.org/presentationml/2006/main">
   <p:cSld>
     <p:spTree>
@@ -6608,14 +6051,14 @@
           <p:nvPr>
             <p:extLst>
               <p:ext uri="{D42A27DB-BD31-4B8C-83A1-F6EECF244321}">
-                <p14:modId xmlns:p14="http://schemas.microsoft.com/office/powerpoint/2010/main" val="277101072"/>
+                <p14:modId xmlns:p14="http://schemas.microsoft.com/office/powerpoint/2010/main" val="1008778018"/>
               </p:ext>
             </p:extLst>
           </p:nvPr>
         </p:nvGraphicFramePr>
         <p:xfrm>
           <a:off x="1055688" y="1765011"/>
-          <a:ext cx="9910618" cy="3027680"/>
+          <a:ext cx="9910618" cy="3723640"/>
         </p:xfrm>
         <a:graphic>
           <a:graphicData uri="http://schemas.openxmlformats.org/drawingml/2006/table">
@@ -6624,14 +6067,14 @@
                 <a:tableStyleId>{5C22544A-7EE6-4342-B048-85BDC9FD1C3A}</a:tableStyleId>
               </a:tblPr>
               <a:tblGrid>
-                <a:gridCol w="4271843">
+                <a:gridCol w="4543007">
                   <a:extLst>
                     <a:ext uri="{9D8B030D-6E8A-4147-A177-3AD203B41FA5}">
                       <a16:colId xmlns:a16="http://schemas.microsoft.com/office/drawing/2014/main" val="2701033506"/>
                     </a:ext>
                   </a:extLst>
                 </a:gridCol>
-                <a:gridCol w="5638775">
+                <a:gridCol w="5367611">
                   <a:extLst>
                     <a:ext uri="{9D8B030D-6E8A-4147-A177-3AD203B41FA5}">
                       <a16:colId xmlns:a16="http://schemas.microsoft.com/office/drawing/2014/main" val="3921710383"/>
@@ -6679,17 +6122,22 @@
                     <a:lstStyle/>
                     <a:p>
                       <a:r>
-                        <a:rPr lang="en-ZA" sz="1600" dirty="0"/>
-                        <a:t>11_01v26_</a:t>
+                        <a:rPr lang="en-ZA" sz="1600" dirty="0" err="1"/>
+                        <a:t>BASEfiles</a:t>
                       </a:r>
                       <a:r>
-                        <a:rPr lang="en-ZA" sz="1600" dirty="0">
-                          <a:highlight>
-                            <a:srgbClr val="FFFF00"/>
-                          </a:highlight>
-                        </a:rPr>
-                        <a:t>CompanyName_BASE_OEdb.xlsxm</a:t>
+                        <a:rPr lang="en-ZA" sz="1600" dirty="0"/>
+                        <a:t>\</a:t>
                       </a:r>
+                      <a:r>
+                        <a:rPr lang="en-ZA" sz="1600" dirty="0" err="1"/>
+                        <a:t>50_rrVaa_50_09v01_BASE_OEdbATL_template.xlsx</a:t>
+                      </a:r>
+                      <a:endParaRPr lang="en-ZA" sz="1600" dirty="0">
+                        <a:highlight>
+                          <a:srgbClr val="FFFF00"/>
+                        </a:highlight>
+                      </a:endParaRPr>
                     </a:p>
                   </a:txBody>
                   <a:tcPr/>
@@ -6718,7 +6166,15 @@
                       </a:pPr>
                       <a:r>
                         <a:rPr lang="en-ZA" sz="1600" dirty="0"/>
-                        <a:t>A 3 in 1. It is a compact OE database that is 1) generated from the random generated sample list of projects/support functions in the 01_rrVaa_CompanyName_CAS_Plan.xlsm  , 2) contains the scripted questions 3) can be used for OE collection by linking the documents to the projects/support functions 4) used by ATMs to testing document sufficiency, 5) used by ATMs to collect affirmations 6) used by ATMs to document strength, weaknesses and notes 7) used by the appraisal team to perform characterisation</a:t>
+                        <a:t>A template used to create the BASE </a:t>
+                      </a:r>
+                      <a:r>
+                        <a:rPr lang="en-ZA" sz="1600" dirty="0" err="1"/>
+                        <a:t>OEdb</a:t>
+                      </a:r>
+                      <a:r>
+                        <a:rPr lang="en-ZA" sz="1600" dirty="0"/>
+                        <a:t> for the ATL. A 3 in 1. It is a compact OE database that is 1) generated from the random generated sample list of projects/support functions in the 01_rrVaa_CompanyName_CAS_Plan.xlsm  , 2) contains the scripted questions 3) can be used for OE collection by linking the documents to the projects/support functions 4) used by ATMs to testing document sufficiency, 5) used by ATMs to collect affirmations 6) used by ATMs to document strength, weaknesses and notes 7) used by the appraisal team to perform characterisation</a:t>
                       </a:r>
                     </a:p>
                   </a:txBody>
@@ -6736,6 +6192,18 @@
                     <a:bodyPr/>
                     <a:lstStyle/>
                     <a:p>
+                      <a:r>
+                        <a:rPr lang="en-ZA" sz="1600" dirty="0" err="1"/>
+                        <a:t>BASEfiles</a:t>
+                      </a:r>
+                      <a:r>
+                        <a:rPr lang="en-ZA" sz="1600" dirty="0"/>
+                        <a:t>\</a:t>
+                      </a:r>
+                      <a:r>
+                        <a:rPr lang="en-ZA" sz="1600" dirty="0" err="1"/>
+                        <a:t>60_05v01_BASE_QuestionsAndModel.xlsx</a:t>
+                      </a:r>
                       <a:endParaRPr lang="en-ZA" sz="1600" dirty="0"/>
                     </a:p>
                   </a:txBody>
@@ -6746,7 +6214,18 @@
                     <a:bodyPr/>
                     <a:lstStyle/>
                     <a:p>
-                      <a:endParaRPr lang="en-ZA" sz="1600" dirty="0"/>
+                      <a:r>
+                        <a:rPr lang="en-ZA" sz="1600" dirty="0"/>
+                        <a:t>A template that contains scripted questions. This can be updated and is injected into the BASE </a:t>
+                      </a:r>
+                      <a:r>
+                        <a:rPr lang="en-ZA" sz="1600" dirty="0" err="1"/>
+                        <a:t>OEdb</a:t>
+                      </a:r>
+                      <a:r>
+                        <a:rPr lang="en-ZA" sz="1600" dirty="0"/>
+                        <a:t> when it is generated.</a:t>
+                      </a:r>
                     </a:p>
                   </a:txBody>
                   <a:tcPr/>
@@ -6774,7 +6253,7 @@
 </p:sld>
 </file>
 
-<file path=ppt/slides/slide7.xml><?xml version="1.0" encoding="utf-8"?>
+<file path=ppt/slides/slide6.xml><?xml version="1.0" encoding="utf-8"?>
 <p:sld xmlns:a="http://schemas.openxmlformats.org/drawingml/2006/main" xmlns:r="http://schemas.openxmlformats.org/officeDocument/2006/relationships" xmlns:p="http://schemas.openxmlformats.org/presentationml/2006/main">
   <p:cSld>
     <p:spTree>
@@ -6834,7 +6313,7 @@
         <p:spPr>
           <a:xfrm>
             <a:off x="2579239" y="4062859"/>
-            <a:ext cx="6097712" cy="1754326"/>
+            <a:ext cx="6097712" cy="2031325"/>
           </a:xfrm>
           <a:prstGeom prst="rect">
             <a:avLst/>
@@ -6848,27 +6327,40 @@
           <a:lstStyle/>
           <a:p>
             <a:r>
-              <a:rPr lang="en-ZA" dirty="0"/>
-              <a:t>19_03v02_CompanyName_TechnologyTest</a:t>
-            </a:r>
-          </a:p>
-          <a:p>
-            <a:r>
-              <a:rPr lang="en-ZA" dirty="0"/>
-              <a:t>20_05v02_CompanyName_OpeningBriefing.pptx</a:t>
-            </a:r>
-          </a:p>
-          <a:p>
-            <a:r>
-              <a:rPr lang="en-ZA" sz="1800" dirty="0"/>
-              <a:t>22_02v05_CompanyName_PreliminaryFindings.pptx</a:t>
-            </a:r>
-          </a:p>
-          <a:p>
-            <a:r>
-              <a:rPr lang="en-ZA" sz="1800" dirty="0"/>
-              <a:t>23_05v03_CompanyName_FinalFindings.pptx</a:t>
-            </a:r>
+              <a:rPr lang="en-ZA" sz="1800" b="0" i="0" u="none" strike="noStrike" kern="1200" dirty="0" err="1">
+                <a:solidFill>
+                  <a:srgbClr val="000000"/>
+                </a:solidFill>
+                <a:effectLst/>
+                <a:latin typeface="Calibri" panose="020F0502020204030204" pitchFamily="34" charset="0"/>
+              </a:rPr>
+              <a:t>11_03v02_CompanyName_TechnologyTest</a:t>
+            </a:r>
+            <a:endParaRPr lang="en-ZA" dirty="0"/>
+          </a:p>
+          <a:p>
+            <a:r>
+              <a:rPr lang="en-ZA" dirty="0" err="1"/>
+              <a:t>20_rrVaa_CompanyName_OpeningBriefing.pptx</a:t>
+            </a:r>
+            <a:endParaRPr lang="en-ZA" dirty="0"/>
+          </a:p>
+          <a:p>
+            <a:r>
+              <a:rPr lang="en-ZA" dirty="0" err="1"/>
+              <a:t>21_rrVaa_CompanyName_PreliminaryFindings.pptx</a:t>
+            </a:r>
+            <a:endParaRPr lang="en-ZA" dirty="0"/>
+          </a:p>
+          <a:p>
+            <a:r>
+              <a:rPr lang="en-ZA" dirty="0" err="1"/>
+              <a:t>30_rrVaa_CompanyName_FinalFindings.pptx</a:t>
+            </a:r>
+            <a:endParaRPr lang="en-ZA" dirty="0"/>
+          </a:p>
+          <a:p>
+            <a:endParaRPr lang="en-ZA" sz="1800" dirty="0"/>
           </a:p>
           <a:p>
             <a:endParaRPr lang="en-ZA" sz="1800" dirty="0"/>
@@ -6907,8 +6399,14 @@
           <a:lstStyle/>
           <a:p>
             <a:r>
-              <a:rPr lang="en-ZA" sz="1800" dirty="0" err="1"/>
-              <a:t>01_rrVaa_CompanyName_CAS_Plan.xlsm</a:t>
+              <a:rPr lang="en-ZA" sz="1800" b="0" i="0" u="none" strike="noStrike" kern="1200" dirty="0" err="1">
+                <a:solidFill>
+                  <a:srgbClr val="000000"/>
+                </a:solidFill>
+                <a:effectLst/>
+                <a:latin typeface="Calibri" panose="020F0502020204030204" pitchFamily="34" charset="0"/>
+              </a:rPr>
+              <a:t>10_rrVaa_CompanyName_CAS_Plan.xlsm</a:t>
             </a:r>
             <a:endParaRPr lang="en-ZA" sz="1800" dirty="0"/>
           </a:p>
@@ -7837,7 +7335,7 @@
 </p:sld>
 </file>
 
-<file path=ppt/slides/slide8.xml><?xml version="1.0" encoding="utf-8"?>
+<file path=ppt/slides/slide7.xml><?xml version="1.0" encoding="utf-8"?>
 <p:sld xmlns:a="http://schemas.openxmlformats.org/drawingml/2006/main" xmlns:r="http://schemas.openxmlformats.org/officeDocument/2006/relationships" xmlns:p="http://schemas.openxmlformats.org/presentationml/2006/main">
   <p:cSld>
     <p:spTree>
@@ -8114,7 +7612,7 @@
 </p:sld>
 </file>
 
-<file path=ppt/slides/slide9.xml><?xml version="1.0" encoding="utf-8"?>
+<file path=ppt/slides/slide8.xml><?xml version="1.0" encoding="utf-8"?>
 <p:sld xmlns:a="http://schemas.openxmlformats.org/drawingml/2006/main" xmlns:r="http://schemas.openxmlformats.org/officeDocument/2006/relationships" xmlns:p="http://schemas.openxmlformats.org/presentationml/2006/main">
   <p:cSld>
     <p:spTree>
@@ -8709,6 +8207,607 @@
     <p:extLst>
       <p:ext uri="{BB962C8B-B14F-4D97-AF65-F5344CB8AC3E}">
         <p14:creationId xmlns:p14="http://schemas.microsoft.com/office/powerpoint/2010/main" val="1800724562"/>
+      </p:ext>
+    </p:extLst>
+  </p:cSld>
+  <p:clrMapOvr>
+    <a:masterClrMapping/>
+  </p:clrMapOvr>
+</p:sld>
+</file>
+
+<file path=ppt/slides/slide9.xml><?xml version="1.0" encoding="utf-8"?>
+<p:sld xmlns:a="http://schemas.openxmlformats.org/drawingml/2006/main" xmlns:r="http://schemas.openxmlformats.org/officeDocument/2006/relationships" xmlns:p="http://schemas.openxmlformats.org/presentationml/2006/main">
+  <p:cSld>
+    <p:spTree>
+      <p:nvGrpSpPr>
+        <p:cNvPr id="1" name=""/>
+        <p:cNvGrpSpPr/>
+        <p:nvPr/>
+      </p:nvGrpSpPr>
+      <p:grpSpPr>
+        <a:xfrm>
+          <a:off x="0" y="0"/>
+          <a:ext cx="0" cy="0"/>
+          <a:chOff x="0" y="0"/>
+          <a:chExt cx="0" cy="0"/>
+        </a:xfrm>
+      </p:grpSpPr>
+      <p:pic>
+        <p:nvPicPr>
+          <p:cNvPr id="4" name="Picture 3">
+            <a:extLst>
+              <a:ext uri="{FF2B5EF4-FFF2-40B4-BE49-F238E27FC236}">
+                <a16:creationId xmlns:a16="http://schemas.microsoft.com/office/drawing/2014/main" id="{6311327B-CB81-4862-A193-B981F6009373}"/>
+              </a:ext>
+            </a:extLst>
+          </p:cNvPr>
+          <p:cNvPicPr>
+            <a:picLocks noChangeAspect="1"/>
+          </p:cNvPicPr>
+          <p:nvPr/>
+        </p:nvPicPr>
+        <p:blipFill>
+          <a:blip r:embed="rId2"/>
+          <a:stretch>
+            <a:fillRect/>
+          </a:stretch>
+        </p:blipFill>
+        <p:spPr>
+          <a:xfrm>
+            <a:off x="1500028" y="2029678"/>
+            <a:ext cx="7265523" cy="3696246"/>
+          </a:xfrm>
+          <a:prstGeom prst="rect">
+            <a:avLst/>
+          </a:prstGeom>
+        </p:spPr>
+      </p:pic>
+      <p:sp>
+        <p:nvSpPr>
+          <p:cNvPr id="3" name="Content Placeholder 2">
+            <a:extLst>
+              <a:ext uri="{FF2B5EF4-FFF2-40B4-BE49-F238E27FC236}">
+                <a16:creationId xmlns:a16="http://schemas.microsoft.com/office/drawing/2014/main" id="{BD342F81-AD7E-4A7A-9675-88DC2E79140B}"/>
+              </a:ext>
+            </a:extLst>
+          </p:cNvPr>
+          <p:cNvSpPr>
+            <a:spLocks noGrp="1"/>
+          </p:cNvSpPr>
+          <p:nvPr>
+            <p:ph idx="1"/>
+          </p:nvPr>
+        </p:nvSpPr>
+        <p:spPr/>
+        <p:txBody>
+          <a:bodyPr/>
+          <a:lstStyle/>
+          <a:p>
+            <a:pPr marL="0" indent="0">
+              <a:buNone/>
+            </a:pPr>
+            <a:r>
+              <a:rPr lang="en-ZA" sz="1800" dirty="0">
+                <a:solidFill>
+                  <a:srgbClr val="363639"/>
+                </a:solidFill>
+                <a:effectLst/>
+                <a:latin typeface="Helvetica" panose="020B0604020202020204" pitchFamily="34" charset="0"/>
+                <a:ea typeface="Calibri" panose="020F0502020204030204" pitchFamily="34" charset="0"/>
+                <a:cs typeface="Calibri" panose="020F0502020204030204" pitchFamily="34" charset="0"/>
+              </a:rPr>
+              <a:t>Used with the CAS_Plan.xlsm to generate a compact OE database.</a:t>
+            </a:r>
+          </a:p>
+          <a:p>
+            <a:pPr marL="0" indent="0">
+              <a:buNone/>
+            </a:pPr>
+            <a:endParaRPr lang="en-ZA" sz="1800" dirty="0">
+              <a:solidFill>
+                <a:srgbClr val="363639"/>
+              </a:solidFill>
+              <a:effectLst/>
+              <a:latin typeface="Helvetica" panose="020B0604020202020204" pitchFamily="34" charset="0"/>
+              <a:ea typeface="Calibri" panose="020F0502020204030204" pitchFamily="34" charset="0"/>
+              <a:cs typeface="Calibri" panose="020F0502020204030204" pitchFamily="34" charset="0"/>
+            </a:endParaRPr>
+          </a:p>
+        </p:txBody>
+      </p:sp>
+      <p:sp>
+        <p:nvSpPr>
+          <p:cNvPr id="6" name="Speech Bubble: Rectangle 5">
+            <a:extLst>
+              <a:ext uri="{FF2B5EF4-FFF2-40B4-BE49-F238E27FC236}">
+                <a16:creationId xmlns:a16="http://schemas.microsoft.com/office/drawing/2014/main" id="{9F48DA00-165B-47F3-8B6D-F041EFFD796C}"/>
+              </a:ext>
+            </a:extLst>
+          </p:cNvPr>
+          <p:cNvSpPr/>
+          <p:nvPr/>
+        </p:nvSpPr>
+        <p:spPr>
+          <a:xfrm>
+            <a:off x="326678" y="2265386"/>
+            <a:ext cx="1266651" cy="1001796"/>
+          </a:xfrm>
+          <a:prstGeom prst="wedgeRectCallout">
+            <a:avLst>
+              <a:gd name="adj1" fmla="val 83450"/>
+              <a:gd name="adj2" fmla="val -5965"/>
+            </a:avLst>
+          </a:prstGeom>
+        </p:spPr>
+        <p:style>
+          <a:lnRef idx="2">
+            <a:schemeClr val="accent1">
+              <a:shade val="50000"/>
+            </a:schemeClr>
+          </a:lnRef>
+          <a:fillRef idx="1">
+            <a:schemeClr val="accent1"/>
+          </a:fillRef>
+          <a:effectRef idx="0">
+            <a:schemeClr val="accent1"/>
+          </a:effectRef>
+          <a:fontRef idx="minor">
+            <a:schemeClr val="lt1"/>
+          </a:fontRef>
+        </p:style>
+        <p:txBody>
+          <a:bodyPr rtlCol="0" anchor="ctr"/>
+          <a:lstStyle/>
+          <a:p>
+            <a:pPr algn="ctr"/>
+            <a:r>
+              <a:rPr lang="en-ZA" sz="1400" dirty="0"/>
+              <a:t>Select a BASE </a:t>
+            </a:r>
+            <a:r>
+              <a:rPr lang="en-ZA" sz="1400" dirty="0" err="1"/>
+              <a:t>OEdb</a:t>
+            </a:r>
+            <a:r>
+              <a:rPr lang="en-ZA" sz="1400" dirty="0"/>
+              <a:t> to create (template) </a:t>
+            </a:r>
+          </a:p>
+        </p:txBody>
+      </p:sp>
+      <p:sp>
+        <p:nvSpPr>
+          <p:cNvPr id="7" name="Speech Bubble: Rectangle 6">
+            <a:extLst>
+              <a:ext uri="{FF2B5EF4-FFF2-40B4-BE49-F238E27FC236}">
+                <a16:creationId xmlns:a16="http://schemas.microsoft.com/office/drawing/2014/main" id="{82E456E3-6EF9-44DB-9778-BE627CE6E43F}"/>
+              </a:ext>
+            </a:extLst>
+          </p:cNvPr>
+          <p:cNvSpPr/>
+          <p:nvPr/>
+        </p:nvSpPr>
+        <p:spPr>
+          <a:xfrm>
+            <a:off x="8765551" y="1317047"/>
+            <a:ext cx="1266651" cy="1487056"/>
+          </a:xfrm>
+          <a:prstGeom prst="wedgeRectCallout">
+            <a:avLst>
+              <a:gd name="adj1" fmla="val -185682"/>
+              <a:gd name="adj2" fmla="val 39478"/>
+            </a:avLst>
+          </a:prstGeom>
+        </p:spPr>
+        <p:style>
+          <a:lnRef idx="2">
+            <a:schemeClr val="accent1">
+              <a:shade val="50000"/>
+            </a:schemeClr>
+          </a:lnRef>
+          <a:fillRef idx="1">
+            <a:schemeClr val="accent1"/>
+          </a:fillRef>
+          <a:effectRef idx="0">
+            <a:schemeClr val="accent1"/>
+          </a:effectRef>
+          <a:fontRef idx="minor">
+            <a:schemeClr val="lt1"/>
+          </a:fontRef>
+        </p:style>
+        <p:txBody>
+          <a:bodyPr rtlCol="0" anchor="ctr"/>
+          <a:lstStyle/>
+          <a:p>
+            <a:pPr algn="ctr"/>
+            <a:r>
+              <a:rPr lang="en-ZA" sz="1400" dirty="0"/>
+              <a:t>Select a ATM’s compact db with his/her change</a:t>
+            </a:r>
+          </a:p>
+        </p:txBody>
+      </p:sp>
+      <p:sp>
+        <p:nvSpPr>
+          <p:cNvPr id="8" name="Speech Bubble: Rectangle 7">
+            <a:extLst>
+              <a:ext uri="{FF2B5EF4-FFF2-40B4-BE49-F238E27FC236}">
+                <a16:creationId xmlns:a16="http://schemas.microsoft.com/office/drawing/2014/main" id="{EF4D124E-8F15-4ACE-B5AF-1E0221454270}"/>
+              </a:ext>
+            </a:extLst>
+          </p:cNvPr>
+          <p:cNvSpPr/>
+          <p:nvPr/>
+        </p:nvSpPr>
+        <p:spPr>
+          <a:xfrm>
+            <a:off x="6096000" y="3842901"/>
+            <a:ext cx="1702213" cy="1578654"/>
+          </a:xfrm>
+          <a:prstGeom prst="wedgeRectCallout">
+            <a:avLst>
+              <a:gd name="adj1" fmla="val -126618"/>
+              <a:gd name="adj2" fmla="val -50445"/>
+            </a:avLst>
+          </a:prstGeom>
+        </p:spPr>
+        <p:style>
+          <a:lnRef idx="2">
+            <a:schemeClr val="accent1">
+              <a:shade val="50000"/>
+            </a:schemeClr>
+          </a:lnRef>
+          <a:fillRef idx="1">
+            <a:schemeClr val="accent1"/>
+          </a:fillRef>
+          <a:effectRef idx="0">
+            <a:schemeClr val="accent1"/>
+          </a:effectRef>
+          <a:fontRef idx="minor">
+            <a:schemeClr val="lt1"/>
+          </a:fontRef>
+        </p:style>
+        <p:txBody>
+          <a:bodyPr rtlCol="0" anchor="ctr"/>
+          <a:lstStyle/>
+          <a:p>
+            <a:pPr algn="ctr"/>
+            <a:r>
+              <a:rPr lang="en-ZA" sz="1400" dirty="0"/>
+              <a:t>Run Build </a:t>
+            </a:r>
+            <a:r>
+              <a:rPr lang="en-ZA" sz="1400" dirty="0" err="1"/>
+              <a:t>tmpDictionary</a:t>
+            </a:r>
+            <a:r>
+              <a:rPr lang="en-ZA" sz="1400" dirty="0"/>
+              <a:t> first</a:t>
+            </a:r>
+          </a:p>
+          <a:p>
+            <a:pPr algn="ctr"/>
+            <a:r>
+              <a:rPr lang="en-ZA" sz="1400" dirty="0"/>
+              <a:t>Then build an </a:t>
+            </a:r>
+            <a:r>
+              <a:rPr lang="en-ZA" sz="1400" dirty="0" err="1"/>
+              <a:t>OU</a:t>
+            </a:r>
+            <a:r>
+              <a:rPr lang="en-ZA" sz="1400" dirty="0"/>
+              <a:t> maps</a:t>
+            </a:r>
+          </a:p>
+          <a:p>
+            <a:pPr algn="ctr"/>
+            <a:r>
+              <a:rPr lang="en-ZA" sz="1400" dirty="0"/>
+              <a:t>Note: does not build all yet. Needs enhancement</a:t>
+            </a:r>
+          </a:p>
+        </p:txBody>
+      </p:sp>
+      <p:sp>
+        <p:nvSpPr>
+          <p:cNvPr id="9" name="Speech Bubble: Rectangle 8">
+            <a:extLst>
+              <a:ext uri="{FF2B5EF4-FFF2-40B4-BE49-F238E27FC236}">
+                <a16:creationId xmlns:a16="http://schemas.microsoft.com/office/drawing/2014/main" id="{CA7CD5F4-B986-4C37-A19A-6A79C05EE203}"/>
+              </a:ext>
+            </a:extLst>
+          </p:cNvPr>
+          <p:cNvSpPr/>
+          <p:nvPr/>
+        </p:nvSpPr>
+        <p:spPr>
+          <a:xfrm>
+            <a:off x="143838" y="3349375"/>
+            <a:ext cx="1726059" cy="1465555"/>
+          </a:xfrm>
+          <a:prstGeom prst="wedgeRectCallout">
+            <a:avLst>
+              <a:gd name="adj1" fmla="val 60732"/>
+              <a:gd name="adj2" fmla="val -44530"/>
+            </a:avLst>
+          </a:prstGeom>
+        </p:spPr>
+        <p:style>
+          <a:lnRef idx="2">
+            <a:schemeClr val="accent1">
+              <a:shade val="50000"/>
+            </a:schemeClr>
+          </a:lnRef>
+          <a:fillRef idx="1">
+            <a:schemeClr val="accent1"/>
+          </a:fillRef>
+          <a:effectRef idx="0">
+            <a:schemeClr val="accent1"/>
+          </a:effectRef>
+          <a:fontRef idx="minor">
+            <a:schemeClr val="lt1"/>
+          </a:fontRef>
+        </p:style>
+        <p:txBody>
+          <a:bodyPr rtlCol="0" anchor="ctr"/>
+          <a:lstStyle/>
+          <a:p>
+            <a:pPr algn="ctr"/>
+            <a:r>
+              <a:rPr lang="en-ZA" sz="1400" dirty="0"/>
+              <a:t>Generate a BASE </a:t>
+            </a:r>
+            <a:r>
+              <a:rPr lang="en-ZA" sz="1400" dirty="0" err="1"/>
+              <a:t>OEdb</a:t>
+            </a:r>
+            <a:r>
+              <a:rPr lang="en-ZA" sz="1400" dirty="0"/>
+              <a:t> for this appraisal based on 01_rrVaa_CompanyName_CAS_Plan.xlsm </a:t>
+            </a:r>
+          </a:p>
+        </p:txBody>
+      </p:sp>
+      <p:sp>
+        <p:nvSpPr>
+          <p:cNvPr id="10" name="Speech Bubble: Rectangle 9">
+            <a:extLst>
+              <a:ext uri="{FF2B5EF4-FFF2-40B4-BE49-F238E27FC236}">
+                <a16:creationId xmlns:a16="http://schemas.microsoft.com/office/drawing/2014/main" id="{113DB798-E9D9-4364-B9C9-148EFDAB9D80}"/>
+              </a:ext>
+            </a:extLst>
+          </p:cNvPr>
+          <p:cNvSpPr/>
+          <p:nvPr/>
+        </p:nvSpPr>
+        <p:spPr>
+          <a:xfrm>
+            <a:off x="423144" y="5228854"/>
+            <a:ext cx="2036562" cy="1465555"/>
+          </a:xfrm>
+          <a:prstGeom prst="wedgeRectCallout">
+            <a:avLst>
+              <a:gd name="adj1" fmla="val 34070"/>
+              <a:gd name="adj2" fmla="val -134102"/>
+            </a:avLst>
+          </a:prstGeom>
+        </p:spPr>
+        <p:style>
+          <a:lnRef idx="2">
+            <a:schemeClr val="accent1">
+              <a:shade val="50000"/>
+            </a:schemeClr>
+          </a:lnRef>
+          <a:fillRef idx="1">
+            <a:schemeClr val="accent1"/>
+          </a:fillRef>
+          <a:effectRef idx="0">
+            <a:schemeClr val="accent1"/>
+          </a:effectRef>
+          <a:fontRef idx="minor">
+            <a:schemeClr val="lt1"/>
+          </a:fontRef>
+        </p:style>
+        <p:txBody>
+          <a:bodyPr rtlCol="0" anchor="ctr"/>
+          <a:lstStyle/>
+          <a:p>
+            <a:pPr algn="ctr"/>
+            <a:r>
+              <a:rPr lang="en-ZA" sz="1400" dirty="0"/>
+              <a:t>Test the links in the BASE </a:t>
+            </a:r>
+            <a:r>
+              <a:rPr lang="en-ZA" sz="1400" dirty="0" err="1"/>
+              <a:t>OEdb</a:t>
+            </a:r>
+            <a:r>
+              <a:rPr lang="en-ZA" sz="1400" dirty="0"/>
+              <a:t>. Test if English translation of documents are present (-engl) and add ‘n link to the enlsih version</a:t>
+            </a:r>
+          </a:p>
+        </p:txBody>
+      </p:sp>
+      <p:sp>
+        <p:nvSpPr>
+          <p:cNvPr id="11" name="Speech Bubble: Rectangle 10">
+            <a:extLst>
+              <a:ext uri="{FF2B5EF4-FFF2-40B4-BE49-F238E27FC236}">
+                <a16:creationId xmlns:a16="http://schemas.microsoft.com/office/drawing/2014/main" id="{987D8FC4-1E01-4A9D-9454-FE0902399047}"/>
+              </a:ext>
+            </a:extLst>
+          </p:cNvPr>
+          <p:cNvSpPr/>
+          <p:nvPr/>
+        </p:nvSpPr>
+        <p:spPr>
+          <a:xfrm>
+            <a:off x="2784249" y="5246232"/>
+            <a:ext cx="1625005" cy="922649"/>
+          </a:xfrm>
+          <a:prstGeom prst="wedgeRectCallout">
+            <a:avLst>
+              <a:gd name="adj1" fmla="val -32470"/>
+              <a:gd name="adj2" fmla="val -149012"/>
+            </a:avLst>
+          </a:prstGeom>
+        </p:spPr>
+        <p:style>
+          <a:lnRef idx="2">
+            <a:schemeClr val="accent1">
+              <a:shade val="50000"/>
+            </a:schemeClr>
+          </a:lnRef>
+          <a:fillRef idx="1">
+            <a:schemeClr val="accent1"/>
+          </a:fillRef>
+          <a:effectRef idx="0">
+            <a:schemeClr val="accent1"/>
+          </a:effectRef>
+          <a:fontRef idx="minor">
+            <a:schemeClr val="lt1"/>
+          </a:fontRef>
+        </p:style>
+        <p:txBody>
+          <a:bodyPr rtlCol="0" anchor="ctr"/>
+          <a:lstStyle/>
+          <a:p>
+            <a:pPr algn="ctr"/>
+            <a:r>
+              <a:rPr lang="en-ZA" sz="1400" dirty="0"/>
+              <a:t>Extract findings from the BASE </a:t>
+            </a:r>
+            <a:r>
+              <a:rPr lang="en-ZA" sz="1400" dirty="0" err="1"/>
+              <a:t>OEdb</a:t>
+            </a:r>
+            <a:endParaRPr lang="en-ZA" sz="1400" dirty="0"/>
+          </a:p>
+        </p:txBody>
+      </p:sp>
+      <p:sp>
+        <p:nvSpPr>
+          <p:cNvPr id="12" name="Speech Bubble: Rectangle 11">
+            <a:extLst>
+              <a:ext uri="{FF2B5EF4-FFF2-40B4-BE49-F238E27FC236}">
+                <a16:creationId xmlns:a16="http://schemas.microsoft.com/office/drawing/2014/main" id="{37750048-310A-40B4-BFC3-8100A7C1F627}"/>
+              </a:ext>
+            </a:extLst>
+          </p:cNvPr>
+          <p:cNvSpPr/>
+          <p:nvPr/>
+        </p:nvSpPr>
+        <p:spPr>
+          <a:xfrm>
+            <a:off x="8406790" y="2931784"/>
+            <a:ext cx="1805653" cy="1465555"/>
+          </a:xfrm>
+          <a:prstGeom prst="wedgeRectCallout">
+            <a:avLst>
+              <a:gd name="adj1" fmla="val -123190"/>
+              <a:gd name="adj2" fmla="val -9975"/>
+            </a:avLst>
+          </a:prstGeom>
+        </p:spPr>
+        <p:style>
+          <a:lnRef idx="2">
+            <a:schemeClr val="accent1">
+              <a:shade val="50000"/>
+            </a:schemeClr>
+          </a:lnRef>
+          <a:fillRef idx="1">
+            <a:schemeClr val="accent1"/>
+          </a:fillRef>
+          <a:effectRef idx="0">
+            <a:schemeClr val="accent1"/>
+          </a:effectRef>
+          <a:fontRef idx="minor">
+            <a:schemeClr val="lt1"/>
+          </a:fontRef>
+        </p:style>
+        <p:txBody>
+          <a:bodyPr rtlCol="0" anchor="ctr"/>
+          <a:lstStyle/>
+          <a:p>
+            <a:pPr algn="ctr"/>
+            <a:r>
+              <a:rPr lang="en-ZA" sz="1400" dirty="0"/>
+              <a:t>Merge the ATMs changes on the compact OE db with the LAs main compact OE db</a:t>
+            </a:r>
+          </a:p>
+        </p:txBody>
+      </p:sp>
+      <p:sp>
+        <p:nvSpPr>
+          <p:cNvPr id="13" name="Speech Bubble: Rectangle 12">
+            <a:extLst>
+              <a:ext uri="{FF2B5EF4-FFF2-40B4-BE49-F238E27FC236}">
+                <a16:creationId xmlns:a16="http://schemas.microsoft.com/office/drawing/2014/main" id="{2053B7A0-117E-4EC9-BE69-8BC4F5DF1318}"/>
+              </a:ext>
+            </a:extLst>
+          </p:cNvPr>
+          <p:cNvSpPr/>
+          <p:nvPr/>
+        </p:nvSpPr>
+        <p:spPr>
+          <a:xfrm>
+            <a:off x="4529875" y="5475791"/>
+            <a:ext cx="1625005" cy="922649"/>
+          </a:xfrm>
+          <a:prstGeom prst="wedgeRectCallout">
+            <a:avLst>
+              <a:gd name="adj1" fmla="val -52070"/>
+              <a:gd name="adj2" fmla="val -173510"/>
+            </a:avLst>
+          </a:prstGeom>
+        </p:spPr>
+        <p:style>
+          <a:lnRef idx="2">
+            <a:schemeClr val="accent1">
+              <a:shade val="50000"/>
+            </a:schemeClr>
+          </a:lnRef>
+          <a:fillRef idx="1">
+            <a:schemeClr val="accent1"/>
+          </a:fillRef>
+          <a:effectRef idx="0">
+            <a:schemeClr val="accent1"/>
+          </a:effectRef>
+          <a:fontRef idx="minor">
+            <a:schemeClr val="lt1"/>
+          </a:fontRef>
+        </p:style>
+        <p:txBody>
+          <a:bodyPr rtlCol="0" anchor="ctr"/>
+          <a:lstStyle/>
+          <a:p>
+            <a:pPr algn="ctr"/>
+            <a:r>
+              <a:rPr lang="en-ZA" sz="1400" dirty="0"/>
+              <a:t>Remove project specific info for </a:t>
+            </a:r>
+            <a:r>
+              <a:rPr lang="en-ZA" sz="1400" dirty="0" err="1"/>
+              <a:t>C&amp;NA</a:t>
+            </a:r>
+            <a:r>
+              <a:rPr lang="en-ZA" sz="1400" dirty="0"/>
+              <a:t> </a:t>
+            </a:r>
+            <a:r>
+              <a:rPr lang="en-ZA" sz="1400" dirty="0" err="1"/>
+              <a:t>purpuses</a:t>
+            </a:r>
+            <a:endParaRPr lang="en-ZA" sz="1400" dirty="0"/>
+          </a:p>
+        </p:txBody>
+      </p:sp>
+    </p:spTree>
+    <p:extLst>
+      <p:ext uri="{BB962C8B-B14F-4D97-AF65-F5344CB8AC3E}">
+        <p14:creationId xmlns:p14="http://schemas.microsoft.com/office/powerpoint/2010/main" val="2495827654"/>
       </p:ext>
     </p:extLst>
   </p:cSld>
@@ -9821,18 +9920,18 @@
 </file>
 
 <file path=customXml/item2.xml><?xml version="1.0" encoding="utf-8"?>
+<p:properties xmlns:p="http://schemas.microsoft.com/office/2006/metadata/properties" xmlns:xsi="http://www.w3.org/2001/XMLSchema-instance" xmlns:pc="http://schemas.microsoft.com/office/infopath/2007/PartnerControls">
+  <documentManagement/>
+</p:properties>
+</file>
+
+<file path=customXml/item3.xml><?xml version="1.0" encoding="utf-8"?>
 <?mso-contentType ?>
 <FormTemplates xmlns="http://schemas.microsoft.com/sharepoint/v3/contenttype/forms">
   <Display>DocumentLibraryForm</Display>
   <Edit>DocumentLibraryForm</Edit>
   <New>DocumentLibraryForm</New>
 </FormTemplates>
-</file>
-
-<file path=customXml/item3.xml><?xml version="1.0" encoding="utf-8"?>
-<p:properties xmlns:p="http://schemas.microsoft.com/office/2006/metadata/properties" xmlns:xsi="http://www.w3.org/2001/XMLSchema-instance" xmlns:pc="http://schemas.microsoft.com/office/infopath/2007/PartnerControls">
-  <documentManagement/>
-</p:properties>
 </file>
 
 <file path=customXml/itemProps1.xml><?xml version="1.0" encoding="utf-8"?>
@@ -9855,14 +9954,6 @@
 </file>
 
 <file path=customXml/itemProps2.xml><?xml version="1.0" encoding="utf-8"?>
-<ds:datastoreItem xmlns:ds="http://schemas.openxmlformats.org/officeDocument/2006/customXml" ds:itemID="{B8B49826-D5EE-4D24-B649-7C3A19B527D2}">
-  <ds:schemaRefs>
-    <ds:schemaRef ds:uri="http://schemas.microsoft.com/sharepoint/v3/contenttype/forms"/>
-  </ds:schemaRefs>
-</ds:datastoreItem>
-</file>
-
-<file path=customXml/itemProps3.xml><?xml version="1.0" encoding="utf-8"?>
 <ds:datastoreItem xmlns:ds="http://schemas.openxmlformats.org/officeDocument/2006/customXml" ds:itemID="{5F07B0D7-F930-4230-933E-ABA84959494E}">
   <ds:schemaRefs>
     <ds:schemaRef ds:uri="http://purl.org/dc/elements/1.1/"/>
@@ -9877,4 +9968,12 @@
     <ds:schemaRef ds:uri="http://purl.org/dc/terms/"/>
   </ds:schemaRefs>
 </ds:datastoreItem>
+</file>
+
+<file path=customXml/itemProps3.xml><?xml version="1.0" encoding="utf-8"?>
+<ds:datastoreItem xmlns:ds="http://schemas.openxmlformats.org/officeDocument/2006/customXml" ds:itemID="{B8B49826-D5EE-4D24-B649-7C3A19B527D2}">
+  <ds:schemaRefs>
+    <ds:schemaRef ds:uri="http://schemas.microsoft.com/sharepoint/v3/contenttype/forms"/>
+  </ds:schemaRefs>
+</ds:datastoreItem>
 </file>